--- a/Slides/CUDA Slides.pptx
+++ b/Slides/CUDA Slides.pptx
@@ -20,6 +20,7 @@
     <p:sldId id="267" r:id="rId15"/>
     <p:sldId id="268" r:id="rId16"/>
     <p:sldId id="269" r:id="rId17"/>
+    <p:sldId id="270" r:id="rId18"/>
   </p:sldIdLst>
   <p:sldSz cx="9144000" cy="5143500"/>
   <p:notesSz cx="7772400" cy="10058400"/>
@@ -98,7 +99,7 @@
             </a:pPr>
             <a:endParaRPr b="0" lang="en-US" sz="4400" spc="-1" strike="noStrike">
               <a:solidFill>
-                <a:srgbClr val="81d41a"/>
+                <a:srgbClr val="ffffff"/>
               </a:solidFill>
               <a:latin typeface="Arial"/>
             </a:endParaRPr>
@@ -246,7 +247,7 @@
             </a:pPr>
             <a:endParaRPr b="0" lang="en-US" sz="4400" spc="-1" strike="noStrike">
               <a:solidFill>
-                <a:srgbClr val="81d41a"/>
+                <a:srgbClr val="ffffff"/>
               </a:solidFill>
               <a:latin typeface="Arial"/>
             </a:endParaRPr>
@@ -480,7 +481,7 @@
             </a:pPr>
             <a:endParaRPr b="0" lang="en-US" sz="4400" spc="-1" strike="noStrike">
               <a:solidFill>
-                <a:srgbClr val="81d41a"/>
+                <a:srgbClr val="ffffff"/>
               </a:solidFill>
               <a:latin typeface="Arial"/>
             </a:endParaRPr>
@@ -822,7 +823,7 @@
             </a:pPr>
             <a:endParaRPr b="0" lang="en-US" sz="4400" spc="-1" strike="noStrike">
               <a:solidFill>
-                <a:srgbClr val="81d41a"/>
+                <a:srgbClr val="ffffff"/>
               </a:solidFill>
               <a:latin typeface="Arial"/>
             </a:endParaRPr>
@@ -924,7 +925,7 @@
             </a:pPr>
             <a:endParaRPr b="0" lang="en-US" sz="4400" spc="-1" strike="noStrike">
               <a:solidFill>
-                <a:srgbClr val="81d41a"/>
+                <a:srgbClr val="ffffff"/>
               </a:solidFill>
               <a:latin typeface="Arial"/>
             </a:endParaRPr>
@@ -1029,7 +1030,7 @@
             </a:pPr>
             <a:endParaRPr b="0" lang="en-US" sz="4400" spc="-1" strike="noStrike">
               <a:solidFill>
-                <a:srgbClr val="81d41a"/>
+                <a:srgbClr val="ffffff"/>
               </a:solidFill>
               <a:latin typeface="Arial"/>
             </a:endParaRPr>
@@ -1177,7 +1178,7 @@
             </a:pPr>
             <a:endParaRPr b="0" lang="en-US" sz="4400" spc="-1" strike="noStrike">
               <a:solidFill>
-                <a:srgbClr val="81d41a"/>
+                <a:srgbClr val="ffffff"/>
               </a:solidFill>
               <a:latin typeface="Arial"/>
             </a:endParaRPr>
@@ -1299,7 +1300,7 @@
             </a:pPr>
             <a:endParaRPr b="0" lang="en-US" sz="4400" spc="-1" strike="noStrike">
               <a:solidFill>
-                <a:srgbClr val="81d41a"/>
+                <a:srgbClr val="ffffff"/>
               </a:solidFill>
               <a:latin typeface="Arial"/>
             </a:endParaRPr>
@@ -1490,7 +1491,7 @@
             </a:pPr>
             <a:endParaRPr b="0" lang="en-US" sz="4400" spc="-1" strike="noStrike">
               <a:solidFill>
-                <a:srgbClr val="81d41a"/>
+                <a:srgbClr val="ffffff"/>
               </a:solidFill>
               <a:latin typeface="Arial"/>
             </a:endParaRPr>
@@ -1592,7 +1593,7 @@
             </a:pPr>
             <a:endParaRPr b="0" lang="en-US" sz="4400" spc="-1" strike="noStrike">
               <a:solidFill>
-                <a:srgbClr val="81d41a"/>
+                <a:srgbClr val="ffffff"/>
               </a:solidFill>
               <a:latin typeface="Arial"/>
             </a:endParaRPr>
@@ -1783,7 +1784,7 @@
             </a:pPr>
             <a:endParaRPr b="0" lang="en-US" sz="4400" spc="-1" strike="noStrike">
               <a:solidFill>
-                <a:srgbClr val="81d41a"/>
+                <a:srgbClr val="ffffff"/>
               </a:solidFill>
               <a:latin typeface="Arial"/>
             </a:endParaRPr>
@@ -1974,7 +1975,7 @@
             </a:pPr>
             <a:endParaRPr b="0" lang="en-US" sz="4400" spc="-1" strike="noStrike">
               <a:solidFill>
-                <a:srgbClr val="81d41a"/>
+                <a:srgbClr val="ffffff"/>
               </a:solidFill>
               <a:latin typeface="Arial"/>
             </a:endParaRPr>
@@ -2122,7 +2123,7 @@
             </a:pPr>
             <a:endParaRPr b="0" lang="en-US" sz="4400" spc="-1" strike="noStrike">
               <a:solidFill>
-                <a:srgbClr val="81d41a"/>
+                <a:srgbClr val="ffffff"/>
               </a:solidFill>
               <a:latin typeface="Arial"/>
             </a:endParaRPr>
@@ -2356,7 +2357,7 @@
             </a:pPr>
             <a:endParaRPr b="0" lang="en-US" sz="4400" spc="-1" strike="noStrike">
               <a:solidFill>
-                <a:srgbClr val="81d41a"/>
+                <a:srgbClr val="ffffff"/>
               </a:solidFill>
               <a:latin typeface="Arial"/>
             </a:endParaRPr>
@@ -2676,7 +2677,7 @@
             </a:pPr>
             <a:endParaRPr b="0" lang="en-US" sz="4400" spc="-1" strike="noStrike">
               <a:solidFill>
-                <a:srgbClr val="81d41a"/>
+                <a:srgbClr val="ffffff"/>
               </a:solidFill>
               <a:latin typeface="Arial"/>
             </a:endParaRPr>
@@ -2781,7 +2782,7 @@
             </a:pPr>
             <a:endParaRPr b="0" lang="en-US" sz="4400" spc="-1" strike="noStrike">
               <a:solidFill>
-                <a:srgbClr val="81d41a"/>
+                <a:srgbClr val="ffffff"/>
               </a:solidFill>
               <a:latin typeface="Arial"/>
             </a:endParaRPr>
@@ -2929,7 +2930,7 @@
             </a:pPr>
             <a:endParaRPr b="0" lang="en-US" sz="4400" spc="-1" strike="noStrike">
               <a:solidFill>
-                <a:srgbClr val="81d41a"/>
+                <a:srgbClr val="ffffff"/>
               </a:solidFill>
               <a:latin typeface="Arial"/>
             </a:endParaRPr>
@@ -3051,7 +3052,7 @@
             </a:pPr>
             <a:endParaRPr b="0" lang="en-US" sz="4400" spc="-1" strike="noStrike">
               <a:solidFill>
-                <a:srgbClr val="81d41a"/>
+                <a:srgbClr val="ffffff"/>
               </a:solidFill>
               <a:latin typeface="Arial"/>
             </a:endParaRPr>
@@ -3242,7 +3243,7 @@
             </a:pPr>
             <a:endParaRPr b="0" lang="en-US" sz="4400" spc="-1" strike="noStrike">
               <a:solidFill>
-                <a:srgbClr val="81d41a"/>
+                <a:srgbClr val="ffffff"/>
               </a:solidFill>
               <a:latin typeface="Arial"/>
             </a:endParaRPr>
@@ -3433,7 +3434,7 @@
             </a:pPr>
             <a:endParaRPr b="0" lang="en-US" sz="4400" spc="-1" strike="noStrike">
               <a:solidFill>
-                <a:srgbClr val="81d41a"/>
+                <a:srgbClr val="ffffff"/>
               </a:solidFill>
               <a:latin typeface="Arial"/>
             </a:endParaRPr>
@@ -3607,7 +3608,7 @@
         <p:spPr>
           <a:xfrm>
             <a:off x="0" y="542520"/>
-            <a:ext cx="9142920" cy="4057200"/>
+            <a:ext cx="9142200" cy="4056480"/>
           </a:xfrm>
           <a:prstGeom prst="rect">
             <a:avLst/>
@@ -3660,7 +3661,7 @@
         <p:spPr>
           <a:xfrm>
             <a:off x="0" y="0"/>
-            <a:ext cx="4570920" cy="591840"/>
+            <a:ext cx="4570200" cy="591120"/>
           </a:xfrm>
           <a:prstGeom prst="rect">
             <a:avLst/>
@@ -3713,7 +3714,7 @@
         <p:spPr>
           <a:xfrm>
             <a:off x="710280" y="745920"/>
-            <a:ext cx="428040" cy="222480"/>
+            <a:ext cx="427320" cy="221760"/>
           </a:xfrm>
           <a:prstGeom prst="rect">
             <a:avLst/>
@@ -3730,7 +3731,7 @@
           <a:fontRef idx="minor"/>
         </p:style>
         <p:txBody>
-          <a:bodyPr lIns="90000" rIns="90000" tIns="223200" bIns="223200" anchor="ctr">
+          <a:bodyPr lIns="90000" rIns="90000" tIns="222480" bIns="222480" anchor="ctr">
             <a:noAutofit/>
           </a:bodyPr>
           <a:p>
@@ -3770,7 +3771,7 @@
         <p:spPr>
           <a:xfrm>
             <a:off x="710280" y="1009800"/>
-            <a:ext cx="428040" cy="222480"/>
+            <a:ext cx="427320" cy="221760"/>
           </a:xfrm>
           <a:prstGeom prst="rect">
             <a:avLst/>
@@ -3787,7 +3788,7 @@
           <a:fontRef idx="minor"/>
         </p:style>
         <p:txBody>
-          <a:bodyPr lIns="90000" rIns="90000" tIns="223200" bIns="223200" anchor="ctr">
+          <a:bodyPr lIns="90000" rIns="90000" tIns="222480" bIns="222480" anchor="ctr">
             <a:noAutofit/>
           </a:bodyPr>
           <a:p>
@@ -3827,7 +3828,7 @@
         <p:spPr>
           <a:xfrm>
             <a:off x="710280" y="1273320"/>
-            <a:ext cx="428040" cy="222480"/>
+            <a:ext cx="427320" cy="221760"/>
           </a:xfrm>
           <a:prstGeom prst="rect">
             <a:avLst/>
@@ -3844,7 +3845,7 @@
           <a:fontRef idx="minor"/>
         </p:style>
         <p:txBody>
-          <a:bodyPr lIns="90000" rIns="90000" tIns="223200" bIns="223200" anchor="ctr">
+          <a:bodyPr lIns="90000" rIns="90000" tIns="222480" bIns="222480" anchor="ctr">
             <a:noAutofit/>
           </a:bodyPr>
           <a:p>
@@ -3884,7 +3885,7 @@
         <p:spPr>
           <a:xfrm>
             <a:off x="710280" y="1537200"/>
-            <a:ext cx="428040" cy="222480"/>
+            <a:ext cx="427320" cy="221760"/>
           </a:xfrm>
           <a:prstGeom prst="rect">
             <a:avLst/>
@@ -3901,7 +3902,7 @@
           <a:fontRef idx="minor"/>
         </p:style>
         <p:txBody>
-          <a:bodyPr lIns="90000" rIns="90000" tIns="223200" bIns="223200" anchor="ctr">
+          <a:bodyPr lIns="90000" rIns="90000" tIns="222480" bIns="222480" anchor="ctr">
             <a:noAutofit/>
           </a:bodyPr>
           <a:p>
@@ -3941,7 +3942,7 @@
         <p:spPr>
           <a:xfrm>
             <a:off x="710280" y="1800720"/>
-            <a:ext cx="428040" cy="222480"/>
+            <a:ext cx="427320" cy="221760"/>
           </a:xfrm>
           <a:prstGeom prst="rect">
             <a:avLst/>
@@ -3958,7 +3959,7 @@
           <a:fontRef idx="minor"/>
         </p:style>
         <p:txBody>
-          <a:bodyPr lIns="90000" rIns="90000" tIns="223200" bIns="223200" anchor="ctr">
+          <a:bodyPr lIns="90000" rIns="90000" tIns="222480" bIns="222480" anchor="ctr">
             <a:noAutofit/>
           </a:bodyPr>
           <a:p>
@@ -3998,7 +3999,7 @@
         <p:spPr>
           <a:xfrm>
             <a:off x="710280" y="2064600"/>
-            <a:ext cx="428040" cy="222480"/>
+            <a:ext cx="427320" cy="221760"/>
           </a:xfrm>
           <a:prstGeom prst="rect">
             <a:avLst/>
@@ -4015,7 +4016,7 @@
           <a:fontRef idx="minor"/>
         </p:style>
         <p:txBody>
-          <a:bodyPr lIns="90000" rIns="90000" tIns="223200" bIns="223200" anchor="ctr">
+          <a:bodyPr lIns="90000" rIns="90000" tIns="222480" bIns="222480" anchor="ctr">
             <a:noAutofit/>
           </a:bodyPr>
           <a:p>
@@ -4055,7 +4056,7 @@
         <p:spPr>
           <a:xfrm>
             <a:off x="710280" y="2328120"/>
-            <a:ext cx="428040" cy="222480"/>
+            <a:ext cx="427320" cy="221760"/>
           </a:xfrm>
           <a:prstGeom prst="rect">
             <a:avLst/>
@@ -4072,7 +4073,7 @@
           <a:fontRef idx="minor"/>
         </p:style>
         <p:txBody>
-          <a:bodyPr lIns="90000" rIns="90000" tIns="223200" bIns="223200" anchor="ctr">
+          <a:bodyPr lIns="90000" rIns="90000" tIns="222480" bIns="222480" anchor="ctr">
             <a:noAutofit/>
           </a:bodyPr>
           <a:p>
@@ -4112,7 +4113,7 @@
         <p:spPr>
           <a:xfrm>
             <a:off x="710280" y="2592000"/>
-            <a:ext cx="428040" cy="222480"/>
+            <a:ext cx="427320" cy="221760"/>
           </a:xfrm>
           <a:prstGeom prst="rect">
             <a:avLst/>
@@ -4129,7 +4130,7 @@
           <a:fontRef idx="minor"/>
         </p:style>
         <p:txBody>
-          <a:bodyPr lIns="90000" rIns="90000" tIns="223200" bIns="223200" anchor="ctr">
+          <a:bodyPr lIns="90000" rIns="90000" tIns="222480" bIns="222480" anchor="ctr">
             <a:noAutofit/>
           </a:bodyPr>
           <a:p>
@@ -4169,7 +4170,7 @@
         <p:spPr>
           <a:xfrm>
             <a:off x="710280" y="2855520"/>
-            <a:ext cx="428040" cy="222480"/>
+            <a:ext cx="427320" cy="221760"/>
           </a:xfrm>
           <a:prstGeom prst="rect">
             <a:avLst/>
@@ -4186,7 +4187,7 @@
           <a:fontRef idx="minor"/>
         </p:style>
         <p:txBody>
-          <a:bodyPr lIns="90000" rIns="90000" tIns="223200" bIns="223200" anchor="ctr">
+          <a:bodyPr lIns="90000" rIns="90000" tIns="222480" bIns="222480" anchor="ctr">
             <a:noAutofit/>
           </a:bodyPr>
           <a:p>
@@ -4226,7 +4227,7 @@
         <p:spPr>
           <a:xfrm>
             <a:off x="710280" y="3119400"/>
-            <a:ext cx="428040" cy="222480"/>
+            <a:ext cx="427320" cy="221760"/>
           </a:xfrm>
           <a:prstGeom prst="rect">
             <a:avLst/>
@@ -4243,7 +4244,7 @@
           <a:fontRef idx="minor"/>
         </p:style>
         <p:txBody>
-          <a:bodyPr lIns="90000" rIns="90000" tIns="223200" bIns="223200" anchor="ctr">
+          <a:bodyPr lIns="90000" rIns="90000" tIns="222480" bIns="222480" anchor="ctr">
             <a:noAutofit/>
           </a:bodyPr>
           <a:p>
@@ -4283,7 +4284,7 @@
         <p:spPr>
           <a:xfrm>
             <a:off x="710280" y="3382920"/>
-            <a:ext cx="428040" cy="222480"/>
+            <a:ext cx="427320" cy="221760"/>
           </a:xfrm>
           <a:prstGeom prst="rect">
             <a:avLst/>
@@ -4300,7 +4301,7 @@
           <a:fontRef idx="minor"/>
         </p:style>
         <p:txBody>
-          <a:bodyPr lIns="90000" rIns="90000" tIns="223200" bIns="223200" anchor="ctr">
+          <a:bodyPr lIns="90000" rIns="90000" tIns="222480" bIns="222480" anchor="ctr">
             <a:noAutofit/>
           </a:bodyPr>
           <a:p>
@@ -4340,7 +4341,7 @@
         <p:spPr>
           <a:xfrm>
             <a:off x="710280" y="3646800"/>
-            <a:ext cx="428040" cy="222480"/>
+            <a:ext cx="427320" cy="221760"/>
           </a:xfrm>
           <a:prstGeom prst="rect">
             <a:avLst/>
@@ -4357,7 +4358,7 @@
           <a:fontRef idx="minor"/>
         </p:style>
         <p:txBody>
-          <a:bodyPr lIns="90000" rIns="90000" tIns="223200" bIns="223200" anchor="ctr">
+          <a:bodyPr lIns="90000" rIns="90000" tIns="222480" bIns="222480" anchor="ctr">
             <a:noAutofit/>
           </a:bodyPr>
           <a:p>
@@ -4397,7 +4398,7 @@
         <p:spPr>
           <a:xfrm>
             <a:off x="710280" y="3910320"/>
-            <a:ext cx="428040" cy="222480"/>
+            <a:ext cx="427320" cy="221760"/>
           </a:xfrm>
           <a:prstGeom prst="rect">
             <a:avLst/>
@@ -4414,7 +4415,7 @@
           <a:fontRef idx="minor"/>
         </p:style>
         <p:txBody>
-          <a:bodyPr lIns="90000" rIns="90000" tIns="223200" bIns="223200" anchor="ctr">
+          <a:bodyPr lIns="90000" rIns="90000" tIns="222480" bIns="222480" anchor="ctr">
             <a:noAutofit/>
           </a:bodyPr>
           <a:p>
@@ -4454,7 +4455,7 @@
         <p:spPr>
           <a:xfrm>
             <a:off x="710280" y="4174200"/>
-            <a:ext cx="428040" cy="222480"/>
+            <a:ext cx="427320" cy="221760"/>
           </a:xfrm>
           <a:prstGeom prst="rect">
             <a:avLst/>
@@ -4471,7 +4472,7 @@
           <a:fontRef idx="minor"/>
         </p:style>
         <p:txBody>
-          <a:bodyPr lIns="90000" rIns="90000" tIns="223200" bIns="223200" anchor="ctr">
+          <a:bodyPr lIns="90000" rIns="90000" tIns="222480" bIns="222480" anchor="ctr">
             <a:noAutofit/>
           </a:bodyPr>
           <a:p>
@@ -4515,7 +4516,7 @@
         <p:spPr>
           <a:xfrm>
             <a:off x="457200" y="205200"/>
-            <a:ext cx="8228520" cy="857880"/>
+            <a:ext cx="8229240" cy="858600"/>
           </a:xfrm>
           <a:prstGeom prst="rect">
             <a:avLst/>
@@ -4530,11 +4531,11 @@
             <a:noAutofit/>
           </a:bodyPr>
           <a:p>
-            <a:pPr indent="0">
+            <a:pPr indent="0" algn="ctr">
               <a:buNone/>
             </a:pPr>
             <a:r>
-              <a:rPr b="0" lang="en-US" sz="1800" spc="-1" strike="noStrike">
+              <a:rPr b="0" lang="en-US" sz="4400" spc="-1" strike="noStrike">
                 <a:solidFill>
                   <a:srgbClr val="ffffff"/>
                 </a:solidFill>
@@ -4542,7 +4543,7 @@
               </a:rPr>
               <a:t>Click to edit the title text format</a:t>
             </a:r>
-            <a:endParaRPr b="0" lang="en-US" sz="1800" spc="-1" strike="noStrike">
+            <a:endParaRPr b="0" lang="en-US" sz="4400" spc="-1" strike="noStrike">
               <a:solidFill>
                 <a:srgbClr val="ffffff"/>
               </a:solidFill>
@@ -4564,7 +4565,7 @@
         <p:spPr>
           <a:xfrm>
             <a:off x="457200" y="1203480"/>
-            <a:ext cx="8228520" cy="2982240"/>
+            <a:ext cx="8229240" cy="2982960"/>
           </a:xfrm>
           <a:prstGeom prst="rect">
             <a:avLst/>
@@ -4591,7 +4592,7 @@
               <a:buChar char=""/>
             </a:pPr>
             <a:r>
-              <a:rPr b="0" lang="en-US" sz="1800" spc="-1" strike="noStrike">
+              <a:rPr b="0" lang="en-US" sz="3200" spc="-1" strike="noStrike">
                 <a:solidFill>
                   <a:srgbClr val="ffffff"/>
                 </a:solidFill>
@@ -4599,7 +4600,7 @@
               </a:rPr>
               <a:t>Click to edit the outline text format</a:t>
             </a:r>
-            <a:endParaRPr b="0" lang="en-US" sz="1800" spc="-1" strike="noStrike">
+            <a:endParaRPr b="0" lang="en-US" sz="3200" spc="-1" strike="noStrike">
               <a:solidFill>
                 <a:srgbClr val="ffffff"/>
               </a:solidFill>
@@ -4619,7 +4620,7 @@
               <a:buChar char=""/>
             </a:pPr>
             <a:r>
-              <a:rPr b="0" lang="en-US" sz="1800" spc="-1" strike="noStrike">
+              <a:rPr b="0" lang="en-US" sz="2800" spc="-1" strike="noStrike">
                 <a:solidFill>
                   <a:srgbClr val="ffffff"/>
                 </a:solidFill>
@@ -4627,7 +4628,7 @@
               </a:rPr>
               <a:t>Second Outline Level</a:t>
             </a:r>
-            <a:endParaRPr b="0" lang="en-US" sz="1800" spc="-1" strike="noStrike">
+            <a:endParaRPr b="0" lang="en-US" sz="2800" spc="-1" strike="noStrike">
               <a:solidFill>
                 <a:srgbClr val="ffffff"/>
               </a:solidFill>
@@ -4647,7 +4648,7 @@
               <a:buChar char=""/>
             </a:pPr>
             <a:r>
-              <a:rPr b="0" lang="en-US" sz="1800" spc="-1" strike="noStrike">
+              <a:rPr b="0" lang="en-US" sz="2400" spc="-1" strike="noStrike">
                 <a:solidFill>
                   <a:srgbClr val="ffffff"/>
                 </a:solidFill>
@@ -4655,7 +4656,7 @@
               </a:rPr>
               <a:t>Third Outline Level</a:t>
             </a:r>
-            <a:endParaRPr b="0" lang="en-US" sz="1800" spc="-1" strike="noStrike">
+            <a:endParaRPr b="0" lang="en-US" sz="2400" spc="-1" strike="noStrike">
               <a:solidFill>
                 <a:srgbClr val="ffffff"/>
               </a:solidFill>
@@ -4675,7 +4676,7 @@
               <a:buChar char=""/>
             </a:pPr>
             <a:r>
-              <a:rPr b="0" lang="en-US" sz="1800" spc="-1" strike="noStrike">
+              <a:rPr b="0" lang="en-US" sz="2000" spc="-1" strike="noStrike">
                 <a:solidFill>
                   <a:srgbClr val="ffffff"/>
                 </a:solidFill>
@@ -4683,7 +4684,7 @@
               </a:rPr>
               <a:t>Fourth Outline Level</a:t>
             </a:r>
-            <a:endParaRPr b="0" lang="en-US" sz="1800" spc="-1" strike="noStrike">
+            <a:endParaRPr b="0" lang="en-US" sz="2000" spc="-1" strike="noStrike">
               <a:solidFill>
                 <a:srgbClr val="ffffff"/>
               </a:solidFill>
@@ -4703,7 +4704,7 @@
               <a:buChar char=""/>
             </a:pPr>
             <a:r>
-              <a:rPr b="0" lang="en-US" sz="1800" spc="-1" strike="noStrike">
+              <a:rPr b="0" lang="en-US" sz="2000" spc="-1" strike="noStrike">
                 <a:solidFill>
                   <a:srgbClr val="ffffff"/>
                 </a:solidFill>
@@ -4711,7 +4712,7 @@
               </a:rPr>
               <a:t>Fifth Outline Level</a:t>
             </a:r>
-            <a:endParaRPr b="0" lang="en-US" sz="1800" spc="-1" strike="noStrike">
+            <a:endParaRPr b="0" lang="en-US" sz="2000" spc="-1" strike="noStrike">
               <a:solidFill>
                 <a:srgbClr val="ffffff"/>
               </a:solidFill>
@@ -4731,7 +4732,7 @@
               <a:buChar char=""/>
             </a:pPr>
             <a:r>
-              <a:rPr b="0" lang="en-US" sz="1800" spc="-1" strike="noStrike">
+              <a:rPr b="0" lang="en-US" sz="2000" spc="-1" strike="noStrike">
                 <a:solidFill>
                   <a:srgbClr val="ffffff"/>
                 </a:solidFill>
@@ -4739,7 +4740,7 @@
               </a:rPr>
               <a:t>Sixth Outline Level</a:t>
             </a:r>
-            <a:endParaRPr b="0" lang="en-US" sz="1800" spc="-1" strike="noStrike">
+            <a:endParaRPr b="0" lang="en-US" sz="2000" spc="-1" strike="noStrike">
               <a:solidFill>
                 <a:srgbClr val="ffffff"/>
               </a:solidFill>
@@ -4759,7 +4760,7 @@
               <a:buChar char=""/>
             </a:pPr>
             <a:r>
-              <a:rPr b="0" lang="en-US" sz="1800" spc="-1" strike="noStrike">
+              <a:rPr b="0" lang="en-US" sz="2000" spc="-1" strike="noStrike">
                 <a:solidFill>
                   <a:srgbClr val="ffffff"/>
                 </a:solidFill>
@@ -4767,7 +4768,7 @@
               </a:rPr>
               <a:t>Seventh Outline Level</a:t>
             </a:r>
-            <a:endParaRPr b="0" lang="en-US" sz="1800" spc="-1" strike="noStrike">
+            <a:endParaRPr b="0" lang="en-US" sz="2000" spc="-1" strike="noStrike">
               <a:solidFill>
                 <a:srgbClr val="ffffff"/>
               </a:solidFill>
@@ -4829,7 +4830,7 @@
         <p:spPr>
           <a:xfrm>
             <a:off x="0" y="542520"/>
-            <a:ext cx="9142920" cy="4057200"/>
+            <a:ext cx="9142200" cy="4056480"/>
           </a:xfrm>
           <a:prstGeom prst="rect">
             <a:avLst/>
@@ -4879,7 +4880,7 @@
         <p:spPr>
           <a:xfrm>
             <a:off x="4572000" y="0"/>
-            <a:ext cx="4570920" cy="591840"/>
+            <a:ext cx="4570200" cy="591120"/>
           </a:xfrm>
           <a:prstGeom prst="rect">
             <a:avLst/>
@@ -4929,7 +4930,7 @@
         <p:spPr>
           <a:xfrm>
             <a:off x="710280" y="745920"/>
-            <a:ext cx="428040" cy="222480"/>
+            <a:ext cx="427320" cy="221760"/>
           </a:xfrm>
           <a:prstGeom prst="rect">
             <a:avLst/>
@@ -4946,7 +4947,7 @@
           <a:fontRef idx="minor"/>
         </p:style>
         <p:txBody>
-          <a:bodyPr lIns="90000" rIns="90000" tIns="223200" bIns="223200" anchor="ctr">
+          <a:bodyPr lIns="90000" rIns="90000" tIns="222480" bIns="222480" anchor="ctr">
             <a:noAutofit/>
           </a:bodyPr>
           <a:p>
@@ -4986,7 +4987,7 @@
         <p:spPr>
           <a:xfrm>
             <a:off x="710280" y="1009800"/>
-            <a:ext cx="428040" cy="222480"/>
+            <a:ext cx="427320" cy="221760"/>
           </a:xfrm>
           <a:prstGeom prst="rect">
             <a:avLst/>
@@ -5003,7 +5004,7 @@
           <a:fontRef idx="minor"/>
         </p:style>
         <p:txBody>
-          <a:bodyPr lIns="90000" rIns="90000" tIns="223200" bIns="223200" anchor="ctr">
+          <a:bodyPr lIns="90000" rIns="90000" tIns="222480" bIns="222480" anchor="ctr">
             <a:noAutofit/>
           </a:bodyPr>
           <a:p>
@@ -5043,7 +5044,7 @@
         <p:spPr>
           <a:xfrm>
             <a:off x="710280" y="1273320"/>
-            <a:ext cx="428040" cy="222480"/>
+            <a:ext cx="427320" cy="221760"/>
           </a:xfrm>
           <a:prstGeom prst="rect">
             <a:avLst/>
@@ -5060,7 +5061,7 @@
           <a:fontRef idx="minor"/>
         </p:style>
         <p:txBody>
-          <a:bodyPr lIns="90000" rIns="90000" tIns="223200" bIns="223200" anchor="ctr">
+          <a:bodyPr lIns="90000" rIns="90000" tIns="222480" bIns="222480" anchor="ctr">
             <a:noAutofit/>
           </a:bodyPr>
           <a:p>
@@ -5100,7 +5101,7 @@
         <p:spPr>
           <a:xfrm>
             <a:off x="710280" y="1537200"/>
-            <a:ext cx="428040" cy="222480"/>
+            <a:ext cx="427320" cy="221760"/>
           </a:xfrm>
           <a:prstGeom prst="rect">
             <a:avLst/>
@@ -5117,7 +5118,7 @@
           <a:fontRef idx="minor"/>
         </p:style>
         <p:txBody>
-          <a:bodyPr lIns="90000" rIns="90000" tIns="223200" bIns="223200" anchor="ctr">
+          <a:bodyPr lIns="90000" rIns="90000" tIns="222480" bIns="222480" anchor="ctr">
             <a:noAutofit/>
           </a:bodyPr>
           <a:p>
@@ -5157,7 +5158,7 @@
         <p:spPr>
           <a:xfrm>
             <a:off x="710280" y="1800720"/>
-            <a:ext cx="428040" cy="222480"/>
+            <a:ext cx="427320" cy="221760"/>
           </a:xfrm>
           <a:prstGeom prst="rect">
             <a:avLst/>
@@ -5174,7 +5175,7 @@
           <a:fontRef idx="minor"/>
         </p:style>
         <p:txBody>
-          <a:bodyPr lIns="90000" rIns="90000" tIns="223200" bIns="223200" anchor="ctr">
+          <a:bodyPr lIns="90000" rIns="90000" tIns="222480" bIns="222480" anchor="ctr">
             <a:noAutofit/>
           </a:bodyPr>
           <a:p>
@@ -5214,7 +5215,7 @@
         <p:spPr>
           <a:xfrm>
             <a:off x="710280" y="2064600"/>
-            <a:ext cx="428040" cy="222480"/>
+            <a:ext cx="427320" cy="221760"/>
           </a:xfrm>
           <a:prstGeom prst="rect">
             <a:avLst/>
@@ -5231,7 +5232,7 @@
           <a:fontRef idx="minor"/>
         </p:style>
         <p:txBody>
-          <a:bodyPr lIns="90000" rIns="90000" tIns="223200" bIns="223200" anchor="ctr">
+          <a:bodyPr lIns="90000" rIns="90000" tIns="222480" bIns="222480" anchor="ctr">
             <a:noAutofit/>
           </a:bodyPr>
           <a:p>
@@ -5271,7 +5272,7 @@
         <p:spPr>
           <a:xfrm>
             <a:off x="710280" y="2328120"/>
-            <a:ext cx="428040" cy="222480"/>
+            <a:ext cx="427320" cy="221760"/>
           </a:xfrm>
           <a:prstGeom prst="rect">
             <a:avLst/>
@@ -5288,7 +5289,7 @@
           <a:fontRef idx="minor"/>
         </p:style>
         <p:txBody>
-          <a:bodyPr lIns="90000" rIns="90000" tIns="223200" bIns="223200" anchor="ctr">
+          <a:bodyPr lIns="90000" rIns="90000" tIns="222480" bIns="222480" anchor="ctr">
             <a:noAutofit/>
           </a:bodyPr>
           <a:p>
@@ -5328,7 +5329,7 @@
         <p:spPr>
           <a:xfrm>
             <a:off x="710280" y="2592000"/>
-            <a:ext cx="428040" cy="222480"/>
+            <a:ext cx="427320" cy="221760"/>
           </a:xfrm>
           <a:prstGeom prst="rect">
             <a:avLst/>
@@ -5345,7 +5346,7 @@
           <a:fontRef idx="minor"/>
         </p:style>
         <p:txBody>
-          <a:bodyPr lIns="90000" rIns="90000" tIns="223200" bIns="223200" anchor="ctr">
+          <a:bodyPr lIns="90000" rIns="90000" tIns="222480" bIns="222480" anchor="ctr">
             <a:noAutofit/>
           </a:bodyPr>
           <a:p>
@@ -5385,7 +5386,7 @@
         <p:spPr>
           <a:xfrm>
             <a:off x="710280" y="2855520"/>
-            <a:ext cx="428040" cy="222480"/>
+            <a:ext cx="427320" cy="221760"/>
           </a:xfrm>
           <a:prstGeom prst="rect">
             <a:avLst/>
@@ -5402,7 +5403,7 @@
           <a:fontRef idx="minor"/>
         </p:style>
         <p:txBody>
-          <a:bodyPr lIns="90000" rIns="90000" tIns="223200" bIns="223200" anchor="ctr">
+          <a:bodyPr lIns="90000" rIns="90000" tIns="222480" bIns="222480" anchor="ctr">
             <a:noAutofit/>
           </a:bodyPr>
           <a:p>
@@ -5442,7 +5443,7 @@
         <p:spPr>
           <a:xfrm>
             <a:off x="710280" y="3119400"/>
-            <a:ext cx="428040" cy="222480"/>
+            <a:ext cx="427320" cy="221760"/>
           </a:xfrm>
           <a:prstGeom prst="rect">
             <a:avLst/>
@@ -5459,7 +5460,7 @@
           <a:fontRef idx="minor"/>
         </p:style>
         <p:txBody>
-          <a:bodyPr lIns="90000" rIns="90000" tIns="223200" bIns="223200" anchor="ctr">
+          <a:bodyPr lIns="90000" rIns="90000" tIns="222480" bIns="222480" anchor="ctr">
             <a:noAutofit/>
           </a:bodyPr>
           <a:p>
@@ -5499,7 +5500,7 @@
         <p:spPr>
           <a:xfrm>
             <a:off x="710280" y="3382920"/>
-            <a:ext cx="428040" cy="222480"/>
+            <a:ext cx="427320" cy="221760"/>
           </a:xfrm>
           <a:prstGeom prst="rect">
             <a:avLst/>
@@ -5516,7 +5517,7 @@
           <a:fontRef idx="minor"/>
         </p:style>
         <p:txBody>
-          <a:bodyPr lIns="90000" rIns="90000" tIns="223200" bIns="223200" anchor="ctr">
+          <a:bodyPr lIns="90000" rIns="90000" tIns="222480" bIns="222480" anchor="ctr">
             <a:noAutofit/>
           </a:bodyPr>
           <a:p>
@@ -5556,7 +5557,7 @@
         <p:spPr>
           <a:xfrm>
             <a:off x="710280" y="3646800"/>
-            <a:ext cx="428040" cy="222480"/>
+            <a:ext cx="427320" cy="221760"/>
           </a:xfrm>
           <a:prstGeom prst="rect">
             <a:avLst/>
@@ -5573,7 +5574,7 @@
           <a:fontRef idx="minor"/>
         </p:style>
         <p:txBody>
-          <a:bodyPr lIns="90000" rIns="90000" tIns="223200" bIns="223200" anchor="ctr">
+          <a:bodyPr lIns="90000" rIns="90000" tIns="222480" bIns="222480" anchor="ctr">
             <a:noAutofit/>
           </a:bodyPr>
           <a:p>
@@ -5613,7 +5614,7 @@
         <p:spPr>
           <a:xfrm>
             <a:off x="710280" y="3910320"/>
-            <a:ext cx="428040" cy="222480"/>
+            <a:ext cx="427320" cy="221760"/>
           </a:xfrm>
           <a:prstGeom prst="rect">
             <a:avLst/>
@@ -5630,7 +5631,7 @@
           <a:fontRef idx="minor"/>
         </p:style>
         <p:txBody>
-          <a:bodyPr lIns="90000" rIns="90000" tIns="223200" bIns="223200" anchor="ctr">
+          <a:bodyPr lIns="90000" rIns="90000" tIns="222480" bIns="222480" anchor="ctr">
             <a:noAutofit/>
           </a:bodyPr>
           <a:p>
@@ -5670,7 +5671,7 @@
         <p:spPr>
           <a:xfrm>
             <a:off x="710280" y="4174200"/>
-            <a:ext cx="428040" cy="222480"/>
+            <a:ext cx="427320" cy="221760"/>
           </a:xfrm>
           <a:prstGeom prst="rect">
             <a:avLst/>
@@ -5687,7 +5688,7 @@
           <a:fontRef idx="minor"/>
         </p:style>
         <p:txBody>
-          <a:bodyPr lIns="90000" rIns="90000" tIns="223200" bIns="223200" anchor="ctr">
+          <a:bodyPr lIns="90000" rIns="90000" tIns="222480" bIns="222480" anchor="ctr">
             <a:noAutofit/>
           </a:bodyPr>
           <a:p>
@@ -5752,7 +5753,7 @@
             <a:r>
               <a:rPr b="0" lang="en-US" sz="4400" spc="-1" strike="noStrike">
                 <a:solidFill>
-                  <a:srgbClr val="81d41a"/>
+                  <a:srgbClr val="ffffff"/>
                 </a:solidFill>
                 <a:latin typeface="Arial"/>
               </a:rPr>
@@ -5760,7 +5761,7 @@
             </a:r>
             <a:endParaRPr b="0" lang="en-US" sz="4400" spc="-1" strike="noStrike">
               <a:solidFill>
-                <a:srgbClr val="81d41a"/>
+                <a:srgbClr val="ffffff"/>
               </a:solidFill>
               <a:latin typeface="Arial"/>
             </a:endParaRPr>
@@ -6042,7 +6043,7 @@
         <p:spPr>
           <a:xfrm>
             <a:off x="1413360" y="1144080"/>
-            <a:ext cx="5787720" cy="516600"/>
+            <a:ext cx="5787000" cy="515880"/>
           </a:xfrm>
           <a:prstGeom prst="rect">
             <a:avLst/>
@@ -6118,7 +6119,7 @@
         <p:spPr>
           <a:xfrm>
             <a:off x="2230920" y="2765160"/>
-            <a:ext cx="6201720" cy="459720"/>
+            <a:ext cx="6201000" cy="459000"/>
           </a:xfrm>
           <a:prstGeom prst="rect">
             <a:avLst/>
@@ -6150,7 +6151,88 @@
                 <a:latin typeface="Fira Code"/>
                 <a:ea typeface="Fira Code"/>
               </a:rPr>
-              <a:t>	</a:t>
+              <a:t>Dave Lockwood</a:t>
+            </a:r>
+            <a:endParaRPr b="0" lang="en-US" sz="1800" spc="-1" strike="noStrike">
+              <a:solidFill>
+                <a:srgbClr val="ffffff"/>
+              </a:solidFill>
+              <a:latin typeface="Arial"/>
+            </a:endParaRPr>
+          </a:p>
+          <a:p>
+            <a:pPr indent="0">
+              <a:lnSpc>
+                <a:spcPct val="100000"/>
+              </a:lnSpc>
+              <a:buNone/>
+              <a:tabLst>
+                <a:tab algn="l" pos="0"/>
+              </a:tabLst>
+            </a:pPr>
+            <a:r>
+              <a:rPr b="0" lang="en-US" sz="1800" spc="-1" strike="noStrike">
+                <a:solidFill>
+                  <a:srgbClr val="ffffff"/>
+                </a:solidFill>
+                <a:latin typeface="Arial"/>
+                <a:ea typeface="Fira Code"/>
+              </a:rPr>
+              <a:t>#880704411</a:t>
+            </a:r>
+            <a:endParaRPr b="0" lang="en-US" sz="1800" spc="-1" strike="noStrike">
+              <a:solidFill>
+                <a:srgbClr val="ffffff"/>
+              </a:solidFill>
+              <a:latin typeface="Arial"/>
+            </a:endParaRPr>
+          </a:p>
+          <a:p>
+            <a:pPr indent="0">
+              <a:lnSpc>
+                <a:spcPct val="100000"/>
+              </a:lnSpc>
+              <a:buNone/>
+              <a:tabLst>
+                <a:tab algn="l" pos="0"/>
+              </a:tabLst>
+            </a:pPr>
+            <a:r>
+              <a:rPr b="0" lang="en-US" sz="1800" spc="-1" strike="noStrike">
+                <a:solidFill>
+                  <a:srgbClr val="ffffff"/>
+                </a:solidFill>
+                <a:latin typeface="Arial"/>
+                <a:ea typeface="Fira Code"/>
+              </a:rPr>
+              <a:t>CS131 Discrete Mathematics </a:t>
+            </a:r>
+            <a:endParaRPr b="0" lang="en-US" sz="1800" spc="-1" strike="noStrike">
+              <a:solidFill>
+                <a:srgbClr val="ffffff"/>
+              </a:solidFill>
+              <a:latin typeface="Arial"/>
+            </a:endParaRPr>
+          </a:p>
+          <a:p>
+            <a:pPr indent="0">
+              <a:lnSpc>
+                <a:spcPct val="100000"/>
+              </a:lnSpc>
+              <a:buNone/>
+              <a:tabLst>
+                <a:tab algn="l" pos="0"/>
+              </a:tabLst>
+            </a:pPr>
+            <a:r>
+              <a:rPr b="0" lang="en-US" sz="1800" spc="-1" strike="noStrike">
+                <a:solidFill>
+                  <a:srgbClr val="ffffff"/>
+                </a:solidFill>
+                <a:latin typeface="Arial"/>
+                <a:ea typeface="Fira Code"/>
+              </a:rPr>
+              <a:t>Fall 2025</a:t>
             </a:r>
             <a:endParaRPr b="0" lang="en-US" sz="1800" spc="-1" strike="noStrike">
               <a:solidFill>
@@ -6174,7 +6256,7 @@
         <p:spPr>
           <a:xfrm>
             <a:off x="710280" y="4694760"/>
-            <a:ext cx="4863960" cy="356400"/>
+            <a:ext cx="4863240" cy="355680"/>
           </a:xfrm>
           <a:prstGeom prst="rect">
             <a:avLst/>
@@ -6230,7 +6312,7 @@
         <p:spPr>
           <a:xfrm>
             <a:off x="1788840" y="1761840"/>
-            <a:ext cx="5787720" cy="459720"/>
+            <a:ext cx="5787000" cy="459000"/>
           </a:xfrm>
           <a:prstGeom prst="rect">
             <a:avLst/>
@@ -6281,9 +6363,9 @@
         <p:grpSpPr>
           <a:xfrm>
             <a:off x="1413360" y="1759680"/>
-            <a:ext cx="505080" cy="2437560"/>
+            <a:ext cx="504360" cy="2437560"/>
             <a:chOff x="1413360" y="1759680"/>
-            <a:chExt cx="505080" cy="2437560"/>
+            <a:chExt cx="504360" cy="2437560"/>
           </a:xfrm>
         </p:grpSpPr>
         <p:cxnSp>
@@ -6295,7 +6377,7 @@
           <p:spPr>
             <a:xfrm>
               <a:off x="1551960" y="1759680"/>
-              <a:ext cx="1080" cy="1764360"/>
+              <a:ext cx="1800" cy="1765080"/>
             </a:xfrm>
             <a:prstGeom prst="straightConnector1">
               <a:avLst/>
@@ -6317,7 +6399,7 @@
           <p:spPr>
             <a:xfrm>
               <a:off x="1413360" y="3557880"/>
-              <a:ext cx="505080" cy="639360"/>
+              <a:ext cx="504360" cy="639360"/>
             </a:xfrm>
             <a:prstGeom prst="rect">
               <a:avLst/>
@@ -6379,7 +6461,7 @@
         <p:spPr>
           <a:xfrm>
             <a:off x="-6120" y="91440"/>
-            <a:ext cx="4570920" cy="356400"/>
+            <a:ext cx="4570200" cy="355680"/>
           </a:xfrm>
           <a:prstGeom prst="rect">
             <a:avLst/>
@@ -6444,7 +6526,7 @@
         <p:spPr>
           <a:xfrm>
             <a:off x="4572000" y="91440"/>
-            <a:ext cx="4570920" cy="356400"/>
+            <a:ext cx="4570200" cy="355680"/>
           </a:xfrm>
           <a:prstGeom prst="rect">
             <a:avLst/>
@@ -6495,15 +6577,15 @@
         <p:spPr>
           <a:xfrm>
             <a:off x="1828800" y="4800600"/>
-            <a:ext cx="228240" cy="250560"/>
+            <a:ext cx="227520" cy="249840"/>
           </a:xfrm>
           <a:custGeom>
             <a:avLst/>
             <a:gdLst>
-              <a:gd name="textAreaLeft" fmla="*/ 0 w 228240"/>
-              <a:gd name="textAreaRight" fmla="*/ 228960 w 228240"/>
-              <a:gd name="textAreaTop" fmla="*/ 0 h 250560"/>
-              <a:gd name="textAreaBottom" fmla="*/ 251280 h 250560"/>
+              <a:gd name="textAreaLeft" fmla="*/ 0 w 227520"/>
+              <a:gd name="textAreaRight" fmla="*/ 228960 w 227520"/>
+              <a:gd name="textAreaTop" fmla="*/ 0 h 249840"/>
+              <a:gd name="textAreaBottom" fmla="*/ 251280 h 249840"/>
             </a:gdLst>
             <a:ahLst/>
             <a:rect l="textAreaLeft" t="textAreaTop" r="textAreaRight" b="textAreaBottom"/>
@@ -6576,15 +6658,15 @@
         <p:spPr>
           <a:xfrm>
             <a:off x="2044800" y="4800600"/>
-            <a:ext cx="228240" cy="250560"/>
+            <a:ext cx="227520" cy="249840"/>
           </a:xfrm>
           <a:custGeom>
             <a:avLst/>
             <a:gdLst>
-              <a:gd name="textAreaLeft" fmla="*/ 0 w 228240"/>
-              <a:gd name="textAreaRight" fmla="*/ 228960 w 228240"/>
-              <a:gd name="textAreaTop" fmla="*/ 0 h 250560"/>
-              <a:gd name="textAreaBottom" fmla="*/ 251280 h 250560"/>
+              <a:gd name="textAreaLeft" fmla="*/ 0 w 227520"/>
+              <a:gd name="textAreaRight" fmla="*/ 228960 w 227520"/>
+              <a:gd name="textAreaTop" fmla="*/ 0 h 249840"/>
+              <a:gd name="textAreaBottom" fmla="*/ 251280 h 249840"/>
             </a:gdLst>
             <a:ahLst/>
             <a:rect l="textAreaLeft" t="textAreaTop" r="textAreaRight" b="textAreaBottom"/>
@@ -6657,15 +6739,15 @@
         <p:spPr>
           <a:xfrm>
             <a:off x="2260800" y="4800600"/>
-            <a:ext cx="228240" cy="250560"/>
+            <a:ext cx="227520" cy="249840"/>
           </a:xfrm>
           <a:custGeom>
             <a:avLst/>
             <a:gdLst>
-              <a:gd name="textAreaLeft" fmla="*/ 0 w 228240"/>
-              <a:gd name="textAreaRight" fmla="*/ 228960 w 228240"/>
-              <a:gd name="textAreaTop" fmla="*/ 0 h 250560"/>
-              <a:gd name="textAreaBottom" fmla="*/ 251280 h 250560"/>
+              <a:gd name="textAreaLeft" fmla="*/ 0 w 227520"/>
+              <a:gd name="textAreaRight" fmla="*/ 228960 w 227520"/>
+              <a:gd name="textAreaTop" fmla="*/ 0 h 249840"/>
+              <a:gd name="textAreaBottom" fmla="*/ 251280 h 249840"/>
             </a:gdLst>
             <a:ahLst/>
             <a:rect l="textAreaLeft" t="textAreaTop" r="textAreaRight" b="textAreaBottom"/>
@@ -6738,15 +6820,15 @@
         <p:spPr>
           <a:xfrm>
             <a:off x="2476800" y="4800600"/>
-            <a:ext cx="228240" cy="250560"/>
+            <a:ext cx="227520" cy="249840"/>
           </a:xfrm>
           <a:custGeom>
             <a:avLst/>
             <a:gdLst>
-              <a:gd name="textAreaLeft" fmla="*/ 0 w 228240"/>
-              <a:gd name="textAreaRight" fmla="*/ 228960 w 228240"/>
-              <a:gd name="textAreaTop" fmla="*/ 0 h 250560"/>
-              <a:gd name="textAreaBottom" fmla="*/ 251280 h 250560"/>
+              <a:gd name="textAreaLeft" fmla="*/ 0 w 227520"/>
+              <a:gd name="textAreaRight" fmla="*/ 228960 w 227520"/>
+              <a:gd name="textAreaTop" fmla="*/ 0 h 249840"/>
+              <a:gd name="textAreaBottom" fmla="*/ 251280 h 249840"/>
             </a:gdLst>
             <a:ahLst/>
             <a:rect l="textAreaLeft" t="textAreaTop" r="textAreaRight" b="textAreaBottom"/>
@@ -6819,15 +6901,15 @@
         <p:spPr>
           <a:xfrm>
             <a:off x="2692800" y="4800600"/>
-            <a:ext cx="228240" cy="250560"/>
+            <a:ext cx="227520" cy="249840"/>
           </a:xfrm>
           <a:custGeom>
             <a:avLst/>
             <a:gdLst>
-              <a:gd name="textAreaLeft" fmla="*/ 0 w 228240"/>
-              <a:gd name="textAreaRight" fmla="*/ 228960 w 228240"/>
-              <a:gd name="textAreaTop" fmla="*/ 0 h 250560"/>
-              <a:gd name="textAreaBottom" fmla="*/ 251280 h 250560"/>
+              <a:gd name="textAreaLeft" fmla="*/ 0 w 227520"/>
+              <a:gd name="textAreaRight" fmla="*/ 228960 w 227520"/>
+              <a:gd name="textAreaTop" fmla="*/ 0 h 249840"/>
+              <a:gd name="textAreaBottom" fmla="*/ 251280 h 249840"/>
             </a:gdLst>
             <a:ahLst/>
             <a:rect l="textAreaLeft" t="textAreaTop" r="textAreaRight" b="textAreaBottom"/>
@@ -6900,15 +6982,15 @@
         <p:spPr>
           <a:xfrm>
             <a:off x="2908800" y="4800600"/>
-            <a:ext cx="228240" cy="250560"/>
+            <a:ext cx="227520" cy="249840"/>
           </a:xfrm>
           <a:custGeom>
             <a:avLst/>
             <a:gdLst>
-              <a:gd name="textAreaLeft" fmla="*/ 0 w 228240"/>
-              <a:gd name="textAreaRight" fmla="*/ 228960 w 228240"/>
-              <a:gd name="textAreaTop" fmla="*/ 0 h 250560"/>
-              <a:gd name="textAreaBottom" fmla="*/ 251280 h 250560"/>
+              <a:gd name="textAreaLeft" fmla="*/ 0 w 227520"/>
+              <a:gd name="textAreaRight" fmla="*/ 228960 w 227520"/>
+              <a:gd name="textAreaTop" fmla="*/ 0 h 249840"/>
+              <a:gd name="textAreaBottom" fmla="*/ 251280 h 249840"/>
             </a:gdLst>
             <a:ahLst/>
             <a:rect l="textAreaLeft" t="textAreaTop" r="textAreaRight" b="textAreaBottom"/>
@@ -6981,15 +7063,15 @@
         <p:spPr>
           <a:xfrm>
             <a:off x="3124800" y="4800600"/>
-            <a:ext cx="228240" cy="250560"/>
+            <a:ext cx="227520" cy="249840"/>
           </a:xfrm>
           <a:custGeom>
             <a:avLst/>
             <a:gdLst>
-              <a:gd name="textAreaLeft" fmla="*/ 0 w 228240"/>
-              <a:gd name="textAreaRight" fmla="*/ 228960 w 228240"/>
-              <a:gd name="textAreaTop" fmla="*/ 0 h 250560"/>
-              <a:gd name="textAreaBottom" fmla="*/ 251280 h 250560"/>
+              <a:gd name="textAreaLeft" fmla="*/ 0 w 227520"/>
+              <a:gd name="textAreaRight" fmla="*/ 228960 w 227520"/>
+              <a:gd name="textAreaTop" fmla="*/ 0 h 249840"/>
+              <a:gd name="textAreaBottom" fmla="*/ 251280 h 249840"/>
             </a:gdLst>
             <a:ahLst/>
             <a:rect l="textAreaLeft" t="textAreaTop" r="textAreaRight" b="textAreaBottom"/>
@@ -7062,15 +7144,15 @@
         <p:spPr>
           <a:xfrm>
             <a:off x="3340800" y="4800600"/>
-            <a:ext cx="228240" cy="250560"/>
+            <a:ext cx="227520" cy="249840"/>
           </a:xfrm>
           <a:custGeom>
             <a:avLst/>
             <a:gdLst>
-              <a:gd name="textAreaLeft" fmla="*/ 0 w 228240"/>
-              <a:gd name="textAreaRight" fmla="*/ 228960 w 228240"/>
-              <a:gd name="textAreaTop" fmla="*/ 0 h 250560"/>
-              <a:gd name="textAreaBottom" fmla="*/ 251280 h 250560"/>
+              <a:gd name="textAreaLeft" fmla="*/ 0 w 227520"/>
+              <a:gd name="textAreaRight" fmla="*/ 228960 w 227520"/>
+              <a:gd name="textAreaTop" fmla="*/ 0 h 249840"/>
+              <a:gd name="textAreaBottom" fmla="*/ 251280 h 249840"/>
             </a:gdLst>
             <a:ahLst/>
             <a:rect l="textAreaLeft" t="textAreaTop" r="textAreaRight" b="textAreaBottom"/>
@@ -7143,15 +7225,15 @@
         <p:spPr>
           <a:xfrm>
             <a:off x="3556800" y="4800600"/>
-            <a:ext cx="228240" cy="250560"/>
+            <a:ext cx="227520" cy="249840"/>
           </a:xfrm>
           <a:custGeom>
             <a:avLst/>
             <a:gdLst>
-              <a:gd name="textAreaLeft" fmla="*/ 0 w 228240"/>
-              <a:gd name="textAreaRight" fmla="*/ 228960 w 228240"/>
-              <a:gd name="textAreaTop" fmla="*/ 0 h 250560"/>
-              <a:gd name="textAreaBottom" fmla="*/ 251280 h 250560"/>
+              <a:gd name="textAreaLeft" fmla="*/ 0 w 227520"/>
+              <a:gd name="textAreaRight" fmla="*/ 228960 w 227520"/>
+              <a:gd name="textAreaTop" fmla="*/ 0 h 249840"/>
+              <a:gd name="textAreaBottom" fmla="*/ 251280 h 249840"/>
             </a:gdLst>
             <a:ahLst/>
             <a:rect l="textAreaLeft" t="textAreaTop" r="textAreaRight" b="textAreaBottom"/>
@@ -7224,15 +7306,15 @@
         <p:spPr>
           <a:xfrm>
             <a:off x="3772800" y="4800600"/>
-            <a:ext cx="228240" cy="250560"/>
+            <a:ext cx="227520" cy="249840"/>
           </a:xfrm>
           <a:custGeom>
             <a:avLst/>
             <a:gdLst>
-              <a:gd name="textAreaLeft" fmla="*/ 0 w 228240"/>
-              <a:gd name="textAreaRight" fmla="*/ 228960 w 228240"/>
-              <a:gd name="textAreaTop" fmla="*/ 0 h 250560"/>
-              <a:gd name="textAreaBottom" fmla="*/ 251280 h 250560"/>
+              <a:gd name="textAreaLeft" fmla="*/ 0 w 227520"/>
+              <a:gd name="textAreaRight" fmla="*/ 228960 w 227520"/>
+              <a:gd name="textAreaTop" fmla="*/ 0 h 249840"/>
+              <a:gd name="textAreaBottom" fmla="*/ 251280 h 249840"/>
             </a:gdLst>
             <a:ahLst/>
             <a:rect l="textAreaLeft" t="textAreaTop" r="textAreaRight" b="textAreaBottom"/>
@@ -7305,15 +7387,15 @@
         <p:spPr>
           <a:xfrm>
             <a:off x="3988800" y="4800600"/>
-            <a:ext cx="228240" cy="250560"/>
+            <a:ext cx="227520" cy="249840"/>
           </a:xfrm>
           <a:custGeom>
             <a:avLst/>
             <a:gdLst>
-              <a:gd name="textAreaLeft" fmla="*/ 0 w 228240"/>
-              <a:gd name="textAreaRight" fmla="*/ 228960 w 228240"/>
-              <a:gd name="textAreaTop" fmla="*/ 0 h 250560"/>
-              <a:gd name="textAreaBottom" fmla="*/ 251280 h 250560"/>
+              <a:gd name="textAreaLeft" fmla="*/ 0 w 227520"/>
+              <a:gd name="textAreaRight" fmla="*/ 228960 w 227520"/>
+              <a:gd name="textAreaTop" fmla="*/ 0 h 249840"/>
+              <a:gd name="textAreaBottom" fmla="*/ 251280 h 249840"/>
             </a:gdLst>
             <a:ahLst/>
             <a:rect l="textAreaLeft" t="textAreaTop" r="textAreaRight" b="textAreaBottom"/>
@@ -7386,15 +7468,15 @@
         <p:spPr>
           <a:xfrm>
             <a:off x="4204800" y="4800600"/>
-            <a:ext cx="228240" cy="250560"/>
+            <a:ext cx="227520" cy="249840"/>
           </a:xfrm>
           <a:custGeom>
             <a:avLst/>
             <a:gdLst>
-              <a:gd name="textAreaLeft" fmla="*/ 0 w 228240"/>
-              <a:gd name="textAreaRight" fmla="*/ 228960 w 228240"/>
-              <a:gd name="textAreaTop" fmla="*/ 0 h 250560"/>
-              <a:gd name="textAreaBottom" fmla="*/ 251280 h 250560"/>
+              <a:gd name="textAreaLeft" fmla="*/ 0 w 227520"/>
+              <a:gd name="textAreaRight" fmla="*/ 228960 w 227520"/>
+              <a:gd name="textAreaTop" fmla="*/ 0 h 249840"/>
+              <a:gd name="textAreaBottom" fmla="*/ 251280 h 249840"/>
             </a:gdLst>
             <a:ahLst/>
             <a:rect l="textAreaLeft" t="textAreaTop" r="textAreaRight" b="textAreaBottom"/>
@@ -7467,15 +7549,15 @@
         <p:spPr>
           <a:xfrm>
             <a:off x="4420800" y="4800600"/>
-            <a:ext cx="228240" cy="250560"/>
+            <a:ext cx="227520" cy="249840"/>
           </a:xfrm>
           <a:custGeom>
             <a:avLst/>
             <a:gdLst>
-              <a:gd name="textAreaLeft" fmla="*/ 0 w 228240"/>
-              <a:gd name="textAreaRight" fmla="*/ 228960 w 228240"/>
-              <a:gd name="textAreaTop" fmla="*/ 0 h 250560"/>
-              <a:gd name="textAreaBottom" fmla="*/ 251280 h 250560"/>
+              <a:gd name="textAreaLeft" fmla="*/ 0 w 227520"/>
+              <a:gd name="textAreaRight" fmla="*/ 228960 w 227520"/>
+              <a:gd name="textAreaTop" fmla="*/ 0 h 249840"/>
+              <a:gd name="textAreaBottom" fmla="*/ 251280 h 249840"/>
             </a:gdLst>
             <a:ahLst/>
             <a:rect l="textAreaLeft" t="textAreaTop" r="textAreaRight" b="textAreaBottom"/>
@@ -7548,15 +7630,15 @@
         <p:spPr>
           <a:xfrm>
             <a:off x="4636800" y="4800600"/>
-            <a:ext cx="228240" cy="250560"/>
+            <a:ext cx="227520" cy="249840"/>
           </a:xfrm>
           <a:custGeom>
             <a:avLst/>
             <a:gdLst>
-              <a:gd name="textAreaLeft" fmla="*/ 0 w 228240"/>
-              <a:gd name="textAreaRight" fmla="*/ 228960 w 228240"/>
-              <a:gd name="textAreaTop" fmla="*/ 0 h 250560"/>
-              <a:gd name="textAreaBottom" fmla="*/ 251280 h 250560"/>
+              <a:gd name="textAreaLeft" fmla="*/ 0 w 227520"/>
+              <a:gd name="textAreaRight" fmla="*/ 228960 w 227520"/>
+              <a:gd name="textAreaTop" fmla="*/ 0 h 249840"/>
+              <a:gd name="textAreaBottom" fmla="*/ 251280 h 249840"/>
             </a:gdLst>
             <a:ahLst/>
             <a:rect l="textAreaLeft" t="textAreaTop" r="textAreaRight" b="textAreaBottom"/>
@@ -7663,7 +7745,7 @@
         <p:spPr>
           <a:xfrm>
             <a:off x="1143360" y="582840"/>
-            <a:ext cx="7289640" cy="540000"/>
+            <a:ext cx="7288920" cy="539280"/>
           </a:xfrm>
           <a:prstGeom prst="rect">
             <a:avLst/>
@@ -7699,7 +7781,7 @@
             </a:r>
             <a:endParaRPr b="0" lang="en-US" sz="2800" spc="-1" strike="noStrike">
               <a:solidFill>
-                <a:srgbClr val="81d41a"/>
+                <a:srgbClr val="ffffff"/>
               </a:solidFill>
               <a:latin typeface="Arial"/>
             </a:endParaRPr>
@@ -7719,7 +7801,7 @@
         <p:spPr>
           <a:xfrm>
             <a:off x="1464120" y="1063080"/>
-            <a:ext cx="6968520" cy="3415320"/>
+            <a:ext cx="6967800" cy="3414600"/>
           </a:xfrm>
           <a:prstGeom prst="rect">
             <a:avLst/>
@@ -7866,7 +7948,7 @@
         <p:spPr>
           <a:xfrm>
             <a:off x="710280" y="4694760"/>
-            <a:ext cx="4863960" cy="356400"/>
+            <a:ext cx="4863240" cy="355680"/>
           </a:xfrm>
           <a:prstGeom prst="rect">
             <a:avLst/>
@@ -7922,7 +8004,7 @@
         <p:spPr>
           <a:xfrm>
             <a:off x="-6120" y="91440"/>
-            <a:ext cx="4570920" cy="356400"/>
+            <a:ext cx="4570200" cy="355680"/>
           </a:xfrm>
           <a:prstGeom prst="rect">
             <a:avLst/>
@@ -7978,7 +8060,7 @@
         <p:spPr>
           <a:xfrm>
             <a:off x="4572000" y="91440"/>
-            <a:ext cx="4570920" cy="356400"/>
+            <a:ext cx="4570200" cy="355680"/>
           </a:xfrm>
           <a:prstGeom prst="rect">
             <a:avLst/>
@@ -8030,15 +8112,15 @@
         <p:spPr>
           <a:xfrm>
             <a:off x="1828800" y="4800600"/>
-            <a:ext cx="228240" cy="250560"/>
+            <a:ext cx="227520" cy="249840"/>
           </a:xfrm>
           <a:custGeom>
             <a:avLst/>
             <a:gdLst>
-              <a:gd name="textAreaLeft" fmla="*/ 0 w 228240"/>
-              <a:gd name="textAreaRight" fmla="*/ 228960 w 228240"/>
-              <a:gd name="textAreaTop" fmla="*/ 0 h 250560"/>
-              <a:gd name="textAreaBottom" fmla="*/ 251280 h 250560"/>
+              <a:gd name="textAreaLeft" fmla="*/ 0 w 227520"/>
+              <a:gd name="textAreaRight" fmla="*/ 228960 w 227520"/>
+              <a:gd name="textAreaTop" fmla="*/ 0 h 249840"/>
+              <a:gd name="textAreaBottom" fmla="*/ 251280 h 249840"/>
             </a:gdLst>
             <a:ahLst/>
             <a:rect l="textAreaLeft" t="textAreaTop" r="textAreaRight" b="textAreaBottom"/>
@@ -8111,15 +8193,15 @@
         <p:spPr>
           <a:xfrm>
             <a:off x="2044800" y="4800600"/>
-            <a:ext cx="228240" cy="250560"/>
+            <a:ext cx="227520" cy="249840"/>
           </a:xfrm>
           <a:custGeom>
             <a:avLst/>
             <a:gdLst>
-              <a:gd name="textAreaLeft" fmla="*/ 0 w 228240"/>
-              <a:gd name="textAreaRight" fmla="*/ 228960 w 228240"/>
-              <a:gd name="textAreaTop" fmla="*/ 0 h 250560"/>
-              <a:gd name="textAreaBottom" fmla="*/ 251280 h 250560"/>
+              <a:gd name="textAreaLeft" fmla="*/ 0 w 227520"/>
+              <a:gd name="textAreaRight" fmla="*/ 228960 w 227520"/>
+              <a:gd name="textAreaTop" fmla="*/ 0 h 249840"/>
+              <a:gd name="textAreaBottom" fmla="*/ 251280 h 249840"/>
             </a:gdLst>
             <a:ahLst/>
             <a:rect l="textAreaLeft" t="textAreaTop" r="textAreaRight" b="textAreaBottom"/>
@@ -8192,15 +8274,15 @@
         <p:spPr>
           <a:xfrm>
             <a:off x="2260800" y="4800600"/>
-            <a:ext cx="228240" cy="250560"/>
+            <a:ext cx="227520" cy="249840"/>
           </a:xfrm>
           <a:custGeom>
             <a:avLst/>
             <a:gdLst>
-              <a:gd name="textAreaLeft" fmla="*/ 0 w 228240"/>
-              <a:gd name="textAreaRight" fmla="*/ 228960 w 228240"/>
-              <a:gd name="textAreaTop" fmla="*/ 0 h 250560"/>
-              <a:gd name="textAreaBottom" fmla="*/ 251280 h 250560"/>
+              <a:gd name="textAreaLeft" fmla="*/ 0 w 227520"/>
+              <a:gd name="textAreaRight" fmla="*/ 228960 w 227520"/>
+              <a:gd name="textAreaTop" fmla="*/ 0 h 249840"/>
+              <a:gd name="textAreaBottom" fmla="*/ 251280 h 249840"/>
             </a:gdLst>
             <a:ahLst/>
             <a:rect l="textAreaLeft" t="textAreaTop" r="textAreaRight" b="textAreaBottom"/>
@@ -8273,15 +8355,15 @@
         <p:spPr>
           <a:xfrm>
             <a:off x="2476800" y="4800600"/>
-            <a:ext cx="228240" cy="250560"/>
+            <a:ext cx="227520" cy="249840"/>
           </a:xfrm>
           <a:custGeom>
             <a:avLst/>
             <a:gdLst>
-              <a:gd name="textAreaLeft" fmla="*/ 0 w 228240"/>
-              <a:gd name="textAreaRight" fmla="*/ 228960 w 228240"/>
-              <a:gd name="textAreaTop" fmla="*/ 0 h 250560"/>
-              <a:gd name="textAreaBottom" fmla="*/ 251280 h 250560"/>
+              <a:gd name="textAreaLeft" fmla="*/ 0 w 227520"/>
+              <a:gd name="textAreaRight" fmla="*/ 228960 w 227520"/>
+              <a:gd name="textAreaTop" fmla="*/ 0 h 249840"/>
+              <a:gd name="textAreaBottom" fmla="*/ 251280 h 249840"/>
             </a:gdLst>
             <a:ahLst/>
             <a:rect l="textAreaLeft" t="textAreaTop" r="textAreaRight" b="textAreaBottom"/>
@@ -8354,15 +8436,15 @@
         <p:spPr>
           <a:xfrm>
             <a:off x="2692800" y="4800600"/>
-            <a:ext cx="228240" cy="250560"/>
+            <a:ext cx="227520" cy="249840"/>
           </a:xfrm>
           <a:custGeom>
             <a:avLst/>
             <a:gdLst>
-              <a:gd name="textAreaLeft" fmla="*/ 0 w 228240"/>
-              <a:gd name="textAreaRight" fmla="*/ 228960 w 228240"/>
-              <a:gd name="textAreaTop" fmla="*/ 0 h 250560"/>
-              <a:gd name="textAreaBottom" fmla="*/ 251280 h 250560"/>
+              <a:gd name="textAreaLeft" fmla="*/ 0 w 227520"/>
+              <a:gd name="textAreaRight" fmla="*/ 228960 w 227520"/>
+              <a:gd name="textAreaTop" fmla="*/ 0 h 249840"/>
+              <a:gd name="textAreaBottom" fmla="*/ 251280 h 249840"/>
             </a:gdLst>
             <a:ahLst/>
             <a:rect l="textAreaLeft" t="textAreaTop" r="textAreaRight" b="textAreaBottom"/>
@@ -8435,15 +8517,15 @@
         <p:spPr>
           <a:xfrm>
             <a:off x="2908800" y="4800600"/>
-            <a:ext cx="228240" cy="250560"/>
+            <a:ext cx="227520" cy="249840"/>
           </a:xfrm>
           <a:custGeom>
             <a:avLst/>
             <a:gdLst>
-              <a:gd name="textAreaLeft" fmla="*/ 0 w 228240"/>
-              <a:gd name="textAreaRight" fmla="*/ 228960 w 228240"/>
-              <a:gd name="textAreaTop" fmla="*/ 0 h 250560"/>
-              <a:gd name="textAreaBottom" fmla="*/ 251280 h 250560"/>
+              <a:gd name="textAreaLeft" fmla="*/ 0 w 227520"/>
+              <a:gd name="textAreaRight" fmla="*/ 228960 w 227520"/>
+              <a:gd name="textAreaTop" fmla="*/ 0 h 249840"/>
+              <a:gd name="textAreaBottom" fmla="*/ 251280 h 249840"/>
             </a:gdLst>
             <a:ahLst/>
             <a:rect l="textAreaLeft" t="textAreaTop" r="textAreaRight" b="textAreaBottom"/>
@@ -8516,15 +8598,15 @@
         <p:spPr>
           <a:xfrm>
             <a:off x="3124800" y="4800600"/>
-            <a:ext cx="228240" cy="250560"/>
+            <a:ext cx="227520" cy="249840"/>
           </a:xfrm>
           <a:custGeom>
             <a:avLst/>
             <a:gdLst>
-              <a:gd name="textAreaLeft" fmla="*/ 0 w 228240"/>
-              <a:gd name="textAreaRight" fmla="*/ 228960 w 228240"/>
-              <a:gd name="textAreaTop" fmla="*/ 0 h 250560"/>
-              <a:gd name="textAreaBottom" fmla="*/ 251280 h 250560"/>
+              <a:gd name="textAreaLeft" fmla="*/ 0 w 227520"/>
+              <a:gd name="textAreaRight" fmla="*/ 228960 w 227520"/>
+              <a:gd name="textAreaTop" fmla="*/ 0 h 249840"/>
+              <a:gd name="textAreaBottom" fmla="*/ 251280 h 249840"/>
             </a:gdLst>
             <a:ahLst/>
             <a:rect l="textAreaLeft" t="textAreaTop" r="textAreaRight" b="textAreaBottom"/>
@@ -8597,15 +8679,15 @@
         <p:spPr>
           <a:xfrm>
             <a:off x="3340800" y="4800600"/>
-            <a:ext cx="228240" cy="250560"/>
+            <a:ext cx="227520" cy="249840"/>
           </a:xfrm>
           <a:custGeom>
             <a:avLst/>
             <a:gdLst>
-              <a:gd name="textAreaLeft" fmla="*/ 0 w 228240"/>
-              <a:gd name="textAreaRight" fmla="*/ 228960 w 228240"/>
-              <a:gd name="textAreaTop" fmla="*/ 0 h 250560"/>
-              <a:gd name="textAreaBottom" fmla="*/ 251280 h 250560"/>
+              <a:gd name="textAreaLeft" fmla="*/ 0 w 227520"/>
+              <a:gd name="textAreaRight" fmla="*/ 228960 w 227520"/>
+              <a:gd name="textAreaTop" fmla="*/ 0 h 249840"/>
+              <a:gd name="textAreaBottom" fmla="*/ 251280 h 249840"/>
             </a:gdLst>
             <a:ahLst/>
             <a:rect l="textAreaLeft" t="textAreaTop" r="textAreaRight" b="textAreaBottom"/>
@@ -8678,15 +8760,15 @@
         <p:spPr>
           <a:xfrm>
             <a:off x="3556800" y="4800600"/>
-            <a:ext cx="228240" cy="250560"/>
+            <a:ext cx="227520" cy="249840"/>
           </a:xfrm>
           <a:custGeom>
             <a:avLst/>
             <a:gdLst>
-              <a:gd name="textAreaLeft" fmla="*/ 0 w 228240"/>
-              <a:gd name="textAreaRight" fmla="*/ 228960 w 228240"/>
-              <a:gd name="textAreaTop" fmla="*/ 0 h 250560"/>
-              <a:gd name="textAreaBottom" fmla="*/ 251280 h 250560"/>
+              <a:gd name="textAreaLeft" fmla="*/ 0 w 227520"/>
+              <a:gd name="textAreaRight" fmla="*/ 228960 w 227520"/>
+              <a:gd name="textAreaTop" fmla="*/ 0 h 249840"/>
+              <a:gd name="textAreaBottom" fmla="*/ 251280 h 249840"/>
             </a:gdLst>
             <a:ahLst/>
             <a:rect l="textAreaLeft" t="textAreaTop" r="textAreaRight" b="textAreaBottom"/>
@@ -8759,15 +8841,15 @@
         <p:spPr>
           <a:xfrm>
             <a:off x="3772800" y="4800600"/>
-            <a:ext cx="228240" cy="250560"/>
+            <a:ext cx="227520" cy="249840"/>
           </a:xfrm>
           <a:custGeom>
             <a:avLst/>
             <a:gdLst>
-              <a:gd name="textAreaLeft" fmla="*/ 0 w 228240"/>
-              <a:gd name="textAreaRight" fmla="*/ 228960 w 228240"/>
-              <a:gd name="textAreaTop" fmla="*/ 0 h 250560"/>
-              <a:gd name="textAreaBottom" fmla="*/ 251280 h 250560"/>
+              <a:gd name="textAreaLeft" fmla="*/ 0 w 227520"/>
+              <a:gd name="textAreaRight" fmla="*/ 228960 w 227520"/>
+              <a:gd name="textAreaTop" fmla="*/ 0 h 249840"/>
+              <a:gd name="textAreaBottom" fmla="*/ 251280 h 249840"/>
             </a:gdLst>
             <a:ahLst/>
             <a:rect l="textAreaLeft" t="textAreaTop" r="textAreaRight" b="textAreaBottom"/>
@@ -8840,15 +8922,15 @@
         <p:spPr>
           <a:xfrm>
             <a:off x="3988800" y="4800600"/>
-            <a:ext cx="228240" cy="250560"/>
+            <a:ext cx="227520" cy="249840"/>
           </a:xfrm>
           <a:custGeom>
             <a:avLst/>
             <a:gdLst>
-              <a:gd name="textAreaLeft" fmla="*/ 0 w 228240"/>
-              <a:gd name="textAreaRight" fmla="*/ 228960 w 228240"/>
-              <a:gd name="textAreaTop" fmla="*/ 0 h 250560"/>
-              <a:gd name="textAreaBottom" fmla="*/ 251280 h 250560"/>
+              <a:gd name="textAreaLeft" fmla="*/ 0 w 227520"/>
+              <a:gd name="textAreaRight" fmla="*/ 228960 w 227520"/>
+              <a:gd name="textAreaTop" fmla="*/ 0 h 249840"/>
+              <a:gd name="textAreaBottom" fmla="*/ 251280 h 249840"/>
             </a:gdLst>
             <a:ahLst/>
             <a:rect l="textAreaLeft" t="textAreaTop" r="textAreaRight" b="textAreaBottom"/>
@@ -8921,15 +9003,15 @@
         <p:spPr>
           <a:xfrm>
             <a:off x="4204800" y="4800600"/>
-            <a:ext cx="228240" cy="250560"/>
+            <a:ext cx="227520" cy="249840"/>
           </a:xfrm>
           <a:custGeom>
             <a:avLst/>
             <a:gdLst>
-              <a:gd name="textAreaLeft" fmla="*/ 0 w 228240"/>
-              <a:gd name="textAreaRight" fmla="*/ 228960 w 228240"/>
-              <a:gd name="textAreaTop" fmla="*/ 0 h 250560"/>
-              <a:gd name="textAreaBottom" fmla="*/ 251280 h 250560"/>
+              <a:gd name="textAreaLeft" fmla="*/ 0 w 227520"/>
+              <a:gd name="textAreaRight" fmla="*/ 228960 w 227520"/>
+              <a:gd name="textAreaTop" fmla="*/ 0 h 249840"/>
+              <a:gd name="textAreaBottom" fmla="*/ 251280 h 249840"/>
             </a:gdLst>
             <a:ahLst/>
             <a:rect l="textAreaLeft" t="textAreaTop" r="textAreaRight" b="textAreaBottom"/>
@@ -9002,15 +9084,15 @@
         <p:spPr>
           <a:xfrm>
             <a:off x="4420800" y="4800600"/>
-            <a:ext cx="228240" cy="250560"/>
+            <a:ext cx="227520" cy="249840"/>
           </a:xfrm>
           <a:custGeom>
             <a:avLst/>
             <a:gdLst>
-              <a:gd name="textAreaLeft" fmla="*/ 0 w 228240"/>
-              <a:gd name="textAreaRight" fmla="*/ 228960 w 228240"/>
-              <a:gd name="textAreaTop" fmla="*/ 0 h 250560"/>
-              <a:gd name="textAreaBottom" fmla="*/ 251280 h 250560"/>
+              <a:gd name="textAreaLeft" fmla="*/ 0 w 227520"/>
+              <a:gd name="textAreaRight" fmla="*/ 228960 w 227520"/>
+              <a:gd name="textAreaTop" fmla="*/ 0 h 249840"/>
+              <a:gd name="textAreaBottom" fmla="*/ 251280 h 249840"/>
             </a:gdLst>
             <a:ahLst/>
             <a:rect l="textAreaLeft" t="textAreaTop" r="textAreaRight" b="textAreaBottom"/>
@@ -9083,15 +9165,15 @@
         <p:spPr>
           <a:xfrm>
             <a:off x="4636800" y="4800600"/>
-            <a:ext cx="228240" cy="250560"/>
+            <a:ext cx="227520" cy="249840"/>
           </a:xfrm>
           <a:custGeom>
             <a:avLst/>
             <a:gdLst>
-              <a:gd name="textAreaLeft" fmla="*/ 0 w 228240"/>
-              <a:gd name="textAreaRight" fmla="*/ 228960 w 228240"/>
-              <a:gd name="textAreaTop" fmla="*/ 0 h 250560"/>
-              <a:gd name="textAreaBottom" fmla="*/ 251280 h 250560"/>
+              <a:gd name="textAreaLeft" fmla="*/ 0 w 227520"/>
+              <a:gd name="textAreaRight" fmla="*/ 228960 w 227520"/>
+              <a:gd name="textAreaTop" fmla="*/ 0 h 249840"/>
+              <a:gd name="textAreaBottom" fmla="*/ 251280 h 249840"/>
             </a:gdLst>
             <a:ahLst/>
             <a:rect l="textAreaLeft" t="textAreaTop" r="textAreaRight" b="textAreaBottom"/>
@@ -9198,7 +9280,7 @@
         <p:spPr>
           <a:xfrm>
             <a:off x="1143360" y="582840"/>
-            <a:ext cx="7289640" cy="540000"/>
+            <a:ext cx="7288920" cy="539280"/>
           </a:xfrm>
           <a:prstGeom prst="rect">
             <a:avLst/>
@@ -9244,7 +9326,7 @@
             </a:r>
             <a:endParaRPr b="0" lang="en-US" sz="2800" spc="-1" strike="noStrike">
               <a:solidFill>
-                <a:srgbClr val="81d41a"/>
+                <a:srgbClr val="ffffff"/>
               </a:solidFill>
               <a:latin typeface="Arial"/>
             </a:endParaRPr>
@@ -9264,7 +9346,7 @@
         <p:spPr>
           <a:xfrm>
             <a:off x="1464120" y="1063080"/>
-            <a:ext cx="6968520" cy="3415320"/>
+            <a:ext cx="6967800" cy="3414600"/>
           </a:xfrm>
           <a:prstGeom prst="rect">
             <a:avLst/>
@@ -9448,7 +9530,7 @@
         <p:spPr>
           <a:xfrm>
             <a:off x="710280" y="4694760"/>
-            <a:ext cx="4863960" cy="356400"/>
+            <a:ext cx="4863240" cy="355680"/>
           </a:xfrm>
           <a:prstGeom prst="rect">
             <a:avLst/>
@@ -9504,7 +9586,7 @@
         <p:spPr>
           <a:xfrm>
             <a:off x="-6120" y="91440"/>
-            <a:ext cx="4570920" cy="356400"/>
+            <a:ext cx="4570200" cy="355680"/>
           </a:xfrm>
           <a:prstGeom prst="rect">
             <a:avLst/>
@@ -9560,7 +9642,7 @@
         <p:spPr>
           <a:xfrm>
             <a:off x="4572000" y="91440"/>
-            <a:ext cx="4570920" cy="356400"/>
+            <a:ext cx="4570200" cy="355680"/>
           </a:xfrm>
           <a:prstGeom prst="rect">
             <a:avLst/>
@@ -9612,15 +9694,15 @@
         <p:spPr>
           <a:xfrm>
             <a:off x="1828800" y="4800600"/>
-            <a:ext cx="228240" cy="250560"/>
+            <a:ext cx="227520" cy="249840"/>
           </a:xfrm>
           <a:custGeom>
             <a:avLst/>
             <a:gdLst>
-              <a:gd name="textAreaLeft" fmla="*/ 0 w 228240"/>
-              <a:gd name="textAreaRight" fmla="*/ 228960 w 228240"/>
-              <a:gd name="textAreaTop" fmla="*/ 0 h 250560"/>
-              <a:gd name="textAreaBottom" fmla="*/ 251280 h 250560"/>
+              <a:gd name="textAreaLeft" fmla="*/ 0 w 227520"/>
+              <a:gd name="textAreaRight" fmla="*/ 228960 w 227520"/>
+              <a:gd name="textAreaTop" fmla="*/ 0 h 249840"/>
+              <a:gd name="textAreaBottom" fmla="*/ 251280 h 249840"/>
             </a:gdLst>
             <a:ahLst/>
             <a:rect l="textAreaLeft" t="textAreaTop" r="textAreaRight" b="textAreaBottom"/>
@@ -9693,15 +9775,15 @@
         <p:spPr>
           <a:xfrm>
             <a:off x="2044800" y="4800600"/>
-            <a:ext cx="228240" cy="250560"/>
+            <a:ext cx="227520" cy="249840"/>
           </a:xfrm>
           <a:custGeom>
             <a:avLst/>
             <a:gdLst>
-              <a:gd name="textAreaLeft" fmla="*/ 0 w 228240"/>
-              <a:gd name="textAreaRight" fmla="*/ 228960 w 228240"/>
-              <a:gd name="textAreaTop" fmla="*/ 0 h 250560"/>
-              <a:gd name="textAreaBottom" fmla="*/ 251280 h 250560"/>
+              <a:gd name="textAreaLeft" fmla="*/ 0 w 227520"/>
+              <a:gd name="textAreaRight" fmla="*/ 228960 w 227520"/>
+              <a:gd name="textAreaTop" fmla="*/ 0 h 249840"/>
+              <a:gd name="textAreaBottom" fmla="*/ 251280 h 249840"/>
             </a:gdLst>
             <a:ahLst/>
             <a:rect l="textAreaLeft" t="textAreaTop" r="textAreaRight" b="textAreaBottom"/>
@@ -9774,15 +9856,15 @@
         <p:spPr>
           <a:xfrm>
             <a:off x="2260800" y="4800600"/>
-            <a:ext cx="228240" cy="250560"/>
+            <a:ext cx="227520" cy="249840"/>
           </a:xfrm>
           <a:custGeom>
             <a:avLst/>
             <a:gdLst>
-              <a:gd name="textAreaLeft" fmla="*/ 0 w 228240"/>
-              <a:gd name="textAreaRight" fmla="*/ 228960 w 228240"/>
-              <a:gd name="textAreaTop" fmla="*/ 0 h 250560"/>
-              <a:gd name="textAreaBottom" fmla="*/ 251280 h 250560"/>
+              <a:gd name="textAreaLeft" fmla="*/ 0 w 227520"/>
+              <a:gd name="textAreaRight" fmla="*/ 228960 w 227520"/>
+              <a:gd name="textAreaTop" fmla="*/ 0 h 249840"/>
+              <a:gd name="textAreaBottom" fmla="*/ 251280 h 249840"/>
             </a:gdLst>
             <a:ahLst/>
             <a:rect l="textAreaLeft" t="textAreaTop" r="textAreaRight" b="textAreaBottom"/>
@@ -9855,15 +9937,15 @@
         <p:spPr>
           <a:xfrm>
             <a:off x="2476800" y="4800600"/>
-            <a:ext cx="228240" cy="250560"/>
+            <a:ext cx="227520" cy="249840"/>
           </a:xfrm>
           <a:custGeom>
             <a:avLst/>
             <a:gdLst>
-              <a:gd name="textAreaLeft" fmla="*/ 0 w 228240"/>
-              <a:gd name="textAreaRight" fmla="*/ 228960 w 228240"/>
-              <a:gd name="textAreaTop" fmla="*/ 0 h 250560"/>
-              <a:gd name="textAreaBottom" fmla="*/ 251280 h 250560"/>
+              <a:gd name="textAreaLeft" fmla="*/ 0 w 227520"/>
+              <a:gd name="textAreaRight" fmla="*/ 228960 w 227520"/>
+              <a:gd name="textAreaTop" fmla="*/ 0 h 249840"/>
+              <a:gd name="textAreaBottom" fmla="*/ 251280 h 249840"/>
             </a:gdLst>
             <a:ahLst/>
             <a:rect l="textAreaLeft" t="textAreaTop" r="textAreaRight" b="textAreaBottom"/>
@@ -9936,15 +10018,15 @@
         <p:spPr>
           <a:xfrm>
             <a:off x="2692800" y="4800600"/>
-            <a:ext cx="228240" cy="250560"/>
+            <a:ext cx="227520" cy="249840"/>
           </a:xfrm>
           <a:custGeom>
             <a:avLst/>
             <a:gdLst>
-              <a:gd name="textAreaLeft" fmla="*/ 0 w 228240"/>
-              <a:gd name="textAreaRight" fmla="*/ 228960 w 228240"/>
-              <a:gd name="textAreaTop" fmla="*/ 0 h 250560"/>
-              <a:gd name="textAreaBottom" fmla="*/ 251280 h 250560"/>
+              <a:gd name="textAreaLeft" fmla="*/ 0 w 227520"/>
+              <a:gd name="textAreaRight" fmla="*/ 228960 w 227520"/>
+              <a:gd name="textAreaTop" fmla="*/ 0 h 249840"/>
+              <a:gd name="textAreaBottom" fmla="*/ 251280 h 249840"/>
             </a:gdLst>
             <a:ahLst/>
             <a:rect l="textAreaLeft" t="textAreaTop" r="textAreaRight" b="textAreaBottom"/>
@@ -10017,15 +10099,15 @@
         <p:spPr>
           <a:xfrm>
             <a:off x="2908800" y="4800600"/>
-            <a:ext cx="228240" cy="250560"/>
+            <a:ext cx="227520" cy="249840"/>
           </a:xfrm>
           <a:custGeom>
             <a:avLst/>
             <a:gdLst>
-              <a:gd name="textAreaLeft" fmla="*/ 0 w 228240"/>
-              <a:gd name="textAreaRight" fmla="*/ 228960 w 228240"/>
-              <a:gd name="textAreaTop" fmla="*/ 0 h 250560"/>
-              <a:gd name="textAreaBottom" fmla="*/ 251280 h 250560"/>
+              <a:gd name="textAreaLeft" fmla="*/ 0 w 227520"/>
+              <a:gd name="textAreaRight" fmla="*/ 228960 w 227520"/>
+              <a:gd name="textAreaTop" fmla="*/ 0 h 249840"/>
+              <a:gd name="textAreaBottom" fmla="*/ 251280 h 249840"/>
             </a:gdLst>
             <a:ahLst/>
             <a:rect l="textAreaLeft" t="textAreaTop" r="textAreaRight" b="textAreaBottom"/>
@@ -10098,15 +10180,15 @@
         <p:spPr>
           <a:xfrm>
             <a:off x="3124800" y="4800600"/>
-            <a:ext cx="228240" cy="250560"/>
+            <a:ext cx="227520" cy="249840"/>
           </a:xfrm>
           <a:custGeom>
             <a:avLst/>
             <a:gdLst>
-              <a:gd name="textAreaLeft" fmla="*/ 0 w 228240"/>
-              <a:gd name="textAreaRight" fmla="*/ 228960 w 228240"/>
-              <a:gd name="textAreaTop" fmla="*/ 0 h 250560"/>
-              <a:gd name="textAreaBottom" fmla="*/ 251280 h 250560"/>
+              <a:gd name="textAreaLeft" fmla="*/ 0 w 227520"/>
+              <a:gd name="textAreaRight" fmla="*/ 228960 w 227520"/>
+              <a:gd name="textAreaTop" fmla="*/ 0 h 249840"/>
+              <a:gd name="textAreaBottom" fmla="*/ 251280 h 249840"/>
             </a:gdLst>
             <a:ahLst/>
             <a:rect l="textAreaLeft" t="textAreaTop" r="textAreaRight" b="textAreaBottom"/>
@@ -10179,15 +10261,15 @@
         <p:spPr>
           <a:xfrm>
             <a:off x="3340800" y="4800600"/>
-            <a:ext cx="228240" cy="250560"/>
+            <a:ext cx="227520" cy="249840"/>
           </a:xfrm>
           <a:custGeom>
             <a:avLst/>
             <a:gdLst>
-              <a:gd name="textAreaLeft" fmla="*/ 0 w 228240"/>
-              <a:gd name="textAreaRight" fmla="*/ 228960 w 228240"/>
-              <a:gd name="textAreaTop" fmla="*/ 0 h 250560"/>
-              <a:gd name="textAreaBottom" fmla="*/ 251280 h 250560"/>
+              <a:gd name="textAreaLeft" fmla="*/ 0 w 227520"/>
+              <a:gd name="textAreaRight" fmla="*/ 228960 w 227520"/>
+              <a:gd name="textAreaTop" fmla="*/ 0 h 249840"/>
+              <a:gd name="textAreaBottom" fmla="*/ 251280 h 249840"/>
             </a:gdLst>
             <a:ahLst/>
             <a:rect l="textAreaLeft" t="textAreaTop" r="textAreaRight" b="textAreaBottom"/>
@@ -10260,15 +10342,15 @@
         <p:spPr>
           <a:xfrm>
             <a:off x="3556800" y="4800600"/>
-            <a:ext cx="228240" cy="250560"/>
+            <a:ext cx="227520" cy="249840"/>
           </a:xfrm>
           <a:custGeom>
             <a:avLst/>
             <a:gdLst>
-              <a:gd name="textAreaLeft" fmla="*/ 0 w 228240"/>
-              <a:gd name="textAreaRight" fmla="*/ 228960 w 228240"/>
-              <a:gd name="textAreaTop" fmla="*/ 0 h 250560"/>
-              <a:gd name="textAreaBottom" fmla="*/ 251280 h 250560"/>
+              <a:gd name="textAreaLeft" fmla="*/ 0 w 227520"/>
+              <a:gd name="textAreaRight" fmla="*/ 228960 w 227520"/>
+              <a:gd name="textAreaTop" fmla="*/ 0 h 249840"/>
+              <a:gd name="textAreaBottom" fmla="*/ 251280 h 249840"/>
             </a:gdLst>
             <a:ahLst/>
             <a:rect l="textAreaLeft" t="textAreaTop" r="textAreaRight" b="textAreaBottom"/>
@@ -10341,15 +10423,15 @@
         <p:spPr>
           <a:xfrm>
             <a:off x="3772800" y="4800600"/>
-            <a:ext cx="228240" cy="250560"/>
+            <a:ext cx="227520" cy="249840"/>
           </a:xfrm>
           <a:custGeom>
             <a:avLst/>
             <a:gdLst>
-              <a:gd name="textAreaLeft" fmla="*/ 0 w 228240"/>
-              <a:gd name="textAreaRight" fmla="*/ 228960 w 228240"/>
-              <a:gd name="textAreaTop" fmla="*/ 0 h 250560"/>
-              <a:gd name="textAreaBottom" fmla="*/ 251280 h 250560"/>
+              <a:gd name="textAreaLeft" fmla="*/ 0 w 227520"/>
+              <a:gd name="textAreaRight" fmla="*/ 228960 w 227520"/>
+              <a:gd name="textAreaTop" fmla="*/ 0 h 249840"/>
+              <a:gd name="textAreaBottom" fmla="*/ 251280 h 249840"/>
             </a:gdLst>
             <a:ahLst/>
             <a:rect l="textAreaLeft" t="textAreaTop" r="textAreaRight" b="textAreaBottom"/>
@@ -10422,15 +10504,15 @@
         <p:spPr>
           <a:xfrm>
             <a:off x="3988800" y="4800600"/>
-            <a:ext cx="228240" cy="250560"/>
+            <a:ext cx="227520" cy="249840"/>
           </a:xfrm>
           <a:custGeom>
             <a:avLst/>
             <a:gdLst>
-              <a:gd name="textAreaLeft" fmla="*/ 0 w 228240"/>
-              <a:gd name="textAreaRight" fmla="*/ 228960 w 228240"/>
-              <a:gd name="textAreaTop" fmla="*/ 0 h 250560"/>
-              <a:gd name="textAreaBottom" fmla="*/ 251280 h 250560"/>
+              <a:gd name="textAreaLeft" fmla="*/ 0 w 227520"/>
+              <a:gd name="textAreaRight" fmla="*/ 228960 w 227520"/>
+              <a:gd name="textAreaTop" fmla="*/ 0 h 249840"/>
+              <a:gd name="textAreaBottom" fmla="*/ 251280 h 249840"/>
             </a:gdLst>
             <a:ahLst/>
             <a:rect l="textAreaLeft" t="textAreaTop" r="textAreaRight" b="textAreaBottom"/>
@@ -10503,15 +10585,15 @@
         <p:spPr>
           <a:xfrm>
             <a:off x="4204800" y="4800600"/>
-            <a:ext cx="228240" cy="250560"/>
+            <a:ext cx="227520" cy="249840"/>
           </a:xfrm>
           <a:custGeom>
             <a:avLst/>
             <a:gdLst>
-              <a:gd name="textAreaLeft" fmla="*/ 0 w 228240"/>
-              <a:gd name="textAreaRight" fmla="*/ 228960 w 228240"/>
-              <a:gd name="textAreaTop" fmla="*/ 0 h 250560"/>
-              <a:gd name="textAreaBottom" fmla="*/ 251280 h 250560"/>
+              <a:gd name="textAreaLeft" fmla="*/ 0 w 227520"/>
+              <a:gd name="textAreaRight" fmla="*/ 228960 w 227520"/>
+              <a:gd name="textAreaTop" fmla="*/ 0 h 249840"/>
+              <a:gd name="textAreaBottom" fmla="*/ 251280 h 249840"/>
             </a:gdLst>
             <a:ahLst/>
             <a:rect l="textAreaLeft" t="textAreaTop" r="textAreaRight" b="textAreaBottom"/>
@@ -10584,15 +10666,15 @@
         <p:spPr>
           <a:xfrm>
             <a:off x="4420800" y="4800600"/>
-            <a:ext cx="228240" cy="250560"/>
+            <a:ext cx="227520" cy="249840"/>
           </a:xfrm>
           <a:custGeom>
             <a:avLst/>
             <a:gdLst>
-              <a:gd name="textAreaLeft" fmla="*/ 0 w 228240"/>
-              <a:gd name="textAreaRight" fmla="*/ 228960 w 228240"/>
-              <a:gd name="textAreaTop" fmla="*/ 0 h 250560"/>
-              <a:gd name="textAreaBottom" fmla="*/ 251280 h 250560"/>
+              <a:gd name="textAreaLeft" fmla="*/ 0 w 227520"/>
+              <a:gd name="textAreaRight" fmla="*/ 228960 w 227520"/>
+              <a:gd name="textAreaTop" fmla="*/ 0 h 249840"/>
+              <a:gd name="textAreaBottom" fmla="*/ 251280 h 249840"/>
             </a:gdLst>
             <a:ahLst/>
             <a:rect l="textAreaLeft" t="textAreaTop" r="textAreaRight" b="textAreaBottom"/>
@@ -10665,15 +10747,15 @@
         <p:spPr>
           <a:xfrm>
             <a:off x="4636800" y="4800600"/>
-            <a:ext cx="228240" cy="250560"/>
+            <a:ext cx="227520" cy="249840"/>
           </a:xfrm>
           <a:custGeom>
             <a:avLst/>
             <a:gdLst>
-              <a:gd name="textAreaLeft" fmla="*/ 0 w 228240"/>
-              <a:gd name="textAreaRight" fmla="*/ 228960 w 228240"/>
-              <a:gd name="textAreaTop" fmla="*/ 0 h 250560"/>
-              <a:gd name="textAreaBottom" fmla="*/ 251280 h 250560"/>
+              <a:gd name="textAreaLeft" fmla="*/ 0 w 227520"/>
+              <a:gd name="textAreaRight" fmla="*/ 228960 w 227520"/>
+              <a:gd name="textAreaTop" fmla="*/ 0 h 249840"/>
+              <a:gd name="textAreaBottom" fmla="*/ 251280 h 249840"/>
             </a:gdLst>
             <a:ahLst/>
             <a:rect l="textAreaLeft" t="textAreaTop" r="textAreaRight" b="textAreaBottom"/>
@@ -10780,7 +10862,7 @@
         <p:spPr>
           <a:xfrm>
             <a:off x="1143360" y="582840"/>
-            <a:ext cx="7289640" cy="540000"/>
+            <a:ext cx="7288920" cy="539280"/>
           </a:xfrm>
           <a:prstGeom prst="rect">
             <a:avLst/>
@@ -10816,7 +10898,7 @@
             </a:r>
             <a:endParaRPr b="0" lang="en-US" sz="2800" spc="-1" strike="noStrike">
               <a:solidFill>
-                <a:srgbClr val="81d41a"/>
+                <a:srgbClr val="ffffff"/>
               </a:solidFill>
               <a:latin typeface="Arial"/>
             </a:endParaRPr>
@@ -10836,7 +10918,7 @@
         <p:spPr>
           <a:xfrm>
             <a:off x="1464120" y="1063080"/>
-            <a:ext cx="6968520" cy="3415320"/>
+            <a:ext cx="6967800" cy="3414600"/>
           </a:xfrm>
           <a:prstGeom prst="rect">
             <a:avLst/>
@@ -11010,7 +11092,7 @@
         <p:spPr>
           <a:xfrm>
             <a:off x="710280" y="4694760"/>
-            <a:ext cx="4863960" cy="356400"/>
+            <a:ext cx="4863240" cy="355680"/>
           </a:xfrm>
           <a:prstGeom prst="rect">
             <a:avLst/>
@@ -11066,7 +11148,7 @@
         <p:spPr>
           <a:xfrm>
             <a:off x="-6120" y="91440"/>
-            <a:ext cx="4570920" cy="356400"/>
+            <a:ext cx="4570200" cy="355680"/>
           </a:xfrm>
           <a:prstGeom prst="rect">
             <a:avLst/>
@@ -11122,7 +11204,7 @@
         <p:spPr>
           <a:xfrm>
             <a:off x="4572000" y="91440"/>
-            <a:ext cx="4570920" cy="356400"/>
+            <a:ext cx="4570200" cy="355680"/>
           </a:xfrm>
           <a:prstGeom prst="rect">
             <a:avLst/>
@@ -11174,15 +11256,15 @@
         <p:spPr>
           <a:xfrm>
             <a:off x="1828800" y="4800600"/>
-            <a:ext cx="228240" cy="250560"/>
+            <a:ext cx="227520" cy="249840"/>
           </a:xfrm>
           <a:custGeom>
             <a:avLst/>
             <a:gdLst>
-              <a:gd name="textAreaLeft" fmla="*/ 0 w 228240"/>
-              <a:gd name="textAreaRight" fmla="*/ 228960 w 228240"/>
-              <a:gd name="textAreaTop" fmla="*/ 0 h 250560"/>
-              <a:gd name="textAreaBottom" fmla="*/ 251280 h 250560"/>
+              <a:gd name="textAreaLeft" fmla="*/ 0 w 227520"/>
+              <a:gd name="textAreaRight" fmla="*/ 228960 w 227520"/>
+              <a:gd name="textAreaTop" fmla="*/ 0 h 249840"/>
+              <a:gd name="textAreaBottom" fmla="*/ 251280 h 249840"/>
             </a:gdLst>
             <a:ahLst/>
             <a:rect l="textAreaLeft" t="textAreaTop" r="textAreaRight" b="textAreaBottom"/>
@@ -11255,15 +11337,15 @@
         <p:spPr>
           <a:xfrm>
             <a:off x="2044800" y="4800600"/>
-            <a:ext cx="228240" cy="250560"/>
+            <a:ext cx="227520" cy="249840"/>
           </a:xfrm>
           <a:custGeom>
             <a:avLst/>
             <a:gdLst>
-              <a:gd name="textAreaLeft" fmla="*/ 0 w 228240"/>
-              <a:gd name="textAreaRight" fmla="*/ 228960 w 228240"/>
-              <a:gd name="textAreaTop" fmla="*/ 0 h 250560"/>
-              <a:gd name="textAreaBottom" fmla="*/ 251280 h 250560"/>
+              <a:gd name="textAreaLeft" fmla="*/ 0 w 227520"/>
+              <a:gd name="textAreaRight" fmla="*/ 228960 w 227520"/>
+              <a:gd name="textAreaTop" fmla="*/ 0 h 249840"/>
+              <a:gd name="textAreaBottom" fmla="*/ 251280 h 249840"/>
             </a:gdLst>
             <a:ahLst/>
             <a:rect l="textAreaLeft" t="textAreaTop" r="textAreaRight" b="textAreaBottom"/>
@@ -11336,15 +11418,15 @@
         <p:spPr>
           <a:xfrm>
             <a:off x="2260800" y="4800600"/>
-            <a:ext cx="228240" cy="250560"/>
+            <a:ext cx="227520" cy="249840"/>
           </a:xfrm>
           <a:custGeom>
             <a:avLst/>
             <a:gdLst>
-              <a:gd name="textAreaLeft" fmla="*/ 0 w 228240"/>
-              <a:gd name="textAreaRight" fmla="*/ 228960 w 228240"/>
-              <a:gd name="textAreaTop" fmla="*/ 0 h 250560"/>
-              <a:gd name="textAreaBottom" fmla="*/ 251280 h 250560"/>
+              <a:gd name="textAreaLeft" fmla="*/ 0 w 227520"/>
+              <a:gd name="textAreaRight" fmla="*/ 228960 w 227520"/>
+              <a:gd name="textAreaTop" fmla="*/ 0 h 249840"/>
+              <a:gd name="textAreaBottom" fmla="*/ 251280 h 249840"/>
             </a:gdLst>
             <a:ahLst/>
             <a:rect l="textAreaLeft" t="textAreaTop" r="textAreaRight" b="textAreaBottom"/>
@@ -11417,15 +11499,15 @@
         <p:spPr>
           <a:xfrm>
             <a:off x="2476800" y="4800600"/>
-            <a:ext cx="228240" cy="250560"/>
+            <a:ext cx="227520" cy="249840"/>
           </a:xfrm>
           <a:custGeom>
             <a:avLst/>
             <a:gdLst>
-              <a:gd name="textAreaLeft" fmla="*/ 0 w 228240"/>
-              <a:gd name="textAreaRight" fmla="*/ 228960 w 228240"/>
-              <a:gd name="textAreaTop" fmla="*/ 0 h 250560"/>
-              <a:gd name="textAreaBottom" fmla="*/ 251280 h 250560"/>
+              <a:gd name="textAreaLeft" fmla="*/ 0 w 227520"/>
+              <a:gd name="textAreaRight" fmla="*/ 228960 w 227520"/>
+              <a:gd name="textAreaTop" fmla="*/ 0 h 249840"/>
+              <a:gd name="textAreaBottom" fmla="*/ 251280 h 249840"/>
             </a:gdLst>
             <a:ahLst/>
             <a:rect l="textAreaLeft" t="textAreaTop" r="textAreaRight" b="textAreaBottom"/>
@@ -11498,15 +11580,15 @@
         <p:spPr>
           <a:xfrm>
             <a:off x="2692800" y="4800600"/>
-            <a:ext cx="228240" cy="250560"/>
+            <a:ext cx="227520" cy="249840"/>
           </a:xfrm>
           <a:custGeom>
             <a:avLst/>
             <a:gdLst>
-              <a:gd name="textAreaLeft" fmla="*/ 0 w 228240"/>
-              <a:gd name="textAreaRight" fmla="*/ 228960 w 228240"/>
-              <a:gd name="textAreaTop" fmla="*/ 0 h 250560"/>
-              <a:gd name="textAreaBottom" fmla="*/ 251280 h 250560"/>
+              <a:gd name="textAreaLeft" fmla="*/ 0 w 227520"/>
+              <a:gd name="textAreaRight" fmla="*/ 228960 w 227520"/>
+              <a:gd name="textAreaTop" fmla="*/ 0 h 249840"/>
+              <a:gd name="textAreaBottom" fmla="*/ 251280 h 249840"/>
             </a:gdLst>
             <a:ahLst/>
             <a:rect l="textAreaLeft" t="textAreaTop" r="textAreaRight" b="textAreaBottom"/>
@@ -11579,15 +11661,15 @@
         <p:spPr>
           <a:xfrm>
             <a:off x="2908800" y="4800600"/>
-            <a:ext cx="228240" cy="250560"/>
+            <a:ext cx="227520" cy="249840"/>
           </a:xfrm>
           <a:custGeom>
             <a:avLst/>
             <a:gdLst>
-              <a:gd name="textAreaLeft" fmla="*/ 0 w 228240"/>
-              <a:gd name="textAreaRight" fmla="*/ 228960 w 228240"/>
-              <a:gd name="textAreaTop" fmla="*/ 0 h 250560"/>
-              <a:gd name="textAreaBottom" fmla="*/ 251280 h 250560"/>
+              <a:gd name="textAreaLeft" fmla="*/ 0 w 227520"/>
+              <a:gd name="textAreaRight" fmla="*/ 228960 w 227520"/>
+              <a:gd name="textAreaTop" fmla="*/ 0 h 249840"/>
+              <a:gd name="textAreaBottom" fmla="*/ 251280 h 249840"/>
             </a:gdLst>
             <a:ahLst/>
             <a:rect l="textAreaLeft" t="textAreaTop" r="textAreaRight" b="textAreaBottom"/>
@@ -11660,15 +11742,15 @@
         <p:spPr>
           <a:xfrm>
             <a:off x="3124800" y="4800600"/>
-            <a:ext cx="228240" cy="250560"/>
+            <a:ext cx="227520" cy="249840"/>
           </a:xfrm>
           <a:custGeom>
             <a:avLst/>
             <a:gdLst>
-              <a:gd name="textAreaLeft" fmla="*/ 0 w 228240"/>
-              <a:gd name="textAreaRight" fmla="*/ 228960 w 228240"/>
-              <a:gd name="textAreaTop" fmla="*/ 0 h 250560"/>
-              <a:gd name="textAreaBottom" fmla="*/ 251280 h 250560"/>
+              <a:gd name="textAreaLeft" fmla="*/ 0 w 227520"/>
+              <a:gd name="textAreaRight" fmla="*/ 228960 w 227520"/>
+              <a:gd name="textAreaTop" fmla="*/ 0 h 249840"/>
+              <a:gd name="textAreaBottom" fmla="*/ 251280 h 249840"/>
             </a:gdLst>
             <a:ahLst/>
             <a:rect l="textAreaLeft" t="textAreaTop" r="textAreaRight" b="textAreaBottom"/>
@@ -11741,15 +11823,15 @@
         <p:spPr>
           <a:xfrm>
             <a:off x="3340800" y="4800600"/>
-            <a:ext cx="228240" cy="250560"/>
+            <a:ext cx="227520" cy="249840"/>
           </a:xfrm>
           <a:custGeom>
             <a:avLst/>
             <a:gdLst>
-              <a:gd name="textAreaLeft" fmla="*/ 0 w 228240"/>
-              <a:gd name="textAreaRight" fmla="*/ 228960 w 228240"/>
-              <a:gd name="textAreaTop" fmla="*/ 0 h 250560"/>
-              <a:gd name="textAreaBottom" fmla="*/ 251280 h 250560"/>
+              <a:gd name="textAreaLeft" fmla="*/ 0 w 227520"/>
+              <a:gd name="textAreaRight" fmla="*/ 228960 w 227520"/>
+              <a:gd name="textAreaTop" fmla="*/ 0 h 249840"/>
+              <a:gd name="textAreaBottom" fmla="*/ 251280 h 249840"/>
             </a:gdLst>
             <a:ahLst/>
             <a:rect l="textAreaLeft" t="textAreaTop" r="textAreaRight" b="textAreaBottom"/>
@@ -11822,15 +11904,15 @@
         <p:spPr>
           <a:xfrm>
             <a:off x="3556800" y="4800600"/>
-            <a:ext cx="228240" cy="250560"/>
+            <a:ext cx="227520" cy="249840"/>
           </a:xfrm>
           <a:custGeom>
             <a:avLst/>
             <a:gdLst>
-              <a:gd name="textAreaLeft" fmla="*/ 0 w 228240"/>
-              <a:gd name="textAreaRight" fmla="*/ 228960 w 228240"/>
-              <a:gd name="textAreaTop" fmla="*/ 0 h 250560"/>
-              <a:gd name="textAreaBottom" fmla="*/ 251280 h 250560"/>
+              <a:gd name="textAreaLeft" fmla="*/ 0 w 227520"/>
+              <a:gd name="textAreaRight" fmla="*/ 228960 w 227520"/>
+              <a:gd name="textAreaTop" fmla="*/ 0 h 249840"/>
+              <a:gd name="textAreaBottom" fmla="*/ 251280 h 249840"/>
             </a:gdLst>
             <a:ahLst/>
             <a:rect l="textAreaLeft" t="textAreaTop" r="textAreaRight" b="textAreaBottom"/>
@@ -11903,15 +11985,15 @@
         <p:spPr>
           <a:xfrm>
             <a:off x="3772800" y="4800600"/>
-            <a:ext cx="228240" cy="250560"/>
+            <a:ext cx="227520" cy="249840"/>
           </a:xfrm>
           <a:custGeom>
             <a:avLst/>
             <a:gdLst>
-              <a:gd name="textAreaLeft" fmla="*/ 0 w 228240"/>
-              <a:gd name="textAreaRight" fmla="*/ 228960 w 228240"/>
-              <a:gd name="textAreaTop" fmla="*/ 0 h 250560"/>
-              <a:gd name="textAreaBottom" fmla="*/ 251280 h 250560"/>
+              <a:gd name="textAreaLeft" fmla="*/ 0 w 227520"/>
+              <a:gd name="textAreaRight" fmla="*/ 228960 w 227520"/>
+              <a:gd name="textAreaTop" fmla="*/ 0 h 249840"/>
+              <a:gd name="textAreaBottom" fmla="*/ 251280 h 249840"/>
             </a:gdLst>
             <a:ahLst/>
             <a:rect l="textAreaLeft" t="textAreaTop" r="textAreaRight" b="textAreaBottom"/>
@@ -11984,15 +12066,15 @@
         <p:spPr>
           <a:xfrm>
             <a:off x="3988800" y="4800600"/>
-            <a:ext cx="228240" cy="250560"/>
+            <a:ext cx="227520" cy="249840"/>
           </a:xfrm>
           <a:custGeom>
             <a:avLst/>
             <a:gdLst>
-              <a:gd name="textAreaLeft" fmla="*/ 0 w 228240"/>
-              <a:gd name="textAreaRight" fmla="*/ 228960 w 228240"/>
-              <a:gd name="textAreaTop" fmla="*/ 0 h 250560"/>
-              <a:gd name="textAreaBottom" fmla="*/ 251280 h 250560"/>
+              <a:gd name="textAreaLeft" fmla="*/ 0 w 227520"/>
+              <a:gd name="textAreaRight" fmla="*/ 228960 w 227520"/>
+              <a:gd name="textAreaTop" fmla="*/ 0 h 249840"/>
+              <a:gd name="textAreaBottom" fmla="*/ 251280 h 249840"/>
             </a:gdLst>
             <a:ahLst/>
             <a:rect l="textAreaLeft" t="textAreaTop" r="textAreaRight" b="textAreaBottom"/>
@@ -12065,15 +12147,15 @@
         <p:spPr>
           <a:xfrm>
             <a:off x="4204800" y="4800600"/>
-            <a:ext cx="228240" cy="250560"/>
+            <a:ext cx="227520" cy="249840"/>
           </a:xfrm>
           <a:custGeom>
             <a:avLst/>
             <a:gdLst>
-              <a:gd name="textAreaLeft" fmla="*/ 0 w 228240"/>
-              <a:gd name="textAreaRight" fmla="*/ 228960 w 228240"/>
-              <a:gd name="textAreaTop" fmla="*/ 0 h 250560"/>
-              <a:gd name="textAreaBottom" fmla="*/ 251280 h 250560"/>
+              <a:gd name="textAreaLeft" fmla="*/ 0 w 227520"/>
+              <a:gd name="textAreaRight" fmla="*/ 228960 w 227520"/>
+              <a:gd name="textAreaTop" fmla="*/ 0 h 249840"/>
+              <a:gd name="textAreaBottom" fmla="*/ 251280 h 249840"/>
             </a:gdLst>
             <a:ahLst/>
             <a:rect l="textAreaLeft" t="textAreaTop" r="textAreaRight" b="textAreaBottom"/>
@@ -12146,15 +12228,15 @@
         <p:spPr>
           <a:xfrm>
             <a:off x="4420800" y="4800600"/>
-            <a:ext cx="228240" cy="250560"/>
+            <a:ext cx="227520" cy="249840"/>
           </a:xfrm>
           <a:custGeom>
             <a:avLst/>
             <a:gdLst>
-              <a:gd name="textAreaLeft" fmla="*/ 0 w 228240"/>
-              <a:gd name="textAreaRight" fmla="*/ 228960 w 228240"/>
-              <a:gd name="textAreaTop" fmla="*/ 0 h 250560"/>
-              <a:gd name="textAreaBottom" fmla="*/ 251280 h 250560"/>
+              <a:gd name="textAreaLeft" fmla="*/ 0 w 227520"/>
+              <a:gd name="textAreaRight" fmla="*/ 228960 w 227520"/>
+              <a:gd name="textAreaTop" fmla="*/ 0 h 249840"/>
+              <a:gd name="textAreaBottom" fmla="*/ 251280 h 249840"/>
             </a:gdLst>
             <a:ahLst/>
             <a:rect l="textAreaLeft" t="textAreaTop" r="textAreaRight" b="textAreaBottom"/>
@@ -12227,15 +12309,15 @@
         <p:spPr>
           <a:xfrm>
             <a:off x="4636800" y="4800600"/>
-            <a:ext cx="228240" cy="250560"/>
+            <a:ext cx="227520" cy="249840"/>
           </a:xfrm>
           <a:custGeom>
             <a:avLst/>
             <a:gdLst>
-              <a:gd name="textAreaLeft" fmla="*/ 0 w 228240"/>
-              <a:gd name="textAreaRight" fmla="*/ 228960 w 228240"/>
-              <a:gd name="textAreaTop" fmla="*/ 0 h 250560"/>
-              <a:gd name="textAreaBottom" fmla="*/ 251280 h 250560"/>
+              <a:gd name="textAreaLeft" fmla="*/ 0 w 227520"/>
+              <a:gd name="textAreaRight" fmla="*/ 228960 w 227520"/>
+              <a:gd name="textAreaTop" fmla="*/ 0 h 249840"/>
+              <a:gd name="textAreaBottom" fmla="*/ 251280 h 249840"/>
             </a:gdLst>
             <a:ahLst/>
             <a:rect l="textAreaLeft" t="textAreaTop" r="textAreaRight" b="textAreaBottom"/>
@@ -12342,7 +12424,7 @@
         <p:spPr>
           <a:xfrm>
             <a:off x="1143360" y="582840"/>
-            <a:ext cx="7289640" cy="540000"/>
+            <a:ext cx="7288920" cy="539280"/>
           </a:xfrm>
           <a:prstGeom prst="rect">
             <a:avLst/>
@@ -12388,7 +12470,7 @@
             </a:r>
             <a:endParaRPr b="0" lang="en-US" sz="2800" spc="-1" strike="noStrike">
               <a:solidFill>
-                <a:srgbClr val="81d41a"/>
+                <a:srgbClr val="ffffff"/>
               </a:solidFill>
               <a:latin typeface="Arial"/>
             </a:endParaRPr>
@@ -12408,7 +12490,7 @@
         <p:spPr>
           <a:xfrm>
             <a:off x="1464120" y="1063080"/>
-            <a:ext cx="6968520" cy="3415320"/>
+            <a:ext cx="6967800" cy="3414600"/>
           </a:xfrm>
           <a:prstGeom prst="rect">
             <a:avLst/>
@@ -13026,7 +13108,7 @@
         <p:spPr>
           <a:xfrm>
             <a:off x="710280" y="4694760"/>
-            <a:ext cx="4863960" cy="356400"/>
+            <a:ext cx="4863240" cy="355680"/>
           </a:xfrm>
           <a:prstGeom prst="rect">
             <a:avLst/>
@@ -13082,7 +13164,7 @@
         <p:spPr>
           <a:xfrm>
             <a:off x="-6120" y="91440"/>
-            <a:ext cx="4570920" cy="356400"/>
+            <a:ext cx="4570200" cy="355680"/>
           </a:xfrm>
           <a:prstGeom prst="rect">
             <a:avLst/>
@@ -13138,7 +13220,7 @@
         <p:spPr>
           <a:xfrm>
             <a:off x="4572000" y="91440"/>
-            <a:ext cx="4570920" cy="356400"/>
+            <a:ext cx="4570200" cy="355680"/>
           </a:xfrm>
           <a:prstGeom prst="rect">
             <a:avLst/>
@@ -13190,15 +13272,15 @@
         <p:spPr>
           <a:xfrm>
             <a:off x="1828800" y="4800600"/>
-            <a:ext cx="228240" cy="250560"/>
+            <a:ext cx="227520" cy="249840"/>
           </a:xfrm>
           <a:custGeom>
             <a:avLst/>
             <a:gdLst>
-              <a:gd name="textAreaLeft" fmla="*/ 0 w 228240"/>
-              <a:gd name="textAreaRight" fmla="*/ 228960 w 228240"/>
-              <a:gd name="textAreaTop" fmla="*/ 0 h 250560"/>
-              <a:gd name="textAreaBottom" fmla="*/ 251280 h 250560"/>
+              <a:gd name="textAreaLeft" fmla="*/ 0 w 227520"/>
+              <a:gd name="textAreaRight" fmla="*/ 228960 w 227520"/>
+              <a:gd name="textAreaTop" fmla="*/ 0 h 249840"/>
+              <a:gd name="textAreaBottom" fmla="*/ 251280 h 249840"/>
             </a:gdLst>
             <a:ahLst/>
             <a:rect l="textAreaLeft" t="textAreaTop" r="textAreaRight" b="textAreaBottom"/>
@@ -13271,15 +13353,15 @@
         <p:spPr>
           <a:xfrm>
             <a:off x="2044800" y="4800600"/>
-            <a:ext cx="228240" cy="250560"/>
+            <a:ext cx="227520" cy="249840"/>
           </a:xfrm>
           <a:custGeom>
             <a:avLst/>
             <a:gdLst>
-              <a:gd name="textAreaLeft" fmla="*/ 0 w 228240"/>
-              <a:gd name="textAreaRight" fmla="*/ 228960 w 228240"/>
-              <a:gd name="textAreaTop" fmla="*/ 0 h 250560"/>
-              <a:gd name="textAreaBottom" fmla="*/ 251280 h 250560"/>
+              <a:gd name="textAreaLeft" fmla="*/ 0 w 227520"/>
+              <a:gd name="textAreaRight" fmla="*/ 228960 w 227520"/>
+              <a:gd name="textAreaTop" fmla="*/ 0 h 249840"/>
+              <a:gd name="textAreaBottom" fmla="*/ 251280 h 249840"/>
             </a:gdLst>
             <a:ahLst/>
             <a:rect l="textAreaLeft" t="textAreaTop" r="textAreaRight" b="textAreaBottom"/>
@@ -13352,15 +13434,15 @@
         <p:spPr>
           <a:xfrm>
             <a:off x="2260800" y="4800600"/>
-            <a:ext cx="228240" cy="250560"/>
+            <a:ext cx="227520" cy="249840"/>
           </a:xfrm>
           <a:custGeom>
             <a:avLst/>
             <a:gdLst>
-              <a:gd name="textAreaLeft" fmla="*/ 0 w 228240"/>
-              <a:gd name="textAreaRight" fmla="*/ 228960 w 228240"/>
-              <a:gd name="textAreaTop" fmla="*/ 0 h 250560"/>
-              <a:gd name="textAreaBottom" fmla="*/ 251280 h 250560"/>
+              <a:gd name="textAreaLeft" fmla="*/ 0 w 227520"/>
+              <a:gd name="textAreaRight" fmla="*/ 228960 w 227520"/>
+              <a:gd name="textAreaTop" fmla="*/ 0 h 249840"/>
+              <a:gd name="textAreaBottom" fmla="*/ 251280 h 249840"/>
             </a:gdLst>
             <a:ahLst/>
             <a:rect l="textAreaLeft" t="textAreaTop" r="textAreaRight" b="textAreaBottom"/>
@@ -13433,15 +13515,15 @@
         <p:spPr>
           <a:xfrm>
             <a:off x="2476800" y="4800600"/>
-            <a:ext cx="228240" cy="250560"/>
+            <a:ext cx="227520" cy="249840"/>
           </a:xfrm>
           <a:custGeom>
             <a:avLst/>
             <a:gdLst>
-              <a:gd name="textAreaLeft" fmla="*/ 0 w 228240"/>
-              <a:gd name="textAreaRight" fmla="*/ 228960 w 228240"/>
-              <a:gd name="textAreaTop" fmla="*/ 0 h 250560"/>
-              <a:gd name="textAreaBottom" fmla="*/ 251280 h 250560"/>
+              <a:gd name="textAreaLeft" fmla="*/ 0 w 227520"/>
+              <a:gd name="textAreaRight" fmla="*/ 228960 w 227520"/>
+              <a:gd name="textAreaTop" fmla="*/ 0 h 249840"/>
+              <a:gd name="textAreaBottom" fmla="*/ 251280 h 249840"/>
             </a:gdLst>
             <a:ahLst/>
             <a:rect l="textAreaLeft" t="textAreaTop" r="textAreaRight" b="textAreaBottom"/>
@@ -13514,15 +13596,15 @@
         <p:spPr>
           <a:xfrm>
             <a:off x="2692800" y="4800600"/>
-            <a:ext cx="228240" cy="250560"/>
+            <a:ext cx="227520" cy="249840"/>
           </a:xfrm>
           <a:custGeom>
             <a:avLst/>
             <a:gdLst>
-              <a:gd name="textAreaLeft" fmla="*/ 0 w 228240"/>
-              <a:gd name="textAreaRight" fmla="*/ 228960 w 228240"/>
-              <a:gd name="textAreaTop" fmla="*/ 0 h 250560"/>
-              <a:gd name="textAreaBottom" fmla="*/ 251280 h 250560"/>
+              <a:gd name="textAreaLeft" fmla="*/ 0 w 227520"/>
+              <a:gd name="textAreaRight" fmla="*/ 228960 w 227520"/>
+              <a:gd name="textAreaTop" fmla="*/ 0 h 249840"/>
+              <a:gd name="textAreaBottom" fmla="*/ 251280 h 249840"/>
             </a:gdLst>
             <a:ahLst/>
             <a:rect l="textAreaLeft" t="textAreaTop" r="textAreaRight" b="textAreaBottom"/>
@@ -13595,15 +13677,15 @@
         <p:spPr>
           <a:xfrm>
             <a:off x="2908800" y="4800600"/>
-            <a:ext cx="228240" cy="250560"/>
+            <a:ext cx="227520" cy="249840"/>
           </a:xfrm>
           <a:custGeom>
             <a:avLst/>
             <a:gdLst>
-              <a:gd name="textAreaLeft" fmla="*/ 0 w 228240"/>
-              <a:gd name="textAreaRight" fmla="*/ 228960 w 228240"/>
-              <a:gd name="textAreaTop" fmla="*/ 0 h 250560"/>
-              <a:gd name="textAreaBottom" fmla="*/ 251280 h 250560"/>
+              <a:gd name="textAreaLeft" fmla="*/ 0 w 227520"/>
+              <a:gd name="textAreaRight" fmla="*/ 228960 w 227520"/>
+              <a:gd name="textAreaTop" fmla="*/ 0 h 249840"/>
+              <a:gd name="textAreaBottom" fmla="*/ 251280 h 249840"/>
             </a:gdLst>
             <a:ahLst/>
             <a:rect l="textAreaLeft" t="textAreaTop" r="textAreaRight" b="textAreaBottom"/>
@@ -13676,15 +13758,15 @@
         <p:spPr>
           <a:xfrm>
             <a:off x="3124800" y="4800600"/>
-            <a:ext cx="228240" cy="250560"/>
+            <a:ext cx="227520" cy="249840"/>
           </a:xfrm>
           <a:custGeom>
             <a:avLst/>
             <a:gdLst>
-              <a:gd name="textAreaLeft" fmla="*/ 0 w 228240"/>
-              <a:gd name="textAreaRight" fmla="*/ 228960 w 228240"/>
-              <a:gd name="textAreaTop" fmla="*/ 0 h 250560"/>
-              <a:gd name="textAreaBottom" fmla="*/ 251280 h 250560"/>
+              <a:gd name="textAreaLeft" fmla="*/ 0 w 227520"/>
+              <a:gd name="textAreaRight" fmla="*/ 228960 w 227520"/>
+              <a:gd name="textAreaTop" fmla="*/ 0 h 249840"/>
+              <a:gd name="textAreaBottom" fmla="*/ 251280 h 249840"/>
             </a:gdLst>
             <a:ahLst/>
             <a:rect l="textAreaLeft" t="textAreaTop" r="textAreaRight" b="textAreaBottom"/>
@@ -13757,15 +13839,15 @@
         <p:spPr>
           <a:xfrm>
             <a:off x="3340800" y="4800600"/>
-            <a:ext cx="228240" cy="250560"/>
+            <a:ext cx="227520" cy="249840"/>
           </a:xfrm>
           <a:custGeom>
             <a:avLst/>
             <a:gdLst>
-              <a:gd name="textAreaLeft" fmla="*/ 0 w 228240"/>
-              <a:gd name="textAreaRight" fmla="*/ 228960 w 228240"/>
-              <a:gd name="textAreaTop" fmla="*/ 0 h 250560"/>
-              <a:gd name="textAreaBottom" fmla="*/ 251280 h 250560"/>
+              <a:gd name="textAreaLeft" fmla="*/ 0 w 227520"/>
+              <a:gd name="textAreaRight" fmla="*/ 228960 w 227520"/>
+              <a:gd name="textAreaTop" fmla="*/ 0 h 249840"/>
+              <a:gd name="textAreaBottom" fmla="*/ 251280 h 249840"/>
             </a:gdLst>
             <a:ahLst/>
             <a:rect l="textAreaLeft" t="textAreaTop" r="textAreaRight" b="textAreaBottom"/>
@@ -13838,15 +13920,15 @@
         <p:spPr>
           <a:xfrm>
             <a:off x="3556800" y="4800600"/>
-            <a:ext cx="228240" cy="250560"/>
+            <a:ext cx="227520" cy="249840"/>
           </a:xfrm>
           <a:custGeom>
             <a:avLst/>
             <a:gdLst>
-              <a:gd name="textAreaLeft" fmla="*/ 0 w 228240"/>
-              <a:gd name="textAreaRight" fmla="*/ 228960 w 228240"/>
-              <a:gd name="textAreaTop" fmla="*/ 0 h 250560"/>
-              <a:gd name="textAreaBottom" fmla="*/ 251280 h 250560"/>
+              <a:gd name="textAreaLeft" fmla="*/ 0 w 227520"/>
+              <a:gd name="textAreaRight" fmla="*/ 228960 w 227520"/>
+              <a:gd name="textAreaTop" fmla="*/ 0 h 249840"/>
+              <a:gd name="textAreaBottom" fmla="*/ 251280 h 249840"/>
             </a:gdLst>
             <a:ahLst/>
             <a:rect l="textAreaLeft" t="textAreaTop" r="textAreaRight" b="textAreaBottom"/>
@@ -13919,15 +14001,15 @@
         <p:spPr>
           <a:xfrm>
             <a:off x="3772800" y="4800600"/>
-            <a:ext cx="228240" cy="250560"/>
+            <a:ext cx="227520" cy="249840"/>
           </a:xfrm>
           <a:custGeom>
             <a:avLst/>
             <a:gdLst>
-              <a:gd name="textAreaLeft" fmla="*/ 0 w 228240"/>
-              <a:gd name="textAreaRight" fmla="*/ 228960 w 228240"/>
-              <a:gd name="textAreaTop" fmla="*/ 0 h 250560"/>
-              <a:gd name="textAreaBottom" fmla="*/ 251280 h 250560"/>
+              <a:gd name="textAreaLeft" fmla="*/ 0 w 227520"/>
+              <a:gd name="textAreaRight" fmla="*/ 228960 w 227520"/>
+              <a:gd name="textAreaTop" fmla="*/ 0 h 249840"/>
+              <a:gd name="textAreaBottom" fmla="*/ 251280 h 249840"/>
             </a:gdLst>
             <a:ahLst/>
             <a:rect l="textAreaLeft" t="textAreaTop" r="textAreaRight" b="textAreaBottom"/>
@@ -14000,15 +14082,15 @@
         <p:spPr>
           <a:xfrm>
             <a:off x="3988800" y="4800600"/>
-            <a:ext cx="228240" cy="250560"/>
+            <a:ext cx="227520" cy="249840"/>
           </a:xfrm>
           <a:custGeom>
             <a:avLst/>
             <a:gdLst>
-              <a:gd name="textAreaLeft" fmla="*/ 0 w 228240"/>
-              <a:gd name="textAreaRight" fmla="*/ 228960 w 228240"/>
-              <a:gd name="textAreaTop" fmla="*/ 0 h 250560"/>
-              <a:gd name="textAreaBottom" fmla="*/ 251280 h 250560"/>
+              <a:gd name="textAreaLeft" fmla="*/ 0 w 227520"/>
+              <a:gd name="textAreaRight" fmla="*/ 228960 w 227520"/>
+              <a:gd name="textAreaTop" fmla="*/ 0 h 249840"/>
+              <a:gd name="textAreaBottom" fmla="*/ 251280 h 249840"/>
             </a:gdLst>
             <a:ahLst/>
             <a:rect l="textAreaLeft" t="textAreaTop" r="textAreaRight" b="textAreaBottom"/>
@@ -14081,15 +14163,15 @@
         <p:spPr>
           <a:xfrm>
             <a:off x="4204800" y="4800600"/>
-            <a:ext cx="228240" cy="250560"/>
+            <a:ext cx="227520" cy="249840"/>
           </a:xfrm>
           <a:custGeom>
             <a:avLst/>
             <a:gdLst>
-              <a:gd name="textAreaLeft" fmla="*/ 0 w 228240"/>
-              <a:gd name="textAreaRight" fmla="*/ 228960 w 228240"/>
-              <a:gd name="textAreaTop" fmla="*/ 0 h 250560"/>
-              <a:gd name="textAreaBottom" fmla="*/ 251280 h 250560"/>
+              <a:gd name="textAreaLeft" fmla="*/ 0 w 227520"/>
+              <a:gd name="textAreaRight" fmla="*/ 228960 w 227520"/>
+              <a:gd name="textAreaTop" fmla="*/ 0 h 249840"/>
+              <a:gd name="textAreaBottom" fmla="*/ 251280 h 249840"/>
             </a:gdLst>
             <a:ahLst/>
             <a:rect l="textAreaLeft" t="textAreaTop" r="textAreaRight" b="textAreaBottom"/>
@@ -14162,15 +14244,15 @@
         <p:spPr>
           <a:xfrm>
             <a:off x="4420800" y="4800600"/>
-            <a:ext cx="228240" cy="250560"/>
+            <a:ext cx="227520" cy="249840"/>
           </a:xfrm>
           <a:custGeom>
             <a:avLst/>
             <a:gdLst>
-              <a:gd name="textAreaLeft" fmla="*/ 0 w 228240"/>
-              <a:gd name="textAreaRight" fmla="*/ 228960 w 228240"/>
-              <a:gd name="textAreaTop" fmla="*/ 0 h 250560"/>
-              <a:gd name="textAreaBottom" fmla="*/ 251280 h 250560"/>
+              <a:gd name="textAreaLeft" fmla="*/ 0 w 227520"/>
+              <a:gd name="textAreaRight" fmla="*/ 228960 w 227520"/>
+              <a:gd name="textAreaTop" fmla="*/ 0 h 249840"/>
+              <a:gd name="textAreaBottom" fmla="*/ 251280 h 249840"/>
             </a:gdLst>
             <a:ahLst/>
             <a:rect l="textAreaLeft" t="textAreaTop" r="textAreaRight" b="textAreaBottom"/>
@@ -14243,15 +14325,15 @@
         <p:spPr>
           <a:xfrm>
             <a:off x="4636800" y="4800600"/>
-            <a:ext cx="228240" cy="250560"/>
+            <a:ext cx="227520" cy="249840"/>
           </a:xfrm>
           <a:custGeom>
             <a:avLst/>
             <a:gdLst>
-              <a:gd name="textAreaLeft" fmla="*/ 0 w 228240"/>
-              <a:gd name="textAreaRight" fmla="*/ 228960 w 228240"/>
-              <a:gd name="textAreaTop" fmla="*/ 0 h 250560"/>
-              <a:gd name="textAreaBottom" fmla="*/ 251280 h 250560"/>
+              <a:gd name="textAreaLeft" fmla="*/ 0 w 227520"/>
+              <a:gd name="textAreaRight" fmla="*/ 228960 w 227520"/>
+              <a:gd name="textAreaTop" fmla="*/ 0 h 249840"/>
+              <a:gd name="textAreaBottom" fmla="*/ 251280 h 249840"/>
             </a:gdLst>
             <a:ahLst/>
             <a:rect l="textAreaLeft" t="textAreaTop" r="textAreaRight" b="textAreaBottom"/>
@@ -14358,7 +14440,7 @@
         <p:spPr>
           <a:xfrm>
             <a:off x="1143360" y="582840"/>
-            <a:ext cx="7289640" cy="540000"/>
+            <a:ext cx="7288920" cy="539280"/>
           </a:xfrm>
           <a:prstGeom prst="rect">
             <a:avLst/>
@@ -14394,7 +14476,7 @@
             </a:r>
             <a:endParaRPr b="0" lang="en-US" sz="2800" spc="-1" strike="noStrike">
               <a:solidFill>
-                <a:srgbClr val="81d41a"/>
+                <a:srgbClr val="ffffff"/>
               </a:solidFill>
               <a:latin typeface="Arial"/>
             </a:endParaRPr>
@@ -14414,7 +14496,7 @@
         <p:spPr>
           <a:xfrm>
             <a:off x="1464120" y="1063080"/>
-            <a:ext cx="6968520" cy="3415320"/>
+            <a:ext cx="6967800" cy="3414600"/>
           </a:xfrm>
           <a:prstGeom prst="rect">
             <a:avLst/>
@@ -14716,7 +14798,7 @@
         <p:spPr>
           <a:xfrm>
             <a:off x="710280" y="4694760"/>
-            <a:ext cx="4863960" cy="356400"/>
+            <a:ext cx="4863240" cy="355680"/>
           </a:xfrm>
           <a:prstGeom prst="rect">
             <a:avLst/>
@@ -14772,7 +14854,7 @@
         <p:spPr>
           <a:xfrm>
             <a:off x="-6120" y="91440"/>
-            <a:ext cx="4570920" cy="356400"/>
+            <a:ext cx="4570200" cy="355680"/>
           </a:xfrm>
           <a:prstGeom prst="rect">
             <a:avLst/>
@@ -14828,7 +14910,7 @@
         <p:spPr>
           <a:xfrm>
             <a:off x="4572000" y="91440"/>
-            <a:ext cx="4570920" cy="356400"/>
+            <a:ext cx="4570200" cy="355680"/>
           </a:xfrm>
           <a:prstGeom prst="rect">
             <a:avLst/>
@@ -14880,15 +14962,15 @@
         <p:spPr>
           <a:xfrm>
             <a:off x="1828800" y="4800600"/>
-            <a:ext cx="228240" cy="250560"/>
+            <a:ext cx="227520" cy="249840"/>
           </a:xfrm>
           <a:custGeom>
             <a:avLst/>
             <a:gdLst>
-              <a:gd name="textAreaLeft" fmla="*/ 0 w 228240"/>
-              <a:gd name="textAreaRight" fmla="*/ 228960 w 228240"/>
-              <a:gd name="textAreaTop" fmla="*/ 0 h 250560"/>
-              <a:gd name="textAreaBottom" fmla="*/ 251280 h 250560"/>
+              <a:gd name="textAreaLeft" fmla="*/ 0 w 227520"/>
+              <a:gd name="textAreaRight" fmla="*/ 228960 w 227520"/>
+              <a:gd name="textAreaTop" fmla="*/ 0 h 249840"/>
+              <a:gd name="textAreaBottom" fmla="*/ 251280 h 249840"/>
             </a:gdLst>
             <a:ahLst/>
             <a:rect l="textAreaLeft" t="textAreaTop" r="textAreaRight" b="textAreaBottom"/>
@@ -14961,15 +15043,15 @@
         <p:spPr>
           <a:xfrm>
             <a:off x="2044800" y="4800600"/>
-            <a:ext cx="228240" cy="250560"/>
+            <a:ext cx="227520" cy="249840"/>
           </a:xfrm>
           <a:custGeom>
             <a:avLst/>
             <a:gdLst>
-              <a:gd name="textAreaLeft" fmla="*/ 0 w 228240"/>
-              <a:gd name="textAreaRight" fmla="*/ 228960 w 228240"/>
-              <a:gd name="textAreaTop" fmla="*/ 0 h 250560"/>
-              <a:gd name="textAreaBottom" fmla="*/ 251280 h 250560"/>
+              <a:gd name="textAreaLeft" fmla="*/ 0 w 227520"/>
+              <a:gd name="textAreaRight" fmla="*/ 228960 w 227520"/>
+              <a:gd name="textAreaTop" fmla="*/ 0 h 249840"/>
+              <a:gd name="textAreaBottom" fmla="*/ 251280 h 249840"/>
             </a:gdLst>
             <a:ahLst/>
             <a:rect l="textAreaLeft" t="textAreaTop" r="textAreaRight" b="textAreaBottom"/>
@@ -15042,15 +15124,15 @@
         <p:spPr>
           <a:xfrm>
             <a:off x="2260800" y="4800600"/>
-            <a:ext cx="228240" cy="250560"/>
+            <a:ext cx="227520" cy="249840"/>
           </a:xfrm>
           <a:custGeom>
             <a:avLst/>
             <a:gdLst>
-              <a:gd name="textAreaLeft" fmla="*/ 0 w 228240"/>
-              <a:gd name="textAreaRight" fmla="*/ 228960 w 228240"/>
-              <a:gd name="textAreaTop" fmla="*/ 0 h 250560"/>
-              <a:gd name="textAreaBottom" fmla="*/ 251280 h 250560"/>
+              <a:gd name="textAreaLeft" fmla="*/ 0 w 227520"/>
+              <a:gd name="textAreaRight" fmla="*/ 228960 w 227520"/>
+              <a:gd name="textAreaTop" fmla="*/ 0 h 249840"/>
+              <a:gd name="textAreaBottom" fmla="*/ 251280 h 249840"/>
             </a:gdLst>
             <a:ahLst/>
             <a:rect l="textAreaLeft" t="textAreaTop" r="textAreaRight" b="textAreaBottom"/>
@@ -15123,15 +15205,15 @@
         <p:spPr>
           <a:xfrm>
             <a:off x="2476800" y="4800600"/>
-            <a:ext cx="228240" cy="250560"/>
+            <a:ext cx="227520" cy="249840"/>
           </a:xfrm>
           <a:custGeom>
             <a:avLst/>
             <a:gdLst>
-              <a:gd name="textAreaLeft" fmla="*/ 0 w 228240"/>
-              <a:gd name="textAreaRight" fmla="*/ 228960 w 228240"/>
-              <a:gd name="textAreaTop" fmla="*/ 0 h 250560"/>
-              <a:gd name="textAreaBottom" fmla="*/ 251280 h 250560"/>
+              <a:gd name="textAreaLeft" fmla="*/ 0 w 227520"/>
+              <a:gd name="textAreaRight" fmla="*/ 228960 w 227520"/>
+              <a:gd name="textAreaTop" fmla="*/ 0 h 249840"/>
+              <a:gd name="textAreaBottom" fmla="*/ 251280 h 249840"/>
             </a:gdLst>
             <a:ahLst/>
             <a:rect l="textAreaLeft" t="textAreaTop" r="textAreaRight" b="textAreaBottom"/>
@@ -15204,15 +15286,15 @@
         <p:spPr>
           <a:xfrm>
             <a:off x="2692800" y="4800600"/>
-            <a:ext cx="228240" cy="250560"/>
+            <a:ext cx="227520" cy="249840"/>
           </a:xfrm>
           <a:custGeom>
             <a:avLst/>
             <a:gdLst>
-              <a:gd name="textAreaLeft" fmla="*/ 0 w 228240"/>
-              <a:gd name="textAreaRight" fmla="*/ 228960 w 228240"/>
-              <a:gd name="textAreaTop" fmla="*/ 0 h 250560"/>
-              <a:gd name="textAreaBottom" fmla="*/ 251280 h 250560"/>
+              <a:gd name="textAreaLeft" fmla="*/ 0 w 227520"/>
+              <a:gd name="textAreaRight" fmla="*/ 228960 w 227520"/>
+              <a:gd name="textAreaTop" fmla="*/ 0 h 249840"/>
+              <a:gd name="textAreaBottom" fmla="*/ 251280 h 249840"/>
             </a:gdLst>
             <a:ahLst/>
             <a:rect l="textAreaLeft" t="textAreaTop" r="textAreaRight" b="textAreaBottom"/>
@@ -15285,15 +15367,15 @@
         <p:spPr>
           <a:xfrm>
             <a:off x="2908800" y="4800600"/>
-            <a:ext cx="228240" cy="250560"/>
+            <a:ext cx="227520" cy="249840"/>
           </a:xfrm>
           <a:custGeom>
             <a:avLst/>
             <a:gdLst>
-              <a:gd name="textAreaLeft" fmla="*/ 0 w 228240"/>
-              <a:gd name="textAreaRight" fmla="*/ 228960 w 228240"/>
-              <a:gd name="textAreaTop" fmla="*/ 0 h 250560"/>
-              <a:gd name="textAreaBottom" fmla="*/ 251280 h 250560"/>
+              <a:gd name="textAreaLeft" fmla="*/ 0 w 227520"/>
+              <a:gd name="textAreaRight" fmla="*/ 228960 w 227520"/>
+              <a:gd name="textAreaTop" fmla="*/ 0 h 249840"/>
+              <a:gd name="textAreaBottom" fmla="*/ 251280 h 249840"/>
             </a:gdLst>
             <a:ahLst/>
             <a:rect l="textAreaLeft" t="textAreaTop" r="textAreaRight" b="textAreaBottom"/>
@@ -15366,15 +15448,15 @@
         <p:spPr>
           <a:xfrm>
             <a:off x="3124800" y="4800600"/>
-            <a:ext cx="228240" cy="250560"/>
+            <a:ext cx="227520" cy="249840"/>
           </a:xfrm>
           <a:custGeom>
             <a:avLst/>
             <a:gdLst>
-              <a:gd name="textAreaLeft" fmla="*/ 0 w 228240"/>
-              <a:gd name="textAreaRight" fmla="*/ 228960 w 228240"/>
-              <a:gd name="textAreaTop" fmla="*/ 0 h 250560"/>
-              <a:gd name="textAreaBottom" fmla="*/ 251280 h 250560"/>
+              <a:gd name="textAreaLeft" fmla="*/ 0 w 227520"/>
+              <a:gd name="textAreaRight" fmla="*/ 228960 w 227520"/>
+              <a:gd name="textAreaTop" fmla="*/ 0 h 249840"/>
+              <a:gd name="textAreaBottom" fmla="*/ 251280 h 249840"/>
             </a:gdLst>
             <a:ahLst/>
             <a:rect l="textAreaLeft" t="textAreaTop" r="textAreaRight" b="textAreaBottom"/>
@@ -15447,15 +15529,15 @@
         <p:spPr>
           <a:xfrm>
             <a:off x="3340800" y="4800600"/>
-            <a:ext cx="228240" cy="250560"/>
+            <a:ext cx="227520" cy="249840"/>
           </a:xfrm>
           <a:custGeom>
             <a:avLst/>
             <a:gdLst>
-              <a:gd name="textAreaLeft" fmla="*/ 0 w 228240"/>
-              <a:gd name="textAreaRight" fmla="*/ 228960 w 228240"/>
-              <a:gd name="textAreaTop" fmla="*/ 0 h 250560"/>
-              <a:gd name="textAreaBottom" fmla="*/ 251280 h 250560"/>
+              <a:gd name="textAreaLeft" fmla="*/ 0 w 227520"/>
+              <a:gd name="textAreaRight" fmla="*/ 228960 w 227520"/>
+              <a:gd name="textAreaTop" fmla="*/ 0 h 249840"/>
+              <a:gd name="textAreaBottom" fmla="*/ 251280 h 249840"/>
             </a:gdLst>
             <a:ahLst/>
             <a:rect l="textAreaLeft" t="textAreaTop" r="textAreaRight" b="textAreaBottom"/>
@@ -15528,15 +15610,15 @@
         <p:spPr>
           <a:xfrm>
             <a:off x="3556800" y="4800600"/>
-            <a:ext cx="228240" cy="250560"/>
+            <a:ext cx="227520" cy="249840"/>
           </a:xfrm>
           <a:custGeom>
             <a:avLst/>
             <a:gdLst>
-              <a:gd name="textAreaLeft" fmla="*/ 0 w 228240"/>
-              <a:gd name="textAreaRight" fmla="*/ 228960 w 228240"/>
-              <a:gd name="textAreaTop" fmla="*/ 0 h 250560"/>
-              <a:gd name="textAreaBottom" fmla="*/ 251280 h 250560"/>
+              <a:gd name="textAreaLeft" fmla="*/ 0 w 227520"/>
+              <a:gd name="textAreaRight" fmla="*/ 228960 w 227520"/>
+              <a:gd name="textAreaTop" fmla="*/ 0 h 249840"/>
+              <a:gd name="textAreaBottom" fmla="*/ 251280 h 249840"/>
             </a:gdLst>
             <a:ahLst/>
             <a:rect l="textAreaLeft" t="textAreaTop" r="textAreaRight" b="textAreaBottom"/>
@@ -15609,15 +15691,15 @@
         <p:spPr>
           <a:xfrm>
             <a:off x="3772800" y="4800600"/>
-            <a:ext cx="228240" cy="250560"/>
+            <a:ext cx="227520" cy="249840"/>
           </a:xfrm>
           <a:custGeom>
             <a:avLst/>
             <a:gdLst>
-              <a:gd name="textAreaLeft" fmla="*/ 0 w 228240"/>
-              <a:gd name="textAreaRight" fmla="*/ 228960 w 228240"/>
-              <a:gd name="textAreaTop" fmla="*/ 0 h 250560"/>
-              <a:gd name="textAreaBottom" fmla="*/ 251280 h 250560"/>
+              <a:gd name="textAreaLeft" fmla="*/ 0 w 227520"/>
+              <a:gd name="textAreaRight" fmla="*/ 228960 w 227520"/>
+              <a:gd name="textAreaTop" fmla="*/ 0 h 249840"/>
+              <a:gd name="textAreaBottom" fmla="*/ 251280 h 249840"/>
             </a:gdLst>
             <a:ahLst/>
             <a:rect l="textAreaLeft" t="textAreaTop" r="textAreaRight" b="textAreaBottom"/>
@@ -15690,15 +15772,15 @@
         <p:spPr>
           <a:xfrm>
             <a:off x="3988800" y="4800600"/>
-            <a:ext cx="228240" cy="250560"/>
+            <a:ext cx="227520" cy="249840"/>
           </a:xfrm>
           <a:custGeom>
             <a:avLst/>
             <a:gdLst>
-              <a:gd name="textAreaLeft" fmla="*/ 0 w 228240"/>
-              <a:gd name="textAreaRight" fmla="*/ 228960 w 228240"/>
-              <a:gd name="textAreaTop" fmla="*/ 0 h 250560"/>
-              <a:gd name="textAreaBottom" fmla="*/ 251280 h 250560"/>
+              <a:gd name="textAreaLeft" fmla="*/ 0 w 227520"/>
+              <a:gd name="textAreaRight" fmla="*/ 228960 w 227520"/>
+              <a:gd name="textAreaTop" fmla="*/ 0 h 249840"/>
+              <a:gd name="textAreaBottom" fmla="*/ 251280 h 249840"/>
             </a:gdLst>
             <a:ahLst/>
             <a:rect l="textAreaLeft" t="textAreaTop" r="textAreaRight" b="textAreaBottom"/>
@@ -15771,15 +15853,15 @@
         <p:spPr>
           <a:xfrm>
             <a:off x="4204800" y="4800600"/>
-            <a:ext cx="228240" cy="250560"/>
+            <a:ext cx="227520" cy="249840"/>
           </a:xfrm>
           <a:custGeom>
             <a:avLst/>
             <a:gdLst>
-              <a:gd name="textAreaLeft" fmla="*/ 0 w 228240"/>
-              <a:gd name="textAreaRight" fmla="*/ 228960 w 228240"/>
-              <a:gd name="textAreaTop" fmla="*/ 0 h 250560"/>
-              <a:gd name="textAreaBottom" fmla="*/ 251280 h 250560"/>
+              <a:gd name="textAreaLeft" fmla="*/ 0 w 227520"/>
+              <a:gd name="textAreaRight" fmla="*/ 228960 w 227520"/>
+              <a:gd name="textAreaTop" fmla="*/ 0 h 249840"/>
+              <a:gd name="textAreaBottom" fmla="*/ 251280 h 249840"/>
             </a:gdLst>
             <a:ahLst/>
             <a:rect l="textAreaLeft" t="textAreaTop" r="textAreaRight" b="textAreaBottom"/>
@@ -15852,15 +15934,15 @@
         <p:spPr>
           <a:xfrm>
             <a:off x="4420800" y="4800600"/>
-            <a:ext cx="228240" cy="250560"/>
+            <a:ext cx="227520" cy="249840"/>
           </a:xfrm>
           <a:custGeom>
             <a:avLst/>
             <a:gdLst>
-              <a:gd name="textAreaLeft" fmla="*/ 0 w 228240"/>
-              <a:gd name="textAreaRight" fmla="*/ 228960 w 228240"/>
-              <a:gd name="textAreaTop" fmla="*/ 0 h 250560"/>
-              <a:gd name="textAreaBottom" fmla="*/ 251280 h 250560"/>
+              <a:gd name="textAreaLeft" fmla="*/ 0 w 227520"/>
+              <a:gd name="textAreaRight" fmla="*/ 228960 w 227520"/>
+              <a:gd name="textAreaTop" fmla="*/ 0 h 249840"/>
+              <a:gd name="textAreaBottom" fmla="*/ 251280 h 249840"/>
             </a:gdLst>
             <a:ahLst/>
             <a:rect l="textAreaLeft" t="textAreaTop" r="textAreaRight" b="textAreaBottom"/>
@@ -15933,15 +16015,15 @@
         <p:spPr>
           <a:xfrm>
             <a:off x="4636800" y="4800600"/>
-            <a:ext cx="228240" cy="250560"/>
+            <a:ext cx="227520" cy="249840"/>
           </a:xfrm>
           <a:custGeom>
             <a:avLst/>
             <a:gdLst>
-              <a:gd name="textAreaLeft" fmla="*/ 0 w 228240"/>
-              <a:gd name="textAreaRight" fmla="*/ 228960 w 228240"/>
-              <a:gd name="textAreaTop" fmla="*/ 0 h 250560"/>
-              <a:gd name="textAreaBottom" fmla="*/ 251280 h 250560"/>
+              <a:gd name="textAreaLeft" fmla="*/ 0 w 227520"/>
+              <a:gd name="textAreaRight" fmla="*/ 228960 w 227520"/>
+              <a:gd name="textAreaTop" fmla="*/ 0 h 249840"/>
+              <a:gd name="textAreaBottom" fmla="*/ 251280 h 249840"/>
             </a:gdLst>
             <a:ahLst/>
             <a:rect l="textAreaLeft" t="textAreaTop" r="textAreaRight" b="textAreaBottom"/>
@@ -15995,6 +16077,1461 @@
                 <a:spcPct val="100000"/>
               </a:lnSpc>
             </a:pPr>
+            <a:endParaRPr b="0" lang="en-US" sz="1800" spc="-1" strike="noStrike">
+              <a:solidFill>
+                <a:srgbClr val="ffffff"/>
+              </a:solidFill>
+              <a:latin typeface="Arial"/>
+              <a:ea typeface="DejaVu Sans"/>
+            </a:endParaRPr>
+          </a:p>
+        </p:txBody>
+      </p:sp>
+    </p:spTree>
+  </p:cSld>
+  <mc:AlternateContent>
+    <mc:Choice Requires="p14">
+      <p:transition spd="slow" p14:dur="2000"/>
+    </mc:Choice>
+    <mc:Fallback>
+      <p:transition spd="slow"/>
+    </mc:Fallback>
+  </mc:AlternateContent>
+</p:sld>
+</file>
+
+<file path=ppt/slides/slide15.xml><?xml version="1.0" encoding="utf-8"?>
+<p:sld xmlns:a="http://schemas.openxmlformats.org/drawingml/2006/main" xmlns:p="http://schemas.openxmlformats.org/presentationml/2006/main" xmlns:r="http://schemas.openxmlformats.org/officeDocument/2006/relationships" xmlns:p14="http://schemas.microsoft.com/office/powerpoint/2010/main" xmlns:p15="http://schemas.microsoft.com/office/powerpoint/2012/main" xmlns:mc="http://schemas.openxmlformats.org/markup-compatibility/2006">
+  <p:cSld>
+    <p:spTree>
+      <p:nvGrpSpPr>
+        <p:cNvPr id="1" name=""/>
+        <p:cNvGrpSpPr/>
+        <p:nvPr/>
+      </p:nvGrpSpPr>
+      <p:grpSpPr>
+        <a:xfrm>
+          <a:off x="0" y="0"/>
+          <a:ext cx="0" cy="0"/>
+          <a:chOff x="0" y="0"/>
+          <a:chExt cx="0" cy="0"/>
+        </a:xfrm>
+      </p:grpSpPr>
+      <p:sp>
+        <p:nvSpPr>
+          <p:cNvPr id="378" name="PlaceHolder 1"/>
+          <p:cNvSpPr>
+            <a:spLocks noGrp="1"/>
+          </p:cNvSpPr>
+          <p:nvPr>
+            <p:ph type="title"/>
+          </p:nvPr>
+        </p:nvSpPr>
+        <p:spPr>
+          <a:xfrm>
+            <a:off x="1143360" y="582840"/>
+            <a:ext cx="7288920" cy="539280"/>
+          </a:xfrm>
+          <a:prstGeom prst="rect">
+            <a:avLst/>
+          </a:prstGeom>
+          <a:noFill/>
+          <a:ln w="0">
+            <a:noFill/>
+          </a:ln>
+        </p:spPr>
+        <p:txBody>
+          <a:bodyPr lIns="0" rIns="0" tIns="91440" bIns="91440" anchor="t">
+            <a:noAutofit/>
+          </a:bodyPr>
+          <a:p>
+            <a:pPr indent="0">
+              <a:lnSpc>
+                <a:spcPct val="100000"/>
+              </a:lnSpc>
+              <a:buNone/>
+              <a:tabLst>
+                <a:tab algn="l" pos="0"/>
+              </a:tabLst>
+            </a:pPr>
+            <a:r>
+              <a:rPr b="0" lang="en" sz="2800" spc="-1" strike="noStrike">
+                <a:solidFill>
+                  <a:srgbClr val="81d41a"/>
+                </a:solidFill>
+                <a:latin typeface="Fira Code"/>
+                <a:ea typeface="Fira Code"/>
+              </a:rPr>
+              <a:t>Created By;</a:t>
+            </a:r>
+            <a:endParaRPr b="0" lang="en-US" sz="2800" spc="-1" strike="noStrike">
+              <a:solidFill>
+                <a:srgbClr val="ffffff"/>
+              </a:solidFill>
+              <a:latin typeface="Arial"/>
+            </a:endParaRPr>
+          </a:p>
+        </p:txBody>
+      </p:sp>
+      <p:sp>
+        <p:nvSpPr>
+          <p:cNvPr id="379" name="PlaceHolder 2"/>
+          <p:cNvSpPr>
+            <a:spLocks noGrp="1"/>
+          </p:cNvSpPr>
+          <p:nvPr>
+            <p:ph/>
+          </p:nvPr>
+        </p:nvSpPr>
+        <p:spPr>
+          <a:xfrm>
+            <a:off x="1464120" y="1063080"/>
+            <a:ext cx="6967800" cy="3414600"/>
+          </a:xfrm>
+          <a:prstGeom prst="rect">
+            <a:avLst/>
+          </a:prstGeom>
+          <a:noFill/>
+          <a:ln w="0">
+            <a:noFill/>
+          </a:ln>
+        </p:spPr>
+        <p:txBody>
+          <a:bodyPr lIns="0" rIns="0" tIns="91440" bIns="91440" anchor="ctr">
+            <a:noAutofit/>
+          </a:bodyPr>
+          <a:p>
+            <a:pPr indent="0">
+              <a:lnSpc>
+                <a:spcPct val="100000"/>
+              </a:lnSpc>
+              <a:buNone/>
+              <a:tabLst>
+                <a:tab algn="l" pos="0"/>
+              </a:tabLst>
+            </a:pPr>
+            <a:r>
+              <a:rPr b="0" lang="en" sz="1800" spc="-1" strike="noStrike">
+                <a:solidFill>
+                  <a:schemeClr val="accent3"/>
+                </a:solidFill>
+                <a:latin typeface="Fira Code"/>
+                <a:ea typeface="Fira Code"/>
+              </a:rPr>
+              <a:t>Dave Lockwood</a:t>
+            </a:r>
+            <a:endParaRPr b="0" lang="en-US" sz="1800" spc="-1" strike="noStrike">
+              <a:solidFill>
+                <a:srgbClr val="ffffff"/>
+              </a:solidFill>
+              <a:latin typeface="Arial"/>
+            </a:endParaRPr>
+          </a:p>
+          <a:p>
+            <a:pPr indent="0">
+              <a:lnSpc>
+                <a:spcPct val="100000"/>
+              </a:lnSpc>
+              <a:buNone/>
+              <a:tabLst>
+                <a:tab algn="l" pos="0"/>
+              </a:tabLst>
+            </a:pPr>
+            <a:r>
+              <a:rPr b="0" lang="en-US" sz="1800" spc="-1" strike="noStrike">
+                <a:solidFill>
+                  <a:schemeClr val="accent3"/>
+                </a:solidFill>
+                <a:latin typeface="Arial"/>
+                <a:ea typeface="Fira Code"/>
+              </a:rPr>
+              <a:t>#880704411</a:t>
+            </a:r>
+            <a:endParaRPr b="0" lang="en-US" sz="1800" spc="-1" strike="noStrike">
+              <a:solidFill>
+                <a:srgbClr val="ffffff"/>
+              </a:solidFill>
+              <a:latin typeface="Arial"/>
+            </a:endParaRPr>
+          </a:p>
+          <a:p>
+            <a:pPr indent="0">
+              <a:lnSpc>
+                <a:spcPct val="100000"/>
+              </a:lnSpc>
+              <a:buNone/>
+              <a:tabLst>
+                <a:tab algn="l" pos="0"/>
+              </a:tabLst>
+            </a:pPr>
+            <a:r>
+              <a:rPr b="0" lang="en-US" sz="1800" spc="-1" strike="noStrike">
+                <a:solidFill>
+                  <a:schemeClr val="accent3"/>
+                </a:solidFill>
+                <a:latin typeface="Arial"/>
+                <a:ea typeface="Fira Code"/>
+              </a:rPr>
+              <a:t>CS131 Discrete Mathematics </a:t>
+            </a:r>
+            <a:endParaRPr b="0" lang="en-US" sz="1800" spc="-1" strike="noStrike">
+              <a:solidFill>
+                <a:srgbClr val="ffffff"/>
+              </a:solidFill>
+              <a:latin typeface="Arial"/>
+            </a:endParaRPr>
+          </a:p>
+          <a:p>
+            <a:pPr indent="0">
+              <a:lnSpc>
+                <a:spcPct val="100000"/>
+              </a:lnSpc>
+              <a:buNone/>
+              <a:tabLst>
+                <a:tab algn="l" pos="0"/>
+              </a:tabLst>
+            </a:pPr>
+            <a:r>
+              <a:rPr b="0" lang="en-US" sz="1800" spc="-1" strike="noStrike">
+                <a:solidFill>
+                  <a:schemeClr val="accent3"/>
+                </a:solidFill>
+                <a:latin typeface="Arial"/>
+                <a:ea typeface="Fira Code"/>
+              </a:rPr>
+              <a:t>Fall 2025</a:t>
+            </a:r>
+            <a:endParaRPr b="0" lang="en-US" sz="1800" spc="-1" strike="noStrike">
+              <a:solidFill>
+                <a:srgbClr val="ffffff"/>
+              </a:solidFill>
+              <a:latin typeface="Arial"/>
+            </a:endParaRPr>
+          </a:p>
+        </p:txBody>
+      </p:sp>
+      <p:sp>
+        <p:nvSpPr>
+          <p:cNvPr id="380" name="PlaceHolder 3"/>
+          <p:cNvSpPr>
+            <a:spLocks noGrp="1"/>
+          </p:cNvSpPr>
+          <p:nvPr>
+            <p:ph type="subTitle"/>
+          </p:nvPr>
+        </p:nvSpPr>
+        <p:spPr>
+          <a:xfrm>
+            <a:off x="710280" y="4694760"/>
+            <a:ext cx="4863240" cy="355680"/>
+          </a:xfrm>
+          <a:prstGeom prst="rect">
+            <a:avLst/>
+          </a:prstGeom>
+          <a:noFill/>
+          <a:ln w="0">
+            <a:noFill/>
+          </a:ln>
+        </p:spPr>
+        <p:txBody>
+          <a:bodyPr lIns="90000" rIns="90000" tIns="91440" bIns="91440" anchor="ctr">
+            <a:noAutofit/>
+          </a:bodyPr>
+          <a:p>
+            <a:pPr indent="0">
+              <a:lnSpc>
+                <a:spcPct val="100000"/>
+              </a:lnSpc>
+              <a:buNone/>
+              <a:tabLst>
+                <a:tab algn="l" pos="0"/>
+              </a:tabLst>
+            </a:pPr>
+            <a:r>
+              <a:rPr b="0" lang="en" sz="1400" spc="-1" strike="noStrike">
+                <a:solidFill>
+                  <a:schemeClr val="accent3"/>
+                </a:solidFill>
+                <a:latin typeface="Fira Code"/>
+                <a:ea typeface="Fira Code"/>
+              </a:rPr>
+              <a:t>CUDA</a:t>
+            </a:r>
+            <a:endParaRPr b="0" lang="en-US" sz="1400" spc="-1" strike="noStrike">
+              <a:solidFill>
+                <a:srgbClr val="ffffff"/>
+              </a:solidFill>
+              <a:latin typeface="Arial"/>
+            </a:endParaRPr>
+          </a:p>
+        </p:txBody>
+      </p:sp>
+      <p:sp>
+        <p:nvSpPr>
+          <p:cNvPr id="381" name="PlaceHolder 4"/>
+          <p:cNvSpPr>
+            <a:spLocks noGrp="1"/>
+          </p:cNvSpPr>
+          <p:nvPr>
+            <p:ph type="subTitle"/>
+          </p:nvPr>
+        </p:nvSpPr>
+        <p:spPr>
+          <a:xfrm>
+            <a:off x="-6120" y="91440"/>
+            <a:ext cx="4570200" cy="355680"/>
+          </a:xfrm>
+          <a:prstGeom prst="rect">
+            <a:avLst/>
+          </a:prstGeom>
+          <a:noFill/>
+          <a:ln w="0">
+            <a:noFill/>
+          </a:ln>
+        </p:spPr>
+        <p:txBody>
+          <a:bodyPr lIns="90000" rIns="90000" tIns="91440" bIns="91440" anchor="ctr">
+            <a:noAutofit/>
+          </a:bodyPr>
+          <a:p>
+            <a:pPr indent="0" algn="ctr">
+              <a:lnSpc>
+                <a:spcPct val="100000"/>
+              </a:lnSpc>
+              <a:buNone/>
+              <a:tabLst>
+                <a:tab algn="l" pos="0"/>
+              </a:tabLst>
+            </a:pPr>
+            <a:r>
+              <a:rPr b="0" lang="en" sz="1400" spc="-1" strike="noStrike">
+                <a:solidFill>
+                  <a:schemeClr val="accent3"/>
+                </a:solidFill>
+                <a:latin typeface="Fira Code"/>
+                <a:ea typeface="Fira Code"/>
+              </a:rPr>
+              <a:t>CUDA and Discrete Mathematics</a:t>
+            </a:r>
+            <a:endParaRPr b="0" lang="en-US" sz="1400" spc="-1" strike="noStrike">
+              <a:solidFill>
+                <a:srgbClr val="ffffff"/>
+              </a:solidFill>
+              <a:latin typeface="Arial"/>
+            </a:endParaRPr>
+          </a:p>
+        </p:txBody>
+      </p:sp>
+      <p:sp>
+        <p:nvSpPr>
+          <p:cNvPr id="382" name="PlaceHolder 5"/>
+          <p:cNvSpPr>
+            <a:spLocks noGrp="1"/>
+          </p:cNvSpPr>
+          <p:nvPr>
+            <p:ph type="subTitle"/>
+          </p:nvPr>
+        </p:nvSpPr>
+        <p:spPr>
+          <a:xfrm>
+            <a:off x="4572000" y="91440"/>
+            <a:ext cx="4570200" cy="355680"/>
+          </a:xfrm>
+          <a:prstGeom prst="rect">
+            <a:avLst/>
+          </a:prstGeom>
+          <a:noFill/>
+          <a:ln w="0">
+            <a:noFill/>
+          </a:ln>
+        </p:spPr>
+        <p:txBody>
+          <a:bodyPr lIns="90000" rIns="90000" tIns="91440" bIns="91440" anchor="ctr">
+            <a:noAutofit/>
+          </a:bodyPr>
+          <a:p>
+            <a:pPr indent="0" algn="ctr">
+              <a:lnSpc>
+                <a:spcPct val="100000"/>
+              </a:lnSpc>
+              <a:buNone/>
+              <a:tabLst>
+                <a:tab algn="l" pos="0"/>
+              </a:tabLst>
+            </a:pPr>
+            <a:r>
+              <a:rPr b="0" lang="en" sz="1400" spc="-1" strike="noStrike">
+                <a:solidFill>
+                  <a:schemeClr val="accent3"/>
+                </a:solidFill>
+                <a:latin typeface="Fira Code"/>
+                <a:ea typeface="Fira Code"/>
+              </a:rPr>
+              <a:t> </a:t>
+            </a:r>
+            <a:endParaRPr b="0" lang="en-US" sz="1400" spc="-1" strike="noStrike">
+              <a:solidFill>
+                <a:srgbClr val="ffffff"/>
+              </a:solidFill>
+              <a:latin typeface="Arial"/>
+            </a:endParaRPr>
+          </a:p>
+        </p:txBody>
+      </p:sp>
+      <p:sp>
+        <p:nvSpPr>
+          <p:cNvPr id="383" name=""/>
+          <p:cNvSpPr/>
+          <p:nvPr/>
+        </p:nvSpPr>
+        <p:spPr>
+          <a:xfrm>
+            <a:off x="1828800" y="4800600"/>
+            <a:ext cx="227520" cy="249840"/>
+          </a:xfrm>
+          <a:custGeom>
+            <a:avLst/>
+            <a:gdLst>
+              <a:gd name="textAreaLeft" fmla="*/ 0 w 227520"/>
+              <a:gd name="textAreaRight" fmla="*/ 228960 w 227520"/>
+              <a:gd name="textAreaTop" fmla="*/ 0 h 249840"/>
+              <a:gd name="textAreaBottom" fmla="*/ 251280 h 249840"/>
+            </a:gdLst>
+            <a:ahLst/>
+            <a:rect l="textAreaLeft" t="textAreaTop" r="textAreaRight" b="textAreaBottom"/>
+            <a:pathLst>
+              <a:path w="21600" h="21600">
+                <a:moveTo>
+                  <a:pt x="0" y="0"/>
+                </a:moveTo>
+                <a:lnTo>
+                  <a:pt x="16200" y="0"/>
+                </a:lnTo>
+                <a:lnTo>
+                  <a:pt x="21600" y="10800"/>
+                </a:lnTo>
+                <a:lnTo>
+                  <a:pt x="16200" y="21600"/>
+                </a:lnTo>
+                <a:lnTo>
+                  <a:pt x="0" y="21600"/>
+                </a:lnTo>
+                <a:lnTo>
+                  <a:pt x="5400" y="10800"/>
+                </a:lnTo>
+                <a:close/>
+              </a:path>
+            </a:pathLst>
+          </a:custGeom>
+          <a:solidFill>
+            <a:srgbClr val="333333"/>
+          </a:solidFill>
+          <a:ln w="12600">
+            <a:solidFill>
+              <a:srgbClr val="dddddd"/>
+            </a:solidFill>
+            <a:round/>
+          </a:ln>
+        </p:spPr>
+        <p:style>
+          <a:lnRef idx="0"/>
+          <a:fillRef idx="0"/>
+          <a:effectRef idx="0"/>
+          <a:fontRef idx="minor"/>
+        </p:style>
+        <p:txBody>
+          <a:bodyPr lIns="96120" rIns="96120" tIns="51120" bIns="51120" anchor="ctr">
+            <a:noAutofit/>
+          </a:bodyPr>
+          <a:p>
+            <a:endParaRPr b="0" lang="en-US" sz="1800" spc="-1" strike="noStrike">
+              <a:solidFill>
+                <a:srgbClr val="ffffff"/>
+              </a:solidFill>
+              <a:latin typeface="Arial"/>
+              <a:ea typeface="DejaVu Sans"/>
+            </a:endParaRPr>
+          </a:p>
+        </p:txBody>
+      </p:sp>
+      <p:sp>
+        <p:nvSpPr>
+          <p:cNvPr id="384" name=""/>
+          <p:cNvSpPr/>
+          <p:nvPr/>
+        </p:nvSpPr>
+        <p:spPr>
+          <a:xfrm>
+            <a:off x="2044800" y="4800600"/>
+            <a:ext cx="227520" cy="249840"/>
+          </a:xfrm>
+          <a:custGeom>
+            <a:avLst/>
+            <a:gdLst>
+              <a:gd name="textAreaLeft" fmla="*/ 0 w 227520"/>
+              <a:gd name="textAreaRight" fmla="*/ 228960 w 227520"/>
+              <a:gd name="textAreaTop" fmla="*/ 0 h 249840"/>
+              <a:gd name="textAreaBottom" fmla="*/ 251280 h 249840"/>
+            </a:gdLst>
+            <a:ahLst/>
+            <a:rect l="textAreaLeft" t="textAreaTop" r="textAreaRight" b="textAreaBottom"/>
+            <a:pathLst>
+              <a:path w="21600" h="21600">
+                <a:moveTo>
+                  <a:pt x="0" y="0"/>
+                </a:moveTo>
+                <a:lnTo>
+                  <a:pt x="16200" y="0"/>
+                </a:lnTo>
+                <a:lnTo>
+                  <a:pt x="21600" y="10800"/>
+                </a:lnTo>
+                <a:lnTo>
+                  <a:pt x="16200" y="21600"/>
+                </a:lnTo>
+                <a:lnTo>
+                  <a:pt x="0" y="21600"/>
+                </a:lnTo>
+                <a:lnTo>
+                  <a:pt x="5400" y="10800"/>
+                </a:lnTo>
+                <a:close/>
+              </a:path>
+            </a:pathLst>
+          </a:custGeom>
+          <a:solidFill>
+            <a:srgbClr val="333333"/>
+          </a:solidFill>
+          <a:ln w="12600">
+            <a:solidFill>
+              <a:srgbClr val="dddddd"/>
+            </a:solidFill>
+            <a:round/>
+          </a:ln>
+        </p:spPr>
+        <p:style>
+          <a:lnRef idx="0"/>
+          <a:fillRef idx="0"/>
+          <a:effectRef idx="0"/>
+          <a:fontRef idx="minor"/>
+        </p:style>
+        <p:txBody>
+          <a:bodyPr lIns="96120" rIns="96120" tIns="51120" bIns="51120" anchor="ctr">
+            <a:noAutofit/>
+          </a:bodyPr>
+          <a:p>
+            <a:endParaRPr b="0" lang="en-US" sz="1800" spc="-1" strike="noStrike">
+              <a:solidFill>
+                <a:srgbClr val="ffffff"/>
+              </a:solidFill>
+              <a:latin typeface="Arial"/>
+              <a:ea typeface="DejaVu Sans"/>
+            </a:endParaRPr>
+          </a:p>
+        </p:txBody>
+      </p:sp>
+      <p:sp>
+        <p:nvSpPr>
+          <p:cNvPr id="385" name=""/>
+          <p:cNvSpPr/>
+          <p:nvPr/>
+        </p:nvSpPr>
+        <p:spPr>
+          <a:xfrm>
+            <a:off x="2260800" y="4800600"/>
+            <a:ext cx="227520" cy="249840"/>
+          </a:xfrm>
+          <a:custGeom>
+            <a:avLst/>
+            <a:gdLst>
+              <a:gd name="textAreaLeft" fmla="*/ 0 w 227520"/>
+              <a:gd name="textAreaRight" fmla="*/ 228960 w 227520"/>
+              <a:gd name="textAreaTop" fmla="*/ 0 h 249840"/>
+              <a:gd name="textAreaBottom" fmla="*/ 251280 h 249840"/>
+            </a:gdLst>
+            <a:ahLst/>
+            <a:rect l="textAreaLeft" t="textAreaTop" r="textAreaRight" b="textAreaBottom"/>
+            <a:pathLst>
+              <a:path w="21600" h="21600">
+                <a:moveTo>
+                  <a:pt x="0" y="0"/>
+                </a:moveTo>
+                <a:lnTo>
+                  <a:pt x="16200" y="0"/>
+                </a:lnTo>
+                <a:lnTo>
+                  <a:pt x="21600" y="10800"/>
+                </a:lnTo>
+                <a:lnTo>
+                  <a:pt x="16200" y="21600"/>
+                </a:lnTo>
+                <a:lnTo>
+                  <a:pt x="0" y="21600"/>
+                </a:lnTo>
+                <a:lnTo>
+                  <a:pt x="5400" y="10800"/>
+                </a:lnTo>
+                <a:close/>
+              </a:path>
+            </a:pathLst>
+          </a:custGeom>
+          <a:solidFill>
+            <a:srgbClr val="333333"/>
+          </a:solidFill>
+          <a:ln w="12600">
+            <a:solidFill>
+              <a:srgbClr val="dddddd"/>
+            </a:solidFill>
+            <a:round/>
+          </a:ln>
+        </p:spPr>
+        <p:style>
+          <a:lnRef idx="0"/>
+          <a:fillRef idx="0"/>
+          <a:effectRef idx="0"/>
+          <a:fontRef idx="minor"/>
+        </p:style>
+        <p:txBody>
+          <a:bodyPr lIns="96120" rIns="96120" tIns="51120" bIns="51120" anchor="ctr">
+            <a:noAutofit/>
+          </a:bodyPr>
+          <a:p>
+            <a:endParaRPr b="0" lang="en-US" sz="1800" spc="-1" strike="noStrike">
+              <a:solidFill>
+                <a:srgbClr val="ffffff"/>
+              </a:solidFill>
+              <a:latin typeface="Arial"/>
+              <a:ea typeface="DejaVu Sans"/>
+            </a:endParaRPr>
+          </a:p>
+        </p:txBody>
+      </p:sp>
+      <p:sp>
+        <p:nvSpPr>
+          <p:cNvPr id="386" name=""/>
+          <p:cNvSpPr/>
+          <p:nvPr/>
+        </p:nvSpPr>
+        <p:spPr>
+          <a:xfrm>
+            <a:off x="2476800" y="4800600"/>
+            <a:ext cx="227520" cy="249840"/>
+          </a:xfrm>
+          <a:custGeom>
+            <a:avLst/>
+            <a:gdLst>
+              <a:gd name="textAreaLeft" fmla="*/ 0 w 227520"/>
+              <a:gd name="textAreaRight" fmla="*/ 228960 w 227520"/>
+              <a:gd name="textAreaTop" fmla="*/ 0 h 249840"/>
+              <a:gd name="textAreaBottom" fmla="*/ 251280 h 249840"/>
+            </a:gdLst>
+            <a:ahLst/>
+            <a:rect l="textAreaLeft" t="textAreaTop" r="textAreaRight" b="textAreaBottom"/>
+            <a:pathLst>
+              <a:path w="21600" h="21600">
+                <a:moveTo>
+                  <a:pt x="0" y="0"/>
+                </a:moveTo>
+                <a:lnTo>
+                  <a:pt x="16200" y="0"/>
+                </a:lnTo>
+                <a:lnTo>
+                  <a:pt x="21600" y="10800"/>
+                </a:lnTo>
+                <a:lnTo>
+                  <a:pt x="16200" y="21600"/>
+                </a:lnTo>
+                <a:lnTo>
+                  <a:pt x="0" y="21600"/>
+                </a:lnTo>
+                <a:lnTo>
+                  <a:pt x="5400" y="10800"/>
+                </a:lnTo>
+                <a:close/>
+              </a:path>
+            </a:pathLst>
+          </a:custGeom>
+          <a:solidFill>
+            <a:srgbClr val="333333"/>
+          </a:solidFill>
+          <a:ln w="12600">
+            <a:solidFill>
+              <a:srgbClr val="dddddd"/>
+            </a:solidFill>
+            <a:round/>
+          </a:ln>
+        </p:spPr>
+        <p:style>
+          <a:lnRef idx="0"/>
+          <a:fillRef idx="0"/>
+          <a:effectRef idx="0"/>
+          <a:fontRef idx="minor"/>
+        </p:style>
+        <p:txBody>
+          <a:bodyPr lIns="96120" rIns="96120" tIns="51120" bIns="51120" anchor="ctr">
+            <a:noAutofit/>
+          </a:bodyPr>
+          <a:p>
+            <a:endParaRPr b="0" lang="en-US" sz="1800" spc="-1" strike="noStrike">
+              <a:solidFill>
+                <a:srgbClr val="ffffff"/>
+              </a:solidFill>
+              <a:latin typeface="Arial"/>
+              <a:ea typeface="DejaVu Sans"/>
+            </a:endParaRPr>
+          </a:p>
+        </p:txBody>
+      </p:sp>
+      <p:sp>
+        <p:nvSpPr>
+          <p:cNvPr id="387" name=""/>
+          <p:cNvSpPr/>
+          <p:nvPr/>
+        </p:nvSpPr>
+        <p:spPr>
+          <a:xfrm>
+            <a:off x="2692800" y="4800600"/>
+            <a:ext cx="227520" cy="249840"/>
+          </a:xfrm>
+          <a:custGeom>
+            <a:avLst/>
+            <a:gdLst>
+              <a:gd name="textAreaLeft" fmla="*/ 0 w 227520"/>
+              <a:gd name="textAreaRight" fmla="*/ 228960 w 227520"/>
+              <a:gd name="textAreaTop" fmla="*/ 0 h 249840"/>
+              <a:gd name="textAreaBottom" fmla="*/ 251280 h 249840"/>
+            </a:gdLst>
+            <a:ahLst/>
+            <a:rect l="textAreaLeft" t="textAreaTop" r="textAreaRight" b="textAreaBottom"/>
+            <a:pathLst>
+              <a:path w="21600" h="21600">
+                <a:moveTo>
+                  <a:pt x="0" y="0"/>
+                </a:moveTo>
+                <a:lnTo>
+                  <a:pt x="16200" y="0"/>
+                </a:lnTo>
+                <a:lnTo>
+                  <a:pt x="21600" y="10800"/>
+                </a:lnTo>
+                <a:lnTo>
+                  <a:pt x="16200" y="21600"/>
+                </a:lnTo>
+                <a:lnTo>
+                  <a:pt x="0" y="21600"/>
+                </a:lnTo>
+                <a:lnTo>
+                  <a:pt x="5400" y="10800"/>
+                </a:lnTo>
+                <a:close/>
+              </a:path>
+            </a:pathLst>
+          </a:custGeom>
+          <a:solidFill>
+            <a:srgbClr val="333333"/>
+          </a:solidFill>
+          <a:ln w="12600">
+            <a:solidFill>
+              <a:srgbClr val="dddddd"/>
+            </a:solidFill>
+            <a:round/>
+          </a:ln>
+        </p:spPr>
+        <p:style>
+          <a:lnRef idx="0"/>
+          <a:fillRef idx="0"/>
+          <a:effectRef idx="0"/>
+          <a:fontRef idx="minor"/>
+        </p:style>
+        <p:txBody>
+          <a:bodyPr lIns="96120" rIns="96120" tIns="51120" bIns="51120" anchor="ctr">
+            <a:noAutofit/>
+          </a:bodyPr>
+          <a:p>
+            <a:endParaRPr b="0" lang="en-US" sz="1800" spc="-1" strike="noStrike">
+              <a:solidFill>
+                <a:srgbClr val="ffffff"/>
+              </a:solidFill>
+              <a:latin typeface="Arial"/>
+              <a:ea typeface="DejaVu Sans"/>
+            </a:endParaRPr>
+          </a:p>
+        </p:txBody>
+      </p:sp>
+      <p:sp>
+        <p:nvSpPr>
+          <p:cNvPr id="388" name=""/>
+          <p:cNvSpPr/>
+          <p:nvPr/>
+        </p:nvSpPr>
+        <p:spPr>
+          <a:xfrm>
+            <a:off x="2908800" y="4800600"/>
+            <a:ext cx="227520" cy="249840"/>
+          </a:xfrm>
+          <a:custGeom>
+            <a:avLst/>
+            <a:gdLst>
+              <a:gd name="textAreaLeft" fmla="*/ 0 w 227520"/>
+              <a:gd name="textAreaRight" fmla="*/ 228960 w 227520"/>
+              <a:gd name="textAreaTop" fmla="*/ 0 h 249840"/>
+              <a:gd name="textAreaBottom" fmla="*/ 251280 h 249840"/>
+            </a:gdLst>
+            <a:ahLst/>
+            <a:rect l="textAreaLeft" t="textAreaTop" r="textAreaRight" b="textAreaBottom"/>
+            <a:pathLst>
+              <a:path w="21600" h="21600">
+                <a:moveTo>
+                  <a:pt x="0" y="0"/>
+                </a:moveTo>
+                <a:lnTo>
+                  <a:pt x="16200" y="0"/>
+                </a:lnTo>
+                <a:lnTo>
+                  <a:pt x="21600" y="10800"/>
+                </a:lnTo>
+                <a:lnTo>
+                  <a:pt x="16200" y="21600"/>
+                </a:lnTo>
+                <a:lnTo>
+                  <a:pt x="0" y="21600"/>
+                </a:lnTo>
+                <a:lnTo>
+                  <a:pt x="5400" y="10800"/>
+                </a:lnTo>
+                <a:close/>
+              </a:path>
+            </a:pathLst>
+          </a:custGeom>
+          <a:solidFill>
+            <a:srgbClr val="333333"/>
+          </a:solidFill>
+          <a:ln w="12600">
+            <a:solidFill>
+              <a:srgbClr val="dddddd"/>
+            </a:solidFill>
+            <a:round/>
+          </a:ln>
+        </p:spPr>
+        <p:style>
+          <a:lnRef idx="0"/>
+          <a:fillRef idx="0"/>
+          <a:effectRef idx="0"/>
+          <a:fontRef idx="minor"/>
+        </p:style>
+        <p:txBody>
+          <a:bodyPr lIns="96120" rIns="96120" tIns="51120" bIns="51120" anchor="ctr">
+            <a:noAutofit/>
+          </a:bodyPr>
+          <a:p>
+            <a:endParaRPr b="0" lang="en-US" sz="1800" spc="-1" strike="noStrike">
+              <a:solidFill>
+                <a:srgbClr val="ffffff"/>
+              </a:solidFill>
+              <a:latin typeface="Arial"/>
+              <a:ea typeface="DejaVu Sans"/>
+            </a:endParaRPr>
+          </a:p>
+        </p:txBody>
+      </p:sp>
+      <p:sp>
+        <p:nvSpPr>
+          <p:cNvPr id="389" name=""/>
+          <p:cNvSpPr/>
+          <p:nvPr/>
+        </p:nvSpPr>
+        <p:spPr>
+          <a:xfrm>
+            <a:off x="3124800" y="4800600"/>
+            <a:ext cx="227520" cy="249840"/>
+          </a:xfrm>
+          <a:custGeom>
+            <a:avLst/>
+            <a:gdLst>
+              <a:gd name="textAreaLeft" fmla="*/ 0 w 227520"/>
+              <a:gd name="textAreaRight" fmla="*/ 228960 w 227520"/>
+              <a:gd name="textAreaTop" fmla="*/ 0 h 249840"/>
+              <a:gd name="textAreaBottom" fmla="*/ 251280 h 249840"/>
+            </a:gdLst>
+            <a:ahLst/>
+            <a:rect l="textAreaLeft" t="textAreaTop" r="textAreaRight" b="textAreaBottom"/>
+            <a:pathLst>
+              <a:path w="21600" h="21600">
+                <a:moveTo>
+                  <a:pt x="0" y="0"/>
+                </a:moveTo>
+                <a:lnTo>
+                  <a:pt x="16200" y="0"/>
+                </a:lnTo>
+                <a:lnTo>
+                  <a:pt x="21600" y="10800"/>
+                </a:lnTo>
+                <a:lnTo>
+                  <a:pt x="16200" y="21600"/>
+                </a:lnTo>
+                <a:lnTo>
+                  <a:pt x="0" y="21600"/>
+                </a:lnTo>
+                <a:lnTo>
+                  <a:pt x="5400" y="10800"/>
+                </a:lnTo>
+                <a:close/>
+              </a:path>
+            </a:pathLst>
+          </a:custGeom>
+          <a:solidFill>
+            <a:srgbClr val="333333"/>
+          </a:solidFill>
+          <a:ln w="12600">
+            <a:solidFill>
+              <a:srgbClr val="dddddd"/>
+            </a:solidFill>
+            <a:round/>
+          </a:ln>
+        </p:spPr>
+        <p:style>
+          <a:lnRef idx="0"/>
+          <a:fillRef idx="0"/>
+          <a:effectRef idx="0"/>
+          <a:fontRef idx="minor"/>
+        </p:style>
+        <p:txBody>
+          <a:bodyPr lIns="96120" rIns="96120" tIns="51120" bIns="51120" anchor="ctr">
+            <a:noAutofit/>
+          </a:bodyPr>
+          <a:p>
+            <a:endParaRPr b="0" lang="en-US" sz="1800" spc="-1" strike="noStrike">
+              <a:solidFill>
+                <a:srgbClr val="ffffff"/>
+              </a:solidFill>
+              <a:latin typeface="Arial"/>
+              <a:ea typeface="DejaVu Sans"/>
+            </a:endParaRPr>
+          </a:p>
+        </p:txBody>
+      </p:sp>
+      <p:sp>
+        <p:nvSpPr>
+          <p:cNvPr id="390" name=""/>
+          <p:cNvSpPr/>
+          <p:nvPr/>
+        </p:nvSpPr>
+        <p:spPr>
+          <a:xfrm>
+            <a:off x="3340800" y="4800600"/>
+            <a:ext cx="227520" cy="249840"/>
+          </a:xfrm>
+          <a:custGeom>
+            <a:avLst/>
+            <a:gdLst>
+              <a:gd name="textAreaLeft" fmla="*/ 0 w 227520"/>
+              <a:gd name="textAreaRight" fmla="*/ 228960 w 227520"/>
+              <a:gd name="textAreaTop" fmla="*/ 0 h 249840"/>
+              <a:gd name="textAreaBottom" fmla="*/ 251280 h 249840"/>
+            </a:gdLst>
+            <a:ahLst/>
+            <a:rect l="textAreaLeft" t="textAreaTop" r="textAreaRight" b="textAreaBottom"/>
+            <a:pathLst>
+              <a:path w="21600" h="21600">
+                <a:moveTo>
+                  <a:pt x="0" y="0"/>
+                </a:moveTo>
+                <a:lnTo>
+                  <a:pt x="16200" y="0"/>
+                </a:lnTo>
+                <a:lnTo>
+                  <a:pt x="21600" y="10800"/>
+                </a:lnTo>
+                <a:lnTo>
+                  <a:pt x="16200" y="21600"/>
+                </a:lnTo>
+                <a:lnTo>
+                  <a:pt x="0" y="21600"/>
+                </a:lnTo>
+                <a:lnTo>
+                  <a:pt x="5400" y="10800"/>
+                </a:lnTo>
+                <a:close/>
+              </a:path>
+            </a:pathLst>
+          </a:custGeom>
+          <a:solidFill>
+            <a:srgbClr val="333333"/>
+          </a:solidFill>
+          <a:ln w="12600">
+            <a:solidFill>
+              <a:srgbClr val="dddddd"/>
+            </a:solidFill>
+            <a:round/>
+          </a:ln>
+        </p:spPr>
+        <p:style>
+          <a:lnRef idx="0"/>
+          <a:fillRef idx="0"/>
+          <a:effectRef idx="0"/>
+          <a:fontRef idx="minor"/>
+        </p:style>
+        <p:txBody>
+          <a:bodyPr lIns="96120" rIns="96120" tIns="51120" bIns="51120" anchor="ctr">
+            <a:noAutofit/>
+          </a:bodyPr>
+          <a:p>
+            <a:endParaRPr b="0" lang="en-US" sz="1800" spc="-1" strike="noStrike">
+              <a:solidFill>
+                <a:srgbClr val="ffffff"/>
+              </a:solidFill>
+              <a:latin typeface="Arial"/>
+              <a:ea typeface="DejaVu Sans"/>
+            </a:endParaRPr>
+          </a:p>
+        </p:txBody>
+      </p:sp>
+      <p:sp>
+        <p:nvSpPr>
+          <p:cNvPr id="391" name=""/>
+          <p:cNvSpPr/>
+          <p:nvPr/>
+        </p:nvSpPr>
+        <p:spPr>
+          <a:xfrm>
+            <a:off x="3556800" y="4800600"/>
+            <a:ext cx="227520" cy="249840"/>
+          </a:xfrm>
+          <a:custGeom>
+            <a:avLst/>
+            <a:gdLst>
+              <a:gd name="textAreaLeft" fmla="*/ 0 w 227520"/>
+              <a:gd name="textAreaRight" fmla="*/ 228960 w 227520"/>
+              <a:gd name="textAreaTop" fmla="*/ 0 h 249840"/>
+              <a:gd name="textAreaBottom" fmla="*/ 251280 h 249840"/>
+            </a:gdLst>
+            <a:ahLst/>
+            <a:rect l="textAreaLeft" t="textAreaTop" r="textAreaRight" b="textAreaBottom"/>
+            <a:pathLst>
+              <a:path w="21600" h="21600">
+                <a:moveTo>
+                  <a:pt x="0" y="0"/>
+                </a:moveTo>
+                <a:lnTo>
+                  <a:pt x="16200" y="0"/>
+                </a:lnTo>
+                <a:lnTo>
+                  <a:pt x="21600" y="10800"/>
+                </a:lnTo>
+                <a:lnTo>
+                  <a:pt x="16200" y="21600"/>
+                </a:lnTo>
+                <a:lnTo>
+                  <a:pt x="0" y="21600"/>
+                </a:lnTo>
+                <a:lnTo>
+                  <a:pt x="5400" y="10800"/>
+                </a:lnTo>
+                <a:close/>
+              </a:path>
+            </a:pathLst>
+          </a:custGeom>
+          <a:solidFill>
+            <a:srgbClr val="333333"/>
+          </a:solidFill>
+          <a:ln w="12600">
+            <a:solidFill>
+              <a:srgbClr val="dddddd"/>
+            </a:solidFill>
+            <a:round/>
+          </a:ln>
+        </p:spPr>
+        <p:style>
+          <a:lnRef idx="0"/>
+          <a:fillRef idx="0"/>
+          <a:effectRef idx="0"/>
+          <a:fontRef idx="minor"/>
+        </p:style>
+        <p:txBody>
+          <a:bodyPr lIns="96120" rIns="96120" tIns="51120" bIns="51120" anchor="ctr">
+            <a:noAutofit/>
+          </a:bodyPr>
+          <a:p>
+            <a:endParaRPr b="0" lang="en-US" sz="1800" spc="-1" strike="noStrike">
+              <a:solidFill>
+                <a:srgbClr val="ffffff"/>
+              </a:solidFill>
+              <a:latin typeface="Arial"/>
+              <a:ea typeface="DejaVu Sans"/>
+            </a:endParaRPr>
+          </a:p>
+        </p:txBody>
+      </p:sp>
+      <p:sp>
+        <p:nvSpPr>
+          <p:cNvPr id="392" name=""/>
+          <p:cNvSpPr/>
+          <p:nvPr/>
+        </p:nvSpPr>
+        <p:spPr>
+          <a:xfrm>
+            <a:off x="3772800" y="4800600"/>
+            <a:ext cx="227520" cy="249840"/>
+          </a:xfrm>
+          <a:custGeom>
+            <a:avLst/>
+            <a:gdLst>
+              <a:gd name="textAreaLeft" fmla="*/ 0 w 227520"/>
+              <a:gd name="textAreaRight" fmla="*/ 228960 w 227520"/>
+              <a:gd name="textAreaTop" fmla="*/ 0 h 249840"/>
+              <a:gd name="textAreaBottom" fmla="*/ 251280 h 249840"/>
+            </a:gdLst>
+            <a:ahLst/>
+            <a:rect l="textAreaLeft" t="textAreaTop" r="textAreaRight" b="textAreaBottom"/>
+            <a:pathLst>
+              <a:path w="21600" h="21600">
+                <a:moveTo>
+                  <a:pt x="0" y="0"/>
+                </a:moveTo>
+                <a:lnTo>
+                  <a:pt x="16200" y="0"/>
+                </a:lnTo>
+                <a:lnTo>
+                  <a:pt x="21600" y="10800"/>
+                </a:lnTo>
+                <a:lnTo>
+                  <a:pt x="16200" y="21600"/>
+                </a:lnTo>
+                <a:lnTo>
+                  <a:pt x="0" y="21600"/>
+                </a:lnTo>
+                <a:lnTo>
+                  <a:pt x="5400" y="10800"/>
+                </a:lnTo>
+                <a:close/>
+              </a:path>
+            </a:pathLst>
+          </a:custGeom>
+          <a:solidFill>
+            <a:srgbClr val="333333"/>
+          </a:solidFill>
+          <a:ln w="12600">
+            <a:solidFill>
+              <a:srgbClr val="dddddd"/>
+            </a:solidFill>
+            <a:round/>
+          </a:ln>
+        </p:spPr>
+        <p:style>
+          <a:lnRef idx="0"/>
+          <a:fillRef idx="0"/>
+          <a:effectRef idx="0"/>
+          <a:fontRef idx="minor"/>
+        </p:style>
+        <p:txBody>
+          <a:bodyPr lIns="96120" rIns="96120" tIns="51120" bIns="51120" anchor="ctr">
+            <a:noAutofit/>
+          </a:bodyPr>
+          <a:p>
+            <a:endParaRPr b="0" lang="en-US" sz="1800" spc="-1" strike="noStrike">
+              <a:solidFill>
+                <a:srgbClr val="ffffff"/>
+              </a:solidFill>
+              <a:latin typeface="Arial"/>
+              <a:ea typeface="DejaVu Sans"/>
+            </a:endParaRPr>
+          </a:p>
+        </p:txBody>
+      </p:sp>
+      <p:sp>
+        <p:nvSpPr>
+          <p:cNvPr id="393" name=""/>
+          <p:cNvSpPr/>
+          <p:nvPr/>
+        </p:nvSpPr>
+        <p:spPr>
+          <a:xfrm>
+            <a:off x="3988800" y="4800600"/>
+            <a:ext cx="227520" cy="249840"/>
+          </a:xfrm>
+          <a:custGeom>
+            <a:avLst/>
+            <a:gdLst>
+              <a:gd name="textAreaLeft" fmla="*/ 0 w 227520"/>
+              <a:gd name="textAreaRight" fmla="*/ 228960 w 227520"/>
+              <a:gd name="textAreaTop" fmla="*/ 0 h 249840"/>
+              <a:gd name="textAreaBottom" fmla="*/ 251280 h 249840"/>
+            </a:gdLst>
+            <a:ahLst/>
+            <a:rect l="textAreaLeft" t="textAreaTop" r="textAreaRight" b="textAreaBottom"/>
+            <a:pathLst>
+              <a:path w="21600" h="21600">
+                <a:moveTo>
+                  <a:pt x="0" y="0"/>
+                </a:moveTo>
+                <a:lnTo>
+                  <a:pt x="16200" y="0"/>
+                </a:lnTo>
+                <a:lnTo>
+                  <a:pt x="21600" y="10800"/>
+                </a:lnTo>
+                <a:lnTo>
+                  <a:pt x="16200" y="21600"/>
+                </a:lnTo>
+                <a:lnTo>
+                  <a:pt x="0" y="21600"/>
+                </a:lnTo>
+                <a:lnTo>
+                  <a:pt x="5400" y="10800"/>
+                </a:lnTo>
+                <a:close/>
+              </a:path>
+            </a:pathLst>
+          </a:custGeom>
+          <a:solidFill>
+            <a:srgbClr val="333333"/>
+          </a:solidFill>
+          <a:ln w="12600">
+            <a:solidFill>
+              <a:srgbClr val="dddddd"/>
+            </a:solidFill>
+            <a:round/>
+          </a:ln>
+        </p:spPr>
+        <p:style>
+          <a:lnRef idx="0"/>
+          <a:fillRef idx="0"/>
+          <a:effectRef idx="0"/>
+          <a:fontRef idx="minor"/>
+        </p:style>
+        <p:txBody>
+          <a:bodyPr lIns="96120" rIns="96120" tIns="51120" bIns="51120" anchor="ctr">
+            <a:noAutofit/>
+          </a:bodyPr>
+          <a:p>
+            <a:endParaRPr b="0" lang="en-US" sz="1800" spc="-1" strike="noStrike">
+              <a:solidFill>
+                <a:srgbClr val="ffffff"/>
+              </a:solidFill>
+              <a:latin typeface="Arial"/>
+              <a:ea typeface="DejaVu Sans"/>
+            </a:endParaRPr>
+          </a:p>
+        </p:txBody>
+      </p:sp>
+      <p:sp>
+        <p:nvSpPr>
+          <p:cNvPr id="394" name=""/>
+          <p:cNvSpPr/>
+          <p:nvPr/>
+        </p:nvSpPr>
+        <p:spPr>
+          <a:xfrm>
+            <a:off x="4204800" y="4800600"/>
+            <a:ext cx="227520" cy="249840"/>
+          </a:xfrm>
+          <a:custGeom>
+            <a:avLst/>
+            <a:gdLst>
+              <a:gd name="textAreaLeft" fmla="*/ 0 w 227520"/>
+              <a:gd name="textAreaRight" fmla="*/ 228960 w 227520"/>
+              <a:gd name="textAreaTop" fmla="*/ 0 h 249840"/>
+              <a:gd name="textAreaBottom" fmla="*/ 251280 h 249840"/>
+            </a:gdLst>
+            <a:ahLst/>
+            <a:rect l="textAreaLeft" t="textAreaTop" r="textAreaRight" b="textAreaBottom"/>
+            <a:pathLst>
+              <a:path w="21600" h="21600">
+                <a:moveTo>
+                  <a:pt x="0" y="0"/>
+                </a:moveTo>
+                <a:lnTo>
+                  <a:pt x="16200" y="0"/>
+                </a:lnTo>
+                <a:lnTo>
+                  <a:pt x="21600" y="10800"/>
+                </a:lnTo>
+                <a:lnTo>
+                  <a:pt x="16200" y="21600"/>
+                </a:lnTo>
+                <a:lnTo>
+                  <a:pt x="0" y="21600"/>
+                </a:lnTo>
+                <a:lnTo>
+                  <a:pt x="5400" y="10800"/>
+                </a:lnTo>
+                <a:close/>
+              </a:path>
+            </a:pathLst>
+          </a:custGeom>
+          <a:solidFill>
+            <a:srgbClr val="333333"/>
+          </a:solidFill>
+          <a:ln w="12600">
+            <a:solidFill>
+              <a:srgbClr val="dddddd"/>
+            </a:solidFill>
+            <a:round/>
+          </a:ln>
+        </p:spPr>
+        <p:style>
+          <a:lnRef idx="0"/>
+          <a:fillRef idx="0"/>
+          <a:effectRef idx="0"/>
+          <a:fontRef idx="minor"/>
+        </p:style>
+        <p:txBody>
+          <a:bodyPr lIns="96120" rIns="96120" tIns="51120" bIns="51120" anchor="ctr">
+            <a:noAutofit/>
+          </a:bodyPr>
+          <a:p>
+            <a:endParaRPr b="0" lang="en-US" sz="1800" spc="-1" strike="noStrike">
+              <a:solidFill>
+                <a:srgbClr val="ffffff"/>
+              </a:solidFill>
+              <a:latin typeface="Arial"/>
+              <a:ea typeface="DejaVu Sans"/>
+            </a:endParaRPr>
+          </a:p>
+        </p:txBody>
+      </p:sp>
+      <p:sp>
+        <p:nvSpPr>
+          <p:cNvPr id="395" name=""/>
+          <p:cNvSpPr/>
+          <p:nvPr/>
+        </p:nvSpPr>
+        <p:spPr>
+          <a:xfrm>
+            <a:off x="4420800" y="4800600"/>
+            <a:ext cx="227520" cy="249840"/>
+          </a:xfrm>
+          <a:custGeom>
+            <a:avLst/>
+            <a:gdLst>
+              <a:gd name="textAreaLeft" fmla="*/ 0 w 227520"/>
+              <a:gd name="textAreaRight" fmla="*/ 228960 w 227520"/>
+              <a:gd name="textAreaTop" fmla="*/ 0 h 249840"/>
+              <a:gd name="textAreaBottom" fmla="*/ 251280 h 249840"/>
+            </a:gdLst>
+            <a:ahLst/>
+            <a:rect l="textAreaLeft" t="textAreaTop" r="textAreaRight" b="textAreaBottom"/>
+            <a:pathLst>
+              <a:path w="21600" h="21600">
+                <a:moveTo>
+                  <a:pt x="0" y="0"/>
+                </a:moveTo>
+                <a:lnTo>
+                  <a:pt x="16200" y="0"/>
+                </a:lnTo>
+                <a:lnTo>
+                  <a:pt x="21600" y="10800"/>
+                </a:lnTo>
+                <a:lnTo>
+                  <a:pt x="16200" y="21600"/>
+                </a:lnTo>
+                <a:lnTo>
+                  <a:pt x="0" y="21600"/>
+                </a:lnTo>
+                <a:lnTo>
+                  <a:pt x="5400" y="10800"/>
+                </a:lnTo>
+                <a:close/>
+              </a:path>
+            </a:pathLst>
+          </a:custGeom>
+          <a:solidFill>
+            <a:srgbClr val="333333"/>
+          </a:solidFill>
+          <a:ln w="12600">
+            <a:solidFill>
+              <a:srgbClr val="dddddd"/>
+            </a:solidFill>
+            <a:round/>
+          </a:ln>
+        </p:spPr>
+        <p:style>
+          <a:lnRef idx="0"/>
+          <a:fillRef idx="0"/>
+          <a:effectRef idx="0"/>
+          <a:fontRef idx="minor"/>
+        </p:style>
+        <p:txBody>
+          <a:bodyPr lIns="96120" rIns="96120" tIns="51120" bIns="51120" anchor="ctr">
+            <a:noAutofit/>
+          </a:bodyPr>
+          <a:p>
+            <a:endParaRPr b="0" lang="en-US" sz="1800" spc="-1" strike="noStrike">
+              <a:solidFill>
+                <a:srgbClr val="ffffff"/>
+              </a:solidFill>
+              <a:latin typeface="Arial"/>
+              <a:ea typeface="DejaVu Sans"/>
+            </a:endParaRPr>
+          </a:p>
+        </p:txBody>
+      </p:sp>
+      <p:sp>
+        <p:nvSpPr>
+          <p:cNvPr id="396" name=""/>
+          <p:cNvSpPr/>
+          <p:nvPr/>
+        </p:nvSpPr>
+        <p:spPr>
+          <a:xfrm>
+            <a:off x="4636800" y="4800600"/>
+            <a:ext cx="227520" cy="249840"/>
+          </a:xfrm>
+          <a:custGeom>
+            <a:avLst/>
+            <a:gdLst>
+              <a:gd name="textAreaLeft" fmla="*/ 0 w 227520"/>
+              <a:gd name="textAreaRight" fmla="*/ 228960 w 227520"/>
+              <a:gd name="textAreaTop" fmla="*/ 0 h 249840"/>
+              <a:gd name="textAreaBottom" fmla="*/ 251280 h 249840"/>
+            </a:gdLst>
+            <a:ahLst/>
+            <a:rect l="textAreaLeft" t="textAreaTop" r="textAreaRight" b="textAreaBottom"/>
+            <a:pathLst>
+              <a:path w="21600" h="21600">
+                <a:moveTo>
+                  <a:pt x="0" y="0"/>
+                </a:moveTo>
+                <a:lnTo>
+                  <a:pt x="16200" y="0"/>
+                </a:lnTo>
+                <a:lnTo>
+                  <a:pt x="21600" y="10800"/>
+                </a:lnTo>
+                <a:lnTo>
+                  <a:pt x="16200" y="21600"/>
+                </a:lnTo>
+                <a:lnTo>
+                  <a:pt x="0" y="21600"/>
+                </a:lnTo>
+                <a:lnTo>
+                  <a:pt x="5400" y="10800"/>
+                </a:lnTo>
+                <a:close/>
+              </a:path>
+            </a:pathLst>
+          </a:custGeom>
+          <a:solidFill>
+            <a:srgbClr val="333333"/>
+          </a:solidFill>
+          <a:ln w="12600">
+            <a:solidFill>
+              <a:srgbClr val="dddddd"/>
+            </a:solidFill>
+            <a:round/>
+          </a:ln>
+        </p:spPr>
+        <p:style>
+          <a:lnRef idx="0"/>
+          <a:fillRef idx="0"/>
+          <a:effectRef idx="0"/>
+          <a:fontRef idx="minor"/>
+        </p:style>
+        <p:txBody>
+          <a:bodyPr lIns="96120" rIns="96120" tIns="51120" bIns="51120" anchor="ctr">
+            <a:noAutofit/>
+          </a:bodyPr>
+          <a:p>
             <a:endParaRPr b="0" lang="en-US" sz="1800" spc="-1" strike="noStrike">
               <a:solidFill>
                 <a:srgbClr val="ffffff"/>
@@ -16048,7 +17585,7 @@
         <p:spPr>
           <a:xfrm>
             <a:off x="1143360" y="582840"/>
-            <a:ext cx="7289640" cy="540000"/>
+            <a:ext cx="7288920" cy="539280"/>
           </a:xfrm>
           <a:prstGeom prst="rect">
             <a:avLst/>
@@ -16084,7 +17621,7 @@
             </a:r>
             <a:endParaRPr b="0" lang="en-US" sz="2800" spc="-1" strike="noStrike">
               <a:solidFill>
-                <a:srgbClr val="81d41a"/>
+                <a:srgbClr val="ffffff"/>
               </a:solidFill>
               <a:latin typeface="Arial"/>
             </a:endParaRPr>
@@ -16104,7 +17641,7 @@
         <p:spPr>
           <a:xfrm>
             <a:off x="1464120" y="1063080"/>
-            <a:ext cx="6968520" cy="3415320"/>
+            <a:ext cx="6967800" cy="3414600"/>
           </a:xfrm>
           <a:prstGeom prst="rect">
             <a:avLst/>
@@ -16397,7 +17934,7 @@
         <p:spPr>
           <a:xfrm>
             <a:off x="710280" y="4694760"/>
-            <a:ext cx="4863960" cy="356400"/>
+            <a:ext cx="4863240" cy="355680"/>
           </a:xfrm>
           <a:prstGeom prst="rect">
             <a:avLst/>
@@ -16453,7 +17990,7 @@
         <p:spPr>
           <a:xfrm>
             <a:off x="-6120" y="91440"/>
-            <a:ext cx="4570920" cy="356400"/>
+            <a:ext cx="4570200" cy="355680"/>
           </a:xfrm>
           <a:prstGeom prst="rect">
             <a:avLst/>
@@ -16509,7 +18046,7 @@
         <p:spPr>
           <a:xfrm>
             <a:off x="4572000" y="91440"/>
-            <a:ext cx="4570920" cy="356400"/>
+            <a:ext cx="4570200" cy="355680"/>
           </a:xfrm>
           <a:prstGeom prst="rect">
             <a:avLst/>
@@ -16561,15 +18098,15 @@
         <p:spPr>
           <a:xfrm>
             <a:off x="1828800" y="4800600"/>
-            <a:ext cx="228240" cy="250560"/>
+            <a:ext cx="227520" cy="249840"/>
           </a:xfrm>
           <a:custGeom>
             <a:avLst/>
             <a:gdLst>
-              <a:gd name="textAreaLeft" fmla="*/ 0 w 228240"/>
-              <a:gd name="textAreaRight" fmla="*/ 228960 w 228240"/>
-              <a:gd name="textAreaTop" fmla="*/ 0 h 250560"/>
-              <a:gd name="textAreaBottom" fmla="*/ 251280 h 250560"/>
+              <a:gd name="textAreaLeft" fmla="*/ 0 w 227520"/>
+              <a:gd name="textAreaRight" fmla="*/ 228960 w 227520"/>
+              <a:gd name="textAreaTop" fmla="*/ 0 h 249840"/>
+              <a:gd name="textAreaBottom" fmla="*/ 251280 h 249840"/>
             </a:gdLst>
             <a:ahLst/>
             <a:rect l="textAreaLeft" t="textAreaTop" r="textAreaRight" b="textAreaBottom"/>
@@ -16642,15 +18179,15 @@
         <p:spPr>
           <a:xfrm>
             <a:off x="2044800" y="4800600"/>
-            <a:ext cx="228240" cy="250560"/>
+            <a:ext cx="227520" cy="249840"/>
           </a:xfrm>
           <a:custGeom>
             <a:avLst/>
             <a:gdLst>
-              <a:gd name="textAreaLeft" fmla="*/ 0 w 228240"/>
-              <a:gd name="textAreaRight" fmla="*/ 228960 w 228240"/>
-              <a:gd name="textAreaTop" fmla="*/ 0 h 250560"/>
-              <a:gd name="textAreaBottom" fmla="*/ 251280 h 250560"/>
+              <a:gd name="textAreaLeft" fmla="*/ 0 w 227520"/>
+              <a:gd name="textAreaRight" fmla="*/ 228960 w 227520"/>
+              <a:gd name="textAreaTop" fmla="*/ 0 h 249840"/>
+              <a:gd name="textAreaBottom" fmla="*/ 251280 h 249840"/>
             </a:gdLst>
             <a:ahLst/>
             <a:rect l="textAreaLeft" t="textAreaTop" r="textAreaRight" b="textAreaBottom"/>
@@ -16723,15 +18260,15 @@
         <p:spPr>
           <a:xfrm>
             <a:off x="2260800" y="4800600"/>
-            <a:ext cx="228240" cy="250560"/>
+            <a:ext cx="227520" cy="249840"/>
           </a:xfrm>
           <a:custGeom>
             <a:avLst/>
             <a:gdLst>
-              <a:gd name="textAreaLeft" fmla="*/ 0 w 228240"/>
-              <a:gd name="textAreaRight" fmla="*/ 228960 w 228240"/>
-              <a:gd name="textAreaTop" fmla="*/ 0 h 250560"/>
-              <a:gd name="textAreaBottom" fmla="*/ 251280 h 250560"/>
+              <a:gd name="textAreaLeft" fmla="*/ 0 w 227520"/>
+              <a:gd name="textAreaRight" fmla="*/ 228960 w 227520"/>
+              <a:gd name="textAreaTop" fmla="*/ 0 h 249840"/>
+              <a:gd name="textAreaBottom" fmla="*/ 251280 h 249840"/>
             </a:gdLst>
             <a:ahLst/>
             <a:rect l="textAreaLeft" t="textAreaTop" r="textAreaRight" b="textAreaBottom"/>
@@ -16804,15 +18341,15 @@
         <p:spPr>
           <a:xfrm>
             <a:off x="2476800" y="4800600"/>
-            <a:ext cx="228240" cy="250560"/>
+            <a:ext cx="227520" cy="249840"/>
           </a:xfrm>
           <a:custGeom>
             <a:avLst/>
             <a:gdLst>
-              <a:gd name="textAreaLeft" fmla="*/ 0 w 228240"/>
-              <a:gd name="textAreaRight" fmla="*/ 228960 w 228240"/>
-              <a:gd name="textAreaTop" fmla="*/ 0 h 250560"/>
-              <a:gd name="textAreaBottom" fmla="*/ 251280 h 250560"/>
+              <a:gd name="textAreaLeft" fmla="*/ 0 w 227520"/>
+              <a:gd name="textAreaRight" fmla="*/ 228960 w 227520"/>
+              <a:gd name="textAreaTop" fmla="*/ 0 h 249840"/>
+              <a:gd name="textAreaBottom" fmla="*/ 251280 h 249840"/>
             </a:gdLst>
             <a:ahLst/>
             <a:rect l="textAreaLeft" t="textAreaTop" r="textAreaRight" b="textAreaBottom"/>
@@ -16885,15 +18422,15 @@
         <p:spPr>
           <a:xfrm>
             <a:off x="2692800" y="4800600"/>
-            <a:ext cx="228240" cy="250560"/>
+            <a:ext cx="227520" cy="249840"/>
           </a:xfrm>
           <a:custGeom>
             <a:avLst/>
             <a:gdLst>
-              <a:gd name="textAreaLeft" fmla="*/ 0 w 228240"/>
-              <a:gd name="textAreaRight" fmla="*/ 228960 w 228240"/>
-              <a:gd name="textAreaTop" fmla="*/ 0 h 250560"/>
-              <a:gd name="textAreaBottom" fmla="*/ 251280 h 250560"/>
+              <a:gd name="textAreaLeft" fmla="*/ 0 w 227520"/>
+              <a:gd name="textAreaRight" fmla="*/ 228960 w 227520"/>
+              <a:gd name="textAreaTop" fmla="*/ 0 h 249840"/>
+              <a:gd name="textAreaBottom" fmla="*/ 251280 h 249840"/>
             </a:gdLst>
             <a:ahLst/>
             <a:rect l="textAreaLeft" t="textAreaTop" r="textAreaRight" b="textAreaBottom"/>
@@ -16966,15 +18503,15 @@
         <p:spPr>
           <a:xfrm>
             <a:off x="2908800" y="4800600"/>
-            <a:ext cx="228240" cy="250560"/>
+            <a:ext cx="227520" cy="249840"/>
           </a:xfrm>
           <a:custGeom>
             <a:avLst/>
             <a:gdLst>
-              <a:gd name="textAreaLeft" fmla="*/ 0 w 228240"/>
-              <a:gd name="textAreaRight" fmla="*/ 228960 w 228240"/>
-              <a:gd name="textAreaTop" fmla="*/ 0 h 250560"/>
-              <a:gd name="textAreaBottom" fmla="*/ 251280 h 250560"/>
+              <a:gd name="textAreaLeft" fmla="*/ 0 w 227520"/>
+              <a:gd name="textAreaRight" fmla="*/ 228960 w 227520"/>
+              <a:gd name="textAreaTop" fmla="*/ 0 h 249840"/>
+              <a:gd name="textAreaBottom" fmla="*/ 251280 h 249840"/>
             </a:gdLst>
             <a:ahLst/>
             <a:rect l="textAreaLeft" t="textAreaTop" r="textAreaRight" b="textAreaBottom"/>
@@ -17047,15 +18584,15 @@
         <p:spPr>
           <a:xfrm>
             <a:off x="3124800" y="4800600"/>
-            <a:ext cx="228240" cy="250560"/>
+            <a:ext cx="227520" cy="249840"/>
           </a:xfrm>
           <a:custGeom>
             <a:avLst/>
             <a:gdLst>
-              <a:gd name="textAreaLeft" fmla="*/ 0 w 228240"/>
-              <a:gd name="textAreaRight" fmla="*/ 228960 w 228240"/>
-              <a:gd name="textAreaTop" fmla="*/ 0 h 250560"/>
-              <a:gd name="textAreaBottom" fmla="*/ 251280 h 250560"/>
+              <a:gd name="textAreaLeft" fmla="*/ 0 w 227520"/>
+              <a:gd name="textAreaRight" fmla="*/ 228960 w 227520"/>
+              <a:gd name="textAreaTop" fmla="*/ 0 h 249840"/>
+              <a:gd name="textAreaBottom" fmla="*/ 251280 h 249840"/>
             </a:gdLst>
             <a:ahLst/>
             <a:rect l="textAreaLeft" t="textAreaTop" r="textAreaRight" b="textAreaBottom"/>
@@ -17128,15 +18665,15 @@
         <p:spPr>
           <a:xfrm>
             <a:off x="3340800" y="4800600"/>
-            <a:ext cx="228240" cy="250560"/>
+            <a:ext cx="227520" cy="249840"/>
           </a:xfrm>
           <a:custGeom>
             <a:avLst/>
             <a:gdLst>
-              <a:gd name="textAreaLeft" fmla="*/ 0 w 228240"/>
-              <a:gd name="textAreaRight" fmla="*/ 228960 w 228240"/>
-              <a:gd name="textAreaTop" fmla="*/ 0 h 250560"/>
-              <a:gd name="textAreaBottom" fmla="*/ 251280 h 250560"/>
+              <a:gd name="textAreaLeft" fmla="*/ 0 w 227520"/>
+              <a:gd name="textAreaRight" fmla="*/ 228960 w 227520"/>
+              <a:gd name="textAreaTop" fmla="*/ 0 h 249840"/>
+              <a:gd name="textAreaBottom" fmla="*/ 251280 h 249840"/>
             </a:gdLst>
             <a:ahLst/>
             <a:rect l="textAreaLeft" t="textAreaTop" r="textAreaRight" b="textAreaBottom"/>
@@ -17209,15 +18746,15 @@
         <p:spPr>
           <a:xfrm>
             <a:off x="3556800" y="4800600"/>
-            <a:ext cx="228240" cy="250560"/>
+            <a:ext cx="227520" cy="249840"/>
           </a:xfrm>
           <a:custGeom>
             <a:avLst/>
             <a:gdLst>
-              <a:gd name="textAreaLeft" fmla="*/ 0 w 228240"/>
-              <a:gd name="textAreaRight" fmla="*/ 228960 w 228240"/>
-              <a:gd name="textAreaTop" fmla="*/ 0 h 250560"/>
-              <a:gd name="textAreaBottom" fmla="*/ 251280 h 250560"/>
+              <a:gd name="textAreaLeft" fmla="*/ 0 w 227520"/>
+              <a:gd name="textAreaRight" fmla="*/ 228960 w 227520"/>
+              <a:gd name="textAreaTop" fmla="*/ 0 h 249840"/>
+              <a:gd name="textAreaBottom" fmla="*/ 251280 h 249840"/>
             </a:gdLst>
             <a:ahLst/>
             <a:rect l="textAreaLeft" t="textAreaTop" r="textAreaRight" b="textAreaBottom"/>
@@ -17290,15 +18827,15 @@
         <p:spPr>
           <a:xfrm>
             <a:off x="3772800" y="4800600"/>
-            <a:ext cx="228240" cy="250560"/>
+            <a:ext cx="227520" cy="249840"/>
           </a:xfrm>
           <a:custGeom>
             <a:avLst/>
             <a:gdLst>
-              <a:gd name="textAreaLeft" fmla="*/ 0 w 228240"/>
-              <a:gd name="textAreaRight" fmla="*/ 228960 w 228240"/>
-              <a:gd name="textAreaTop" fmla="*/ 0 h 250560"/>
-              <a:gd name="textAreaBottom" fmla="*/ 251280 h 250560"/>
+              <a:gd name="textAreaLeft" fmla="*/ 0 w 227520"/>
+              <a:gd name="textAreaRight" fmla="*/ 228960 w 227520"/>
+              <a:gd name="textAreaTop" fmla="*/ 0 h 249840"/>
+              <a:gd name="textAreaBottom" fmla="*/ 251280 h 249840"/>
             </a:gdLst>
             <a:ahLst/>
             <a:rect l="textAreaLeft" t="textAreaTop" r="textAreaRight" b="textAreaBottom"/>
@@ -17371,15 +18908,15 @@
         <p:spPr>
           <a:xfrm>
             <a:off x="3988800" y="4800600"/>
-            <a:ext cx="228240" cy="250560"/>
+            <a:ext cx="227520" cy="249840"/>
           </a:xfrm>
           <a:custGeom>
             <a:avLst/>
             <a:gdLst>
-              <a:gd name="textAreaLeft" fmla="*/ 0 w 228240"/>
-              <a:gd name="textAreaRight" fmla="*/ 228960 w 228240"/>
-              <a:gd name="textAreaTop" fmla="*/ 0 h 250560"/>
-              <a:gd name="textAreaBottom" fmla="*/ 251280 h 250560"/>
+              <a:gd name="textAreaLeft" fmla="*/ 0 w 227520"/>
+              <a:gd name="textAreaRight" fmla="*/ 228960 w 227520"/>
+              <a:gd name="textAreaTop" fmla="*/ 0 h 249840"/>
+              <a:gd name="textAreaBottom" fmla="*/ 251280 h 249840"/>
             </a:gdLst>
             <a:ahLst/>
             <a:rect l="textAreaLeft" t="textAreaTop" r="textAreaRight" b="textAreaBottom"/>
@@ -17452,15 +18989,15 @@
         <p:spPr>
           <a:xfrm>
             <a:off x="4204800" y="4800600"/>
-            <a:ext cx="228240" cy="250560"/>
+            <a:ext cx="227520" cy="249840"/>
           </a:xfrm>
           <a:custGeom>
             <a:avLst/>
             <a:gdLst>
-              <a:gd name="textAreaLeft" fmla="*/ 0 w 228240"/>
-              <a:gd name="textAreaRight" fmla="*/ 228960 w 228240"/>
-              <a:gd name="textAreaTop" fmla="*/ 0 h 250560"/>
-              <a:gd name="textAreaBottom" fmla="*/ 251280 h 250560"/>
+              <a:gd name="textAreaLeft" fmla="*/ 0 w 227520"/>
+              <a:gd name="textAreaRight" fmla="*/ 228960 w 227520"/>
+              <a:gd name="textAreaTop" fmla="*/ 0 h 249840"/>
+              <a:gd name="textAreaBottom" fmla="*/ 251280 h 249840"/>
             </a:gdLst>
             <a:ahLst/>
             <a:rect l="textAreaLeft" t="textAreaTop" r="textAreaRight" b="textAreaBottom"/>
@@ -17533,15 +19070,15 @@
         <p:spPr>
           <a:xfrm>
             <a:off x="4420800" y="4800600"/>
-            <a:ext cx="228240" cy="250560"/>
+            <a:ext cx="227520" cy="249840"/>
           </a:xfrm>
           <a:custGeom>
             <a:avLst/>
             <a:gdLst>
-              <a:gd name="textAreaLeft" fmla="*/ 0 w 228240"/>
-              <a:gd name="textAreaRight" fmla="*/ 228960 w 228240"/>
-              <a:gd name="textAreaTop" fmla="*/ 0 h 250560"/>
-              <a:gd name="textAreaBottom" fmla="*/ 251280 h 250560"/>
+              <a:gd name="textAreaLeft" fmla="*/ 0 w 227520"/>
+              <a:gd name="textAreaRight" fmla="*/ 228960 w 227520"/>
+              <a:gd name="textAreaTop" fmla="*/ 0 h 249840"/>
+              <a:gd name="textAreaBottom" fmla="*/ 251280 h 249840"/>
             </a:gdLst>
             <a:ahLst/>
             <a:rect l="textAreaLeft" t="textAreaTop" r="textAreaRight" b="textAreaBottom"/>
@@ -17614,15 +19151,15 @@
         <p:spPr>
           <a:xfrm>
             <a:off x="4636800" y="4800600"/>
-            <a:ext cx="228240" cy="250560"/>
+            <a:ext cx="227520" cy="249840"/>
           </a:xfrm>
           <a:custGeom>
             <a:avLst/>
             <a:gdLst>
-              <a:gd name="textAreaLeft" fmla="*/ 0 w 228240"/>
-              <a:gd name="textAreaRight" fmla="*/ 228960 w 228240"/>
-              <a:gd name="textAreaTop" fmla="*/ 0 h 250560"/>
-              <a:gd name="textAreaBottom" fmla="*/ 251280 h 250560"/>
+              <a:gd name="textAreaLeft" fmla="*/ 0 w 227520"/>
+              <a:gd name="textAreaRight" fmla="*/ 228960 w 227520"/>
+              <a:gd name="textAreaTop" fmla="*/ 0 h 249840"/>
+              <a:gd name="textAreaBottom" fmla="*/ 251280 h 249840"/>
             </a:gdLst>
             <a:ahLst/>
             <a:rect l="textAreaLeft" t="textAreaTop" r="textAreaRight" b="textAreaBottom"/>
@@ -17729,7 +19266,7 @@
         <p:spPr>
           <a:xfrm>
             <a:off x="1143360" y="582840"/>
-            <a:ext cx="7289640" cy="540000"/>
+            <a:ext cx="7288920" cy="539280"/>
           </a:xfrm>
           <a:prstGeom prst="rect">
             <a:avLst/>
@@ -17775,7 +19312,7 @@
             </a:r>
             <a:endParaRPr b="0" lang="en-US" sz="2800" spc="-1" strike="noStrike">
               <a:solidFill>
-                <a:srgbClr val="81d41a"/>
+                <a:srgbClr val="ffffff"/>
               </a:solidFill>
               <a:latin typeface="Arial"/>
             </a:endParaRPr>
@@ -17795,7 +19332,7 @@
         <p:spPr>
           <a:xfrm>
             <a:off x="1464120" y="1063080"/>
-            <a:ext cx="6968520" cy="3415320"/>
+            <a:ext cx="6967800" cy="3414600"/>
           </a:xfrm>
           <a:prstGeom prst="rect">
             <a:avLst/>
@@ -18415,7 +19952,7 @@
         <p:spPr>
           <a:xfrm>
             <a:off x="710280" y="4694760"/>
-            <a:ext cx="4863960" cy="356400"/>
+            <a:ext cx="4863240" cy="355680"/>
           </a:xfrm>
           <a:prstGeom prst="rect">
             <a:avLst/>
@@ -18471,7 +20008,7 @@
         <p:spPr>
           <a:xfrm>
             <a:off x="-6120" y="91440"/>
-            <a:ext cx="4570920" cy="356400"/>
+            <a:ext cx="4570200" cy="355680"/>
           </a:xfrm>
           <a:prstGeom prst="rect">
             <a:avLst/>
@@ -18527,7 +20064,7 @@
         <p:spPr>
           <a:xfrm>
             <a:off x="4572000" y="91440"/>
-            <a:ext cx="4570920" cy="356400"/>
+            <a:ext cx="4570200" cy="355680"/>
           </a:xfrm>
           <a:prstGeom prst="rect">
             <a:avLst/>
@@ -18579,15 +20116,15 @@
         <p:spPr>
           <a:xfrm>
             <a:off x="1828800" y="4800600"/>
-            <a:ext cx="228240" cy="250560"/>
+            <a:ext cx="227520" cy="249840"/>
           </a:xfrm>
           <a:custGeom>
             <a:avLst/>
             <a:gdLst>
-              <a:gd name="textAreaLeft" fmla="*/ 0 w 228240"/>
-              <a:gd name="textAreaRight" fmla="*/ 228960 w 228240"/>
-              <a:gd name="textAreaTop" fmla="*/ 0 h 250560"/>
-              <a:gd name="textAreaBottom" fmla="*/ 251280 h 250560"/>
+              <a:gd name="textAreaLeft" fmla="*/ 0 w 227520"/>
+              <a:gd name="textAreaRight" fmla="*/ 228960 w 227520"/>
+              <a:gd name="textAreaTop" fmla="*/ 0 h 249840"/>
+              <a:gd name="textAreaBottom" fmla="*/ 251280 h 249840"/>
             </a:gdLst>
             <a:ahLst/>
             <a:rect l="textAreaLeft" t="textAreaTop" r="textAreaRight" b="textAreaBottom"/>
@@ -18660,15 +20197,15 @@
         <p:spPr>
           <a:xfrm>
             <a:off x="2044800" y="4800600"/>
-            <a:ext cx="228240" cy="250560"/>
+            <a:ext cx="227520" cy="249840"/>
           </a:xfrm>
           <a:custGeom>
             <a:avLst/>
             <a:gdLst>
-              <a:gd name="textAreaLeft" fmla="*/ 0 w 228240"/>
-              <a:gd name="textAreaRight" fmla="*/ 228960 w 228240"/>
-              <a:gd name="textAreaTop" fmla="*/ 0 h 250560"/>
-              <a:gd name="textAreaBottom" fmla="*/ 251280 h 250560"/>
+              <a:gd name="textAreaLeft" fmla="*/ 0 w 227520"/>
+              <a:gd name="textAreaRight" fmla="*/ 228960 w 227520"/>
+              <a:gd name="textAreaTop" fmla="*/ 0 h 249840"/>
+              <a:gd name="textAreaBottom" fmla="*/ 251280 h 249840"/>
             </a:gdLst>
             <a:ahLst/>
             <a:rect l="textAreaLeft" t="textAreaTop" r="textAreaRight" b="textAreaBottom"/>
@@ -18741,15 +20278,15 @@
         <p:spPr>
           <a:xfrm>
             <a:off x="2260800" y="4800600"/>
-            <a:ext cx="228240" cy="250560"/>
+            <a:ext cx="227520" cy="249840"/>
           </a:xfrm>
           <a:custGeom>
             <a:avLst/>
             <a:gdLst>
-              <a:gd name="textAreaLeft" fmla="*/ 0 w 228240"/>
-              <a:gd name="textAreaRight" fmla="*/ 228960 w 228240"/>
-              <a:gd name="textAreaTop" fmla="*/ 0 h 250560"/>
-              <a:gd name="textAreaBottom" fmla="*/ 251280 h 250560"/>
+              <a:gd name="textAreaLeft" fmla="*/ 0 w 227520"/>
+              <a:gd name="textAreaRight" fmla="*/ 228960 w 227520"/>
+              <a:gd name="textAreaTop" fmla="*/ 0 h 249840"/>
+              <a:gd name="textAreaBottom" fmla="*/ 251280 h 249840"/>
             </a:gdLst>
             <a:ahLst/>
             <a:rect l="textAreaLeft" t="textAreaTop" r="textAreaRight" b="textAreaBottom"/>
@@ -18822,15 +20359,15 @@
         <p:spPr>
           <a:xfrm>
             <a:off x="2476800" y="4800600"/>
-            <a:ext cx="228240" cy="250560"/>
+            <a:ext cx="227520" cy="249840"/>
           </a:xfrm>
           <a:custGeom>
             <a:avLst/>
             <a:gdLst>
-              <a:gd name="textAreaLeft" fmla="*/ 0 w 228240"/>
-              <a:gd name="textAreaRight" fmla="*/ 228960 w 228240"/>
-              <a:gd name="textAreaTop" fmla="*/ 0 h 250560"/>
-              <a:gd name="textAreaBottom" fmla="*/ 251280 h 250560"/>
+              <a:gd name="textAreaLeft" fmla="*/ 0 w 227520"/>
+              <a:gd name="textAreaRight" fmla="*/ 228960 w 227520"/>
+              <a:gd name="textAreaTop" fmla="*/ 0 h 249840"/>
+              <a:gd name="textAreaBottom" fmla="*/ 251280 h 249840"/>
             </a:gdLst>
             <a:ahLst/>
             <a:rect l="textAreaLeft" t="textAreaTop" r="textAreaRight" b="textAreaBottom"/>
@@ -18903,15 +20440,15 @@
         <p:spPr>
           <a:xfrm>
             <a:off x="2692800" y="4800600"/>
-            <a:ext cx="228240" cy="250560"/>
+            <a:ext cx="227520" cy="249840"/>
           </a:xfrm>
           <a:custGeom>
             <a:avLst/>
             <a:gdLst>
-              <a:gd name="textAreaLeft" fmla="*/ 0 w 228240"/>
-              <a:gd name="textAreaRight" fmla="*/ 228960 w 228240"/>
-              <a:gd name="textAreaTop" fmla="*/ 0 h 250560"/>
-              <a:gd name="textAreaBottom" fmla="*/ 251280 h 250560"/>
+              <a:gd name="textAreaLeft" fmla="*/ 0 w 227520"/>
+              <a:gd name="textAreaRight" fmla="*/ 228960 w 227520"/>
+              <a:gd name="textAreaTop" fmla="*/ 0 h 249840"/>
+              <a:gd name="textAreaBottom" fmla="*/ 251280 h 249840"/>
             </a:gdLst>
             <a:ahLst/>
             <a:rect l="textAreaLeft" t="textAreaTop" r="textAreaRight" b="textAreaBottom"/>
@@ -18984,15 +20521,15 @@
         <p:spPr>
           <a:xfrm>
             <a:off x="2908800" y="4800600"/>
-            <a:ext cx="228240" cy="250560"/>
+            <a:ext cx="227520" cy="249840"/>
           </a:xfrm>
           <a:custGeom>
             <a:avLst/>
             <a:gdLst>
-              <a:gd name="textAreaLeft" fmla="*/ 0 w 228240"/>
-              <a:gd name="textAreaRight" fmla="*/ 228960 w 228240"/>
-              <a:gd name="textAreaTop" fmla="*/ 0 h 250560"/>
-              <a:gd name="textAreaBottom" fmla="*/ 251280 h 250560"/>
+              <a:gd name="textAreaLeft" fmla="*/ 0 w 227520"/>
+              <a:gd name="textAreaRight" fmla="*/ 228960 w 227520"/>
+              <a:gd name="textAreaTop" fmla="*/ 0 h 249840"/>
+              <a:gd name="textAreaBottom" fmla="*/ 251280 h 249840"/>
             </a:gdLst>
             <a:ahLst/>
             <a:rect l="textAreaLeft" t="textAreaTop" r="textAreaRight" b="textAreaBottom"/>
@@ -19065,15 +20602,15 @@
         <p:spPr>
           <a:xfrm>
             <a:off x="3124800" y="4800600"/>
-            <a:ext cx="228240" cy="250560"/>
+            <a:ext cx="227520" cy="249840"/>
           </a:xfrm>
           <a:custGeom>
             <a:avLst/>
             <a:gdLst>
-              <a:gd name="textAreaLeft" fmla="*/ 0 w 228240"/>
-              <a:gd name="textAreaRight" fmla="*/ 228960 w 228240"/>
-              <a:gd name="textAreaTop" fmla="*/ 0 h 250560"/>
-              <a:gd name="textAreaBottom" fmla="*/ 251280 h 250560"/>
+              <a:gd name="textAreaLeft" fmla="*/ 0 w 227520"/>
+              <a:gd name="textAreaRight" fmla="*/ 228960 w 227520"/>
+              <a:gd name="textAreaTop" fmla="*/ 0 h 249840"/>
+              <a:gd name="textAreaBottom" fmla="*/ 251280 h 249840"/>
             </a:gdLst>
             <a:ahLst/>
             <a:rect l="textAreaLeft" t="textAreaTop" r="textAreaRight" b="textAreaBottom"/>
@@ -19146,15 +20683,15 @@
         <p:spPr>
           <a:xfrm>
             <a:off x="3340800" y="4800600"/>
-            <a:ext cx="228240" cy="250560"/>
+            <a:ext cx="227520" cy="249840"/>
           </a:xfrm>
           <a:custGeom>
             <a:avLst/>
             <a:gdLst>
-              <a:gd name="textAreaLeft" fmla="*/ 0 w 228240"/>
-              <a:gd name="textAreaRight" fmla="*/ 228960 w 228240"/>
-              <a:gd name="textAreaTop" fmla="*/ 0 h 250560"/>
-              <a:gd name="textAreaBottom" fmla="*/ 251280 h 250560"/>
+              <a:gd name="textAreaLeft" fmla="*/ 0 w 227520"/>
+              <a:gd name="textAreaRight" fmla="*/ 228960 w 227520"/>
+              <a:gd name="textAreaTop" fmla="*/ 0 h 249840"/>
+              <a:gd name="textAreaBottom" fmla="*/ 251280 h 249840"/>
             </a:gdLst>
             <a:ahLst/>
             <a:rect l="textAreaLeft" t="textAreaTop" r="textAreaRight" b="textAreaBottom"/>
@@ -19227,15 +20764,15 @@
         <p:spPr>
           <a:xfrm>
             <a:off x="3556800" y="4800600"/>
-            <a:ext cx="228240" cy="250560"/>
+            <a:ext cx="227520" cy="249840"/>
           </a:xfrm>
           <a:custGeom>
             <a:avLst/>
             <a:gdLst>
-              <a:gd name="textAreaLeft" fmla="*/ 0 w 228240"/>
-              <a:gd name="textAreaRight" fmla="*/ 228960 w 228240"/>
-              <a:gd name="textAreaTop" fmla="*/ 0 h 250560"/>
-              <a:gd name="textAreaBottom" fmla="*/ 251280 h 250560"/>
+              <a:gd name="textAreaLeft" fmla="*/ 0 w 227520"/>
+              <a:gd name="textAreaRight" fmla="*/ 228960 w 227520"/>
+              <a:gd name="textAreaTop" fmla="*/ 0 h 249840"/>
+              <a:gd name="textAreaBottom" fmla="*/ 251280 h 249840"/>
             </a:gdLst>
             <a:ahLst/>
             <a:rect l="textAreaLeft" t="textAreaTop" r="textAreaRight" b="textAreaBottom"/>
@@ -19308,15 +20845,15 @@
         <p:spPr>
           <a:xfrm>
             <a:off x="3772800" y="4800600"/>
-            <a:ext cx="228240" cy="250560"/>
+            <a:ext cx="227520" cy="249840"/>
           </a:xfrm>
           <a:custGeom>
             <a:avLst/>
             <a:gdLst>
-              <a:gd name="textAreaLeft" fmla="*/ 0 w 228240"/>
-              <a:gd name="textAreaRight" fmla="*/ 228960 w 228240"/>
-              <a:gd name="textAreaTop" fmla="*/ 0 h 250560"/>
-              <a:gd name="textAreaBottom" fmla="*/ 251280 h 250560"/>
+              <a:gd name="textAreaLeft" fmla="*/ 0 w 227520"/>
+              <a:gd name="textAreaRight" fmla="*/ 228960 w 227520"/>
+              <a:gd name="textAreaTop" fmla="*/ 0 h 249840"/>
+              <a:gd name="textAreaBottom" fmla="*/ 251280 h 249840"/>
             </a:gdLst>
             <a:ahLst/>
             <a:rect l="textAreaLeft" t="textAreaTop" r="textAreaRight" b="textAreaBottom"/>
@@ -19389,15 +20926,15 @@
         <p:spPr>
           <a:xfrm>
             <a:off x="3988800" y="4800600"/>
-            <a:ext cx="228240" cy="250560"/>
+            <a:ext cx="227520" cy="249840"/>
           </a:xfrm>
           <a:custGeom>
             <a:avLst/>
             <a:gdLst>
-              <a:gd name="textAreaLeft" fmla="*/ 0 w 228240"/>
-              <a:gd name="textAreaRight" fmla="*/ 228960 w 228240"/>
-              <a:gd name="textAreaTop" fmla="*/ 0 h 250560"/>
-              <a:gd name="textAreaBottom" fmla="*/ 251280 h 250560"/>
+              <a:gd name="textAreaLeft" fmla="*/ 0 w 227520"/>
+              <a:gd name="textAreaRight" fmla="*/ 228960 w 227520"/>
+              <a:gd name="textAreaTop" fmla="*/ 0 h 249840"/>
+              <a:gd name="textAreaBottom" fmla="*/ 251280 h 249840"/>
             </a:gdLst>
             <a:ahLst/>
             <a:rect l="textAreaLeft" t="textAreaTop" r="textAreaRight" b="textAreaBottom"/>
@@ -19470,15 +21007,15 @@
         <p:spPr>
           <a:xfrm>
             <a:off x="4204800" y="4800600"/>
-            <a:ext cx="228240" cy="250560"/>
+            <a:ext cx="227520" cy="249840"/>
           </a:xfrm>
           <a:custGeom>
             <a:avLst/>
             <a:gdLst>
-              <a:gd name="textAreaLeft" fmla="*/ 0 w 228240"/>
-              <a:gd name="textAreaRight" fmla="*/ 228960 w 228240"/>
-              <a:gd name="textAreaTop" fmla="*/ 0 h 250560"/>
-              <a:gd name="textAreaBottom" fmla="*/ 251280 h 250560"/>
+              <a:gd name="textAreaLeft" fmla="*/ 0 w 227520"/>
+              <a:gd name="textAreaRight" fmla="*/ 228960 w 227520"/>
+              <a:gd name="textAreaTop" fmla="*/ 0 h 249840"/>
+              <a:gd name="textAreaBottom" fmla="*/ 251280 h 249840"/>
             </a:gdLst>
             <a:ahLst/>
             <a:rect l="textAreaLeft" t="textAreaTop" r="textAreaRight" b="textAreaBottom"/>
@@ -19551,15 +21088,15 @@
         <p:spPr>
           <a:xfrm>
             <a:off x="4420800" y="4800600"/>
-            <a:ext cx="228240" cy="250560"/>
+            <a:ext cx="227520" cy="249840"/>
           </a:xfrm>
           <a:custGeom>
             <a:avLst/>
             <a:gdLst>
-              <a:gd name="textAreaLeft" fmla="*/ 0 w 228240"/>
-              <a:gd name="textAreaRight" fmla="*/ 228960 w 228240"/>
-              <a:gd name="textAreaTop" fmla="*/ 0 h 250560"/>
-              <a:gd name="textAreaBottom" fmla="*/ 251280 h 250560"/>
+              <a:gd name="textAreaLeft" fmla="*/ 0 w 227520"/>
+              <a:gd name="textAreaRight" fmla="*/ 228960 w 227520"/>
+              <a:gd name="textAreaTop" fmla="*/ 0 h 249840"/>
+              <a:gd name="textAreaBottom" fmla="*/ 251280 h 249840"/>
             </a:gdLst>
             <a:ahLst/>
             <a:rect l="textAreaLeft" t="textAreaTop" r="textAreaRight" b="textAreaBottom"/>
@@ -19632,15 +21169,15 @@
         <p:spPr>
           <a:xfrm>
             <a:off x="4636800" y="4800600"/>
-            <a:ext cx="228240" cy="250560"/>
+            <a:ext cx="227520" cy="249840"/>
           </a:xfrm>
           <a:custGeom>
             <a:avLst/>
             <a:gdLst>
-              <a:gd name="textAreaLeft" fmla="*/ 0 w 228240"/>
-              <a:gd name="textAreaRight" fmla="*/ 228960 w 228240"/>
-              <a:gd name="textAreaTop" fmla="*/ 0 h 250560"/>
-              <a:gd name="textAreaBottom" fmla="*/ 251280 h 250560"/>
+              <a:gd name="textAreaLeft" fmla="*/ 0 w 227520"/>
+              <a:gd name="textAreaRight" fmla="*/ 228960 w 227520"/>
+              <a:gd name="textAreaTop" fmla="*/ 0 h 249840"/>
+              <a:gd name="textAreaBottom" fmla="*/ 251280 h 249840"/>
             </a:gdLst>
             <a:ahLst/>
             <a:rect l="textAreaLeft" t="textAreaTop" r="textAreaRight" b="textAreaBottom"/>
@@ -19747,7 +21284,7 @@
         <p:spPr>
           <a:xfrm>
             <a:off x="1143360" y="582840"/>
-            <a:ext cx="7289640" cy="540000"/>
+            <a:ext cx="7288920" cy="539280"/>
           </a:xfrm>
           <a:prstGeom prst="rect">
             <a:avLst/>
@@ -19793,7 +21330,7 @@
             </a:r>
             <a:endParaRPr b="0" lang="en-US" sz="2800" spc="-1" strike="noStrike">
               <a:solidFill>
-                <a:srgbClr val="81d41a"/>
+                <a:srgbClr val="ffffff"/>
               </a:solidFill>
               <a:latin typeface="Arial"/>
             </a:endParaRPr>
@@ -19813,7 +21350,7 @@
         <p:spPr>
           <a:xfrm>
             <a:off x="1464120" y="1063080"/>
-            <a:ext cx="6968520" cy="3415320"/>
+            <a:ext cx="6967800" cy="3414600"/>
           </a:xfrm>
           <a:prstGeom prst="rect">
             <a:avLst/>
@@ -20074,7 +21611,7 @@
         <p:spPr>
           <a:xfrm>
             <a:off x="710280" y="4694760"/>
-            <a:ext cx="4863960" cy="356400"/>
+            <a:ext cx="4863240" cy="355680"/>
           </a:xfrm>
           <a:prstGeom prst="rect">
             <a:avLst/>
@@ -20130,7 +21667,7 @@
         <p:spPr>
           <a:xfrm>
             <a:off x="-6120" y="91440"/>
-            <a:ext cx="4570920" cy="356400"/>
+            <a:ext cx="4570200" cy="355680"/>
           </a:xfrm>
           <a:prstGeom prst="rect">
             <a:avLst/>
@@ -20186,7 +21723,7 @@
         <p:spPr>
           <a:xfrm>
             <a:off x="4572000" y="91440"/>
-            <a:ext cx="4570920" cy="356400"/>
+            <a:ext cx="4570200" cy="355680"/>
           </a:xfrm>
           <a:prstGeom prst="rect">
             <a:avLst/>
@@ -20238,15 +21775,15 @@
         <p:spPr>
           <a:xfrm>
             <a:off x="1828800" y="4800600"/>
-            <a:ext cx="228240" cy="250560"/>
+            <a:ext cx="227520" cy="249840"/>
           </a:xfrm>
           <a:custGeom>
             <a:avLst/>
             <a:gdLst>
-              <a:gd name="textAreaLeft" fmla="*/ 0 w 228240"/>
-              <a:gd name="textAreaRight" fmla="*/ 228960 w 228240"/>
-              <a:gd name="textAreaTop" fmla="*/ 0 h 250560"/>
-              <a:gd name="textAreaBottom" fmla="*/ 251280 h 250560"/>
+              <a:gd name="textAreaLeft" fmla="*/ 0 w 227520"/>
+              <a:gd name="textAreaRight" fmla="*/ 228960 w 227520"/>
+              <a:gd name="textAreaTop" fmla="*/ 0 h 249840"/>
+              <a:gd name="textAreaBottom" fmla="*/ 251280 h 249840"/>
             </a:gdLst>
             <a:ahLst/>
             <a:rect l="textAreaLeft" t="textAreaTop" r="textAreaRight" b="textAreaBottom"/>
@@ -20319,15 +21856,15 @@
         <p:spPr>
           <a:xfrm>
             <a:off x="2044800" y="4800600"/>
-            <a:ext cx="228240" cy="250560"/>
+            <a:ext cx="227520" cy="249840"/>
           </a:xfrm>
           <a:custGeom>
             <a:avLst/>
             <a:gdLst>
-              <a:gd name="textAreaLeft" fmla="*/ 0 w 228240"/>
-              <a:gd name="textAreaRight" fmla="*/ 228960 w 228240"/>
-              <a:gd name="textAreaTop" fmla="*/ 0 h 250560"/>
-              <a:gd name="textAreaBottom" fmla="*/ 251280 h 250560"/>
+              <a:gd name="textAreaLeft" fmla="*/ 0 w 227520"/>
+              <a:gd name="textAreaRight" fmla="*/ 228960 w 227520"/>
+              <a:gd name="textAreaTop" fmla="*/ 0 h 249840"/>
+              <a:gd name="textAreaBottom" fmla="*/ 251280 h 249840"/>
             </a:gdLst>
             <a:ahLst/>
             <a:rect l="textAreaLeft" t="textAreaTop" r="textAreaRight" b="textAreaBottom"/>
@@ -20400,15 +21937,15 @@
         <p:spPr>
           <a:xfrm>
             <a:off x="2260800" y="4800600"/>
-            <a:ext cx="228240" cy="250560"/>
+            <a:ext cx="227520" cy="249840"/>
           </a:xfrm>
           <a:custGeom>
             <a:avLst/>
             <a:gdLst>
-              <a:gd name="textAreaLeft" fmla="*/ 0 w 228240"/>
-              <a:gd name="textAreaRight" fmla="*/ 228960 w 228240"/>
-              <a:gd name="textAreaTop" fmla="*/ 0 h 250560"/>
-              <a:gd name="textAreaBottom" fmla="*/ 251280 h 250560"/>
+              <a:gd name="textAreaLeft" fmla="*/ 0 w 227520"/>
+              <a:gd name="textAreaRight" fmla="*/ 228960 w 227520"/>
+              <a:gd name="textAreaTop" fmla="*/ 0 h 249840"/>
+              <a:gd name="textAreaBottom" fmla="*/ 251280 h 249840"/>
             </a:gdLst>
             <a:ahLst/>
             <a:rect l="textAreaLeft" t="textAreaTop" r="textAreaRight" b="textAreaBottom"/>
@@ -20481,15 +22018,15 @@
         <p:spPr>
           <a:xfrm>
             <a:off x="2476800" y="4800600"/>
-            <a:ext cx="228240" cy="250560"/>
+            <a:ext cx="227520" cy="249840"/>
           </a:xfrm>
           <a:custGeom>
             <a:avLst/>
             <a:gdLst>
-              <a:gd name="textAreaLeft" fmla="*/ 0 w 228240"/>
-              <a:gd name="textAreaRight" fmla="*/ 228960 w 228240"/>
-              <a:gd name="textAreaTop" fmla="*/ 0 h 250560"/>
-              <a:gd name="textAreaBottom" fmla="*/ 251280 h 250560"/>
+              <a:gd name="textAreaLeft" fmla="*/ 0 w 227520"/>
+              <a:gd name="textAreaRight" fmla="*/ 228960 w 227520"/>
+              <a:gd name="textAreaTop" fmla="*/ 0 h 249840"/>
+              <a:gd name="textAreaBottom" fmla="*/ 251280 h 249840"/>
             </a:gdLst>
             <a:ahLst/>
             <a:rect l="textAreaLeft" t="textAreaTop" r="textAreaRight" b="textAreaBottom"/>
@@ -20562,15 +22099,15 @@
         <p:spPr>
           <a:xfrm>
             <a:off x="2692800" y="4800600"/>
-            <a:ext cx="228240" cy="250560"/>
+            <a:ext cx="227520" cy="249840"/>
           </a:xfrm>
           <a:custGeom>
             <a:avLst/>
             <a:gdLst>
-              <a:gd name="textAreaLeft" fmla="*/ 0 w 228240"/>
-              <a:gd name="textAreaRight" fmla="*/ 228960 w 228240"/>
-              <a:gd name="textAreaTop" fmla="*/ 0 h 250560"/>
-              <a:gd name="textAreaBottom" fmla="*/ 251280 h 250560"/>
+              <a:gd name="textAreaLeft" fmla="*/ 0 w 227520"/>
+              <a:gd name="textAreaRight" fmla="*/ 228960 w 227520"/>
+              <a:gd name="textAreaTop" fmla="*/ 0 h 249840"/>
+              <a:gd name="textAreaBottom" fmla="*/ 251280 h 249840"/>
             </a:gdLst>
             <a:ahLst/>
             <a:rect l="textAreaLeft" t="textAreaTop" r="textAreaRight" b="textAreaBottom"/>
@@ -20643,15 +22180,15 @@
         <p:spPr>
           <a:xfrm>
             <a:off x="2908800" y="4800600"/>
-            <a:ext cx="228240" cy="250560"/>
+            <a:ext cx="227520" cy="249840"/>
           </a:xfrm>
           <a:custGeom>
             <a:avLst/>
             <a:gdLst>
-              <a:gd name="textAreaLeft" fmla="*/ 0 w 228240"/>
-              <a:gd name="textAreaRight" fmla="*/ 228960 w 228240"/>
-              <a:gd name="textAreaTop" fmla="*/ 0 h 250560"/>
-              <a:gd name="textAreaBottom" fmla="*/ 251280 h 250560"/>
+              <a:gd name="textAreaLeft" fmla="*/ 0 w 227520"/>
+              <a:gd name="textAreaRight" fmla="*/ 228960 w 227520"/>
+              <a:gd name="textAreaTop" fmla="*/ 0 h 249840"/>
+              <a:gd name="textAreaBottom" fmla="*/ 251280 h 249840"/>
             </a:gdLst>
             <a:ahLst/>
             <a:rect l="textAreaLeft" t="textAreaTop" r="textAreaRight" b="textAreaBottom"/>
@@ -20724,15 +22261,15 @@
         <p:spPr>
           <a:xfrm>
             <a:off x="3124800" y="4800600"/>
-            <a:ext cx="228240" cy="250560"/>
+            <a:ext cx="227520" cy="249840"/>
           </a:xfrm>
           <a:custGeom>
             <a:avLst/>
             <a:gdLst>
-              <a:gd name="textAreaLeft" fmla="*/ 0 w 228240"/>
-              <a:gd name="textAreaRight" fmla="*/ 228960 w 228240"/>
-              <a:gd name="textAreaTop" fmla="*/ 0 h 250560"/>
-              <a:gd name="textAreaBottom" fmla="*/ 251280 h 250560"/>
+              <a:gd name="textAreaLeft" fmla="*/ 0 w 227520"/>
+              <a:gd name="textAreaRight" fmla="*/ 228960 w 227520"/>
+              <a:gd name="textAreaTop" fmla="*/ 0 h 249840"/>
+              <a:gd name="textAreaBottom" fmla="*/ 251280 h 249840"/>
             </a:gdLst>
             <a:ahLst/>
             <a:rect l="textAreaLeft" t="textAreaTop" r="textAreaRight" b="textAreaBottom"/>
@@ -20805,15 +22342,15 @@
         <p:spPr>
           <a:xfrm>
             <a:off x="3340800" y="4800600"/>
-            <a:ext cx="228240" cy="250560"/>
+            <a:ext cx="227520" cy="249840"/>
           </a:xfrm>
           <a:custGeom>
             <a:avLst/>
             <a:gdLst>
-              <a:gd name="textAreaLeft" fmla="*/ 0 w 228240"/>
-              <a:gd name="textAreaRight" fmla="*/ 228960 w 228240"/>
-              <a:gd name="textAreaTop" fmla="*/ 0 h 250560"/>
-              <a:gd name="textAreaBottom" fmla="*/ 251280 h 250560"/>
+              <a:gd name="textAreaLeft" fmla="*/ 0 w 227520"/>
+              <a:gd name="textAreaRight" fmla="*/ 228960 w 227520"/>
+              <a:gd name="textAreaTop" fmla="*/ 0 h 249840"/>
+              <a:gd name="textAreaBottom" fmla="*/ 251280 h 249840"/>
             </a:gdLst>
             <a:ahLst/>
             <a:rect l="textAreaLeft" t="textAreaTop" r="textAreaRight" b="textAreaBottom"/>
@@ -20886,15 +22423,15 @@
         <p:spPr>
           <a:xfrm>
             <a:off x="3556800" y="4800600"/>
-            <a:ext cx="228240" cy="250560"/>
+            <a:ext cx="227520" cy="249840"/>
           </a:xfrm>
           <a:custGeom>
             <a:avLst/>
             <a:gdLst>
-              <a:gd name="textAreaLeft" fmla="*/ 0 w 228240"/>
-              <a:gd name="textAreaRight" fmla="*/ 228960 w 228240"/>
-              <a:gd name="textAreaTop" fmla="*/ 0 h 250560"/>
-              <a:gd name="textAreaBottom" fmla="*/ 251280 h 250560"/>
+              <a:gd name="textAreaLeft" fmla="*/ 0 w 227520"/>
+              <a:gd name="textAreaRight" fmla="*/ 228960 w 227520"/>
+              <a:gd name="textAreaTop" fmla="*/ 0 h 249840"/>
+              <a:gd name="textAreaBottom" fmla="*/ 251280 h 249840"/>
             </a:gdLst>
             <a:ahLst/>
             <a:rect l="textAreaLeft" t="textAreaTop" r="textAreaRight" b="textAreaBottom"/>
@@ -20967,15 +22504,15 @@
         <p:spPr>
           <a:xfrm>
             <a:off x="3772800" y="4800600"/>
-            <a:ext cx="228240" cy="250560"/>
+            <a:ext cx="227520" cy="249840"/>
           </a:xfrm>
           <a:custGeom>
             <a:avLst/>
             <a:gdLst>
-              <a:gd name="textAreaLeft" fmla="*/ 0 w 228240"/>
-              <a:gd name="textAreaRight" fmla="*/ 228960 w 228240"/>
-              <a:gd name="textAreaTop" fmla="*/ 0 h 250560"/>
-              <a:gd name="textAreaBottom" fmla="*/ 251280 h 250560"/>
+              <a:gd name="textAreaLeft" fmla="*/ 0 w 227520"/>
+              <a:gd name="textAreaRight" fmla="*/ 228960 w 227520"/>
+              <a:gd name="textAreaTop" fmla="*/ 0 h 249840"/>
+              <a:gd name="textAreaBottom" fmla="*/ 251280 h 249840"/>
             </a:gdLst>
             <a:ahLst/>
             <a:rect l="textAreaLeft" t="textAreaTop" r="textAreaRight" b="textAreaBottom"/>
@@ -21048,15 +22585,15 @@
         <p:spPr>
           <a:xfrm>
             <a:off x="3988800" y="4800600"/>
-            <a:ext cx="228240" cy="250560"/>
+            <a:ext cx="227520" cy="249840"/>
           </a:xfrm>
           <a:custGeom>
             <a:avLst/>
             <a:gdLst>
-              <a:gd name="textAreaLeft" fmla="*/ 0 w 228240"/>
-              <a:gd name="textAreaRight" fmla="*/ 228960 w 228240"/>
-              <a:gd name="textAreaTop" fmla="*/ 0 h 250560"/>
-              <a:gd name="textAreaBottom" fmla="*/ 251280 h 250560"/>
+              <a:gd name="textAreaLeft" fmla="*/ 0 w 227520"/>
+              <a:gd name="textAreaRight" fmla="*/ 228960 w 227520"/>
+              <a:gd name="textAreaTop" fmla="*/ 0 h 249840"/>
+              <a:gd name="textAreaBottom" fmla="*/ 251280 h 249840"/>
             </a:gdLst>
             <a:ahLst/>
             <a:rect l="textAreaLeft" t="textAreaTop" r="textAreaRight" b="textAreaBottom"/>
@@ -21129,15 +22666,15 @@
         <p:spPr>
           <a:xfrm>
             <a:off x="4204800" y="4800600"/>
-            <a:ext cx="228240" cy="250560"/>
+            <a:ext cx="227520" cy="249840"/>
           </a:xfrm>
           <a:custGeom>
             <a:avLst/>
             <a:gdLst>
-              <a:gd name="textAreaLeft" fmla="*/ 0 w 228240"/>
-              <a:gd name="textAreaRight" fmla="*/ 228960 w 228240"/>
-              <a:gd name="textAreaTop" fmla="*/ 0 h 250560"/>
-              <a:gd name="textAreaBottom" fmla="*/ 251280 h 250560"/>
+              <a:gd name="textAreaLeft" fmla="*/ 0 w 227520"/>
+              <a:gd name="textAreaRight" fmla="*/ 228960 w 227520"/>
+              <a:gd name="textAreaTop" fmla="*/ 0 h 249840"/>
+              <a:gd name="textAreaBottom" fmla="*/ 251280 h 249840"/>
             </a:gdLst>
             <a:ahLst/>
             <a:rect l="textAreaLeft" t="textAreaTop" r="textAreaRight" b="textAreaBottom"/>
@@ -21210,15 +22747,15 @@
         <p:spPr>
           <a:xfrm>
             <a:off x="4420800" y="4800600"/>
-            <a:ext cx="228240" cy="250560"/>
+            <a:ext cx="227520" cy="249840"/>
           </a:xfrm>
           <a:custGeom>
             <a:avLst/>
             <a:gdLst>
-              <a:gd name="textAreaLeft" fmla="*/ 0 w 228240"/>
-              <a:gd name="textAreaRight" fmla="*/ 228960 w 228240"/>
-              <a:gd name="textAreaTop" fmla="*/ 0 h 250560"/>
-              <a:gd name="textAreaBottom" fmla="*/ 251280 h 250560"/>
+              <a:gd name="textAreaLeft" fmla="*/ 0 w 227520"/>
+              <a:gd name="textAreaRight" fmla="*/ 228960 w 227520"/>
+              <a:gd name="textAreaTop" fmla="*/ 0 h 249840"/>
+              <a:gd name="textAreaBottom" fmla="*/ 251280 h 249840"/>
             </a:gdLst>
             <a:ahLst/>
             <a:rect l="textAreaLeft" t="textAreaTop" r="textAreaRight" b="textAreaBottom"/>
@@ -21291,15 +22828,15 @@
         <p:spPr>
           <a:xfrm>
             <a:off x="4636800" y="4800600"/>
-            <a:ext cx="228240" cy="250560"/>
+            <a:ext cx="227520" cy="249840"/>
           </a:xfrm>
           <a:custGeom>
             <a:avLst/>
             <a:gdLst>
-              <a:gd name="textAreaLeft" fmla="*/ 0 w 228240"/>
-              <a:gd name="textAreaRight" fmla="*/ 228960 w 228240"/>
-              <a:gd name="textAreaTop" fmla="*/ 0 h 250560"/>
-              <a:gd name="textAreaBottom" fmla="*/ 251280 h 250560"/>
+              <a:gd name="textAreaLeft" fmla="*/ 0 w 227520"/>
+              <a:gd name="textAreaRight" fmla="*/ 228960 w 227520"/>
+              <a:gd name="textAreaTop" fmla="*/ 0 h 249840"/>
+              <a:gd name="textAreaBottom" fmla="*/ 251280 h 249840"/>
             </a:gdLst>
             <a:ahLst/>
             <a:rect l="textAreaLeft" t="textAreaTop" r="textAreaRight" b="textAreaBottom"/>
@@ -21406,7 +22943,7 @@
         <p:spPr>
           <a:xfrm>
             <a:off x="1143360" y="582840"/>
-            <a:ext cx="7289640" cy="540000"/>
+            <a:ext cx="7288920" cy="539280"/>
           </a:xfrm>
           <a:prstGeom prst="rect">
             <a:avLst/>
@@ -21452,7 +22989,7 @@
             </a:r>
             <a:endParaRPr b="0" lang="en-US" sz="2800" spc="-1" strike="noStrike">
               <a:solidFill>
-                <a:srgbClr val="81d41a"/>
+                <a:srgbClr val="ffffff"/>
               </a:solidFill>
               <a:latin typeface="Arial"/>
             </a:endParaRPr>
@@ -21472,7 +23009,7 @@
         <p:spPr>
           <a:xfrm>
             <a:off x="1464120" y="1063080"/>
-            <a:ext cx="6968520" cy="3415320"/>
+            <a:ext cx="6967800" cy="3414600"/>
           </a:xfrm>
           <a:prstGeom prst="rect">
             <a:avLst/>
@@ -21770,7 +23307,7 @@
         <p:spPr>
           <a:xfrm>
             <a:off x="710280" y="4694760"/>
-            <a:ext cx="4863960" cy="356400"/>
+            <a:ext cx="4863240" cy="355680"/>
           </a:xfrm>
           <a:prstGeom prst="rect">
             <a:avLst/>
@@ -21826,7 +23363,7 @@
         <p:spPr>
           <a:xfrm>
             <a:off x="-6120" y="91440"/>
-            <a:ext cx="4570920" cy="356400"/>
+            <a:ext cx="4570200" cy="355680"/>
           </a:xfrm>
           <a:prstGeom prst="rect">
             <a:avLst/>
@@ -21882,7 +23419,7 @@
         <p:spPr>
           <a:xfrm>
             <a:off x="4572000" y="91440"/>
-            <a:ext cx="4570920" cy="356400"/>
+            <a:ext cx="4570200" cy="355680"/>
           </a:xfrm>
           <a:prstGeom prst="rect">
             <a:avLst/>
@@ -21934,15 +23471,15 @@
         <p:spPr>
           <a:xfrm>
             <a:off x="1828800" y="4800600"/>
-            <a:ext cx="228240" cy="250560"/>
+            <a:ext cx="227520" cy="249840"/>
           </a:xfrm>
           <a:custGeom>
             <a:avLst/>
             <a:gdLst>
-              <a:gd name="textAreaLeft" fmla="*/ 0 w 228240"/>
-              <a:gd name="textAreaRight" fmla="*/ 228960 w 228240"/>
-              <a:gd name="textAreaTop" fmla="*/ 0 h 250560"/>
-              <a:gd name="textAreaBottom" fmla="*/ 251280 h 250560"/>
+              <a:gd name="textAreaLeft" fmla="*/ 0 w 227520"/>
+              <a:gd name="textAreaRight" fmla="*/ 228960 w 227520"/>
+              <a:gd name="textAreaTop" fmla="*/ 0 h 249840"/>
+              <a:gd name="textAreaBottom" fmla="*/ 251280 h 249840"/>
             </a:gdLst>
             <a:ahLst/>
             <a:rect l="textAreaLeft" t="textAreaTop" r="textAreaRight" b="textAreaBottom"/>
@@ -22015,15 +23552,15 @@
         <p:spPr>
           <a:xfrm>
             <a:off x="2044800" y="4800600"/>
-            <a:ext cx="228240" cy="250560"/>
+            <a:ext cx="227520" cy="249840"/>
           </a:xfrm>
           <a:custGeom>
             <a:avLst/>
             <a:gdLst>
-              <a:gd name="textAreaLeft" fmla="*/ 0 w 228240"/>
-              <a:gd name="textAreaRight" fmla="*/ 228960 w 228240"/>
-              <a:gd name="textAreaTop" fmla="*/ 0 h 250560"/>
-              <a:gd name="textAreaBottom" fmla="*/ 251280 h 250560"/>
+              <a:gd name="textAreaLeft" fmla="*/ 0 w 227520"/>
+              <a:gd name="textAreaRight" fmla="*/ 228960 w 227520"/>
+              <a:gd name="textAreaTop" fmla="*/ 0 h 249840"/>
+              <a:gd name="textAreaBottom" fmla="*/ 251280 h 249840"/>
             </a:gdLst>
             <a:ahLst/>
             <a:rect l="textAreaLeft" t="textAreaTop" r="textAreaRight" b="textAreaBottom"/>
@@ -22096,15 +23633,15 @@
         <p:spPr>
           <a:xfrm>
             <a:off x="2260800" y="4800600"/>
-            <a:ext cx="228240" cy="250560"/>
+            <a:ext cx="227520" cy="249840"/>
           </a:xfrm>
           <a:custGeom>
             <a:avLst/>
             <a:gdLst>
-              <a:gd name="textAreaLeft" fmla="*/ 0 w 228240"/>
-              <a:gd name="textAreaRight" fmla="*/ 228960 w 228240"/>
-              <a:gd name="textAreaTop" fmla="*/ 0 h 250560"/>
-              <a:gd name="textAreaBottom" fmla="*/ 251280 h 250560"/>
+              <a:gd name="textAreaLeft" fmla="*/ 0 w 227520"/>
+              <a:gd name="textAreaRight" fmla="*/ 228960 w 227520"/>
+              <a:gd name="textAreaTop" fmla="*/ 0 h 249840"/>
+              <a:gd name="textAreaBottom" fmla="*/ 251280 h 249840"/>
             </a:gdLst>
             <a:ahLst/>
             <a:rect l="textAreaLeft" t="textAreaTop" r="textAreaRight" b="textAreaBottom"/>
@@ -22177,15 +23714,15 @@
         <p:spPr>
           <a:xfrm>
             <a:off x="2476800" y="4800600"/>
-            <a:ext cx="228240" cy="250560"/>
+            <a:ext cx="227520" cy="249840"/>
           </a:xfrm>
           <a:custGeom>
             <a:avLst/>
             <a:gdLst>
-              <a:gd name="textAreaLeft" fmla="*/ 0 w 228240"/>
-              <a:gd name="textAreaRight" fmla="*/ 228960 w 228240"/>
-              <a:gd name="textAreaTop" fmla="*/ 0 h 250560"/>
-              <a:gd name="textAreaBottom" fmla="*/ 251280 h 250560"/>
+              <a:gd name="textAreaLeft" fmla="*/ 0 w 227520"/>
+              <a:gd name="textAreaRight" fmla="*/ 228960 w 227520"/>
+              <a:gd name="textAreaTop" fmla="*/ 0 h 249840"/>
+              <a:gd name="textAreaBottom" fmla="*/ 251280 h 249840"/>
             </a:gdLst>
             <a:ahLst/>
             <a:rect l="textAreaLeft" t="textAreaTop" r="textAreaRight" b="textAreaBottom"/>
@@ -22258,15 +23795,15 @@
         <p:spPr>
           <a:xfrm>
             <a:off x="2692800" y="4800600"/>
-            <a:ext cx="228240" cy="250560"/>
+            <a:ext cx="227520" cy="249840"/>
           </a:xfrm>
           <a:custGeom>
             <a:avLst/>
             <a:gdLst>
-              <a:gd name="textAreaLeft" fmla="*/ 0 w 228240"/>
-              <a:gd name="textAreaRight" fmla="*/ 228960 w 228240"/>
-              <a:gd name="textAreaTop" fmla="*/ 0 h 250560"/>
-              <a:gd name="textAreaBottom" fmla="*/ 251280 h 250560"/>
+              <a:gd name="textAreaLeft" fmla="*/ 0 w 227520"/>
+              <a:gd name="textAreaRight" fmla="*/ 228960 w 227520"/>
+              <a:gd name="textAreaTop" fmla="*/ 0 h 249840"/>
+              <a:gd name="textAreaBottom" fmla="*/ 251280 h 249840"/>
             </a:gdLst>
             <a:ahLst/>
             <a:rect l="textAreaLeft" t="textAreaTop" r="textAreaRight" b="textAreaBottom"/>
@@ -22339,15 +23876,15 @@
         <p:spPr>
           <a:xfrm>
             <a:off x="2908800" y="4800600"/>
-            <a:ext cx="228240" cy="250560"/>
+            <a:ext cx="227520" cy="249840"/>
           </a:xfrm>
           <a:custGeom>
             <a:avLst/>
             <a:gdLst>
-              <a:gd name="textAreaLeft" fmla="*/ 0 w 228240"/>
-              <a:gd name="textAreaRight" fmla="*/ 228960 w 228240"/>
-              <a:gd name="textAreaTop" fmla="*/ 0 h 250560"/>
-              <a:gd name="textAreaBottom" fmla="*/ 251280 h 250560"/>
+              <a:gd name="textAreaLeft" fmla="*/ 0 w 227520"/>
+              <a:gd name="textAreaRight" fmla="*/ 228960 w 227520"/>
+              <a:gd name="textAreaTop" fmla="*/ 0 h 249840"/>
+              <a:gd name="textAreaBottom" fmla="*/ 251280 h 249840"/>
             </a:gdLst>
             <a:ahLst/>
             <a:rect l="textAreaLeft" t="textAreaTop" r="textAreaRight" b="textAreaBottom"/>
@@ -22420,15 +23957,15 @@
         <p:spPr>
           <a:xfrm>
             <a:off x="3124800" y="4800600"/>
-            <a:ext cx="228240" cy="250560"/>
+            <a:ext cx="227520" cy="249840"/>
           </a:xfrm>
           <a:custGeom>
             <a:avLst/>
             <a:gdLst>
-              <a:gd name="textAreaLeft" fmla="*/ 0 w 228240"/>
-              <a:gd name="textAreaRight" fmla="*/ 228960 w 228240"/>
-              <a:gd name="textAreaTop" fmla="*/ 0 h 250560"/>
-              <a:gd name="textAreaBottom" fmla="*/ 251280 h 250560"/>
+              <a:gd name="textAreaLeft" fmla="*/ 0 w 227520"/>
+              <a:gd name="textAreaRight" fmla="*/ 228960 w 227520"/>
+              <a:gd name="textAreaTop" fmla="*/ 0 h 249840"/>
+              <a:gd name="textAreaBottom" fmla="*/ 251280 h 249840"/>
             </a:gdLst>
             <a:ahLst/>
             <a:rect l="textAreaLeft" t="textAreaTop" r="textAreaRight" b="textAreaBottom"/>
@@ -22501,15 +24038,15 @@
         <p:spPr>
           <a:xfrm>
             <a:off x="3340800" y="4800600"/>
-            <a:ext cx="228240" cy="250560"/>
+            <a:ext cx="227520" cy="249840"/>
           </a:xfrm>
           <a:custGeom>
             <a:avLst/>
             <a:gdLst>
-              <a:gd name="textAreaLeft" fmla="*/ 0 w 228240"/>
-              <a:gd name="textAreaRight" fmla="*/ 228960 w 228240"/>
-              <a:gd name="textAreaTop" fmla="*/ 0 h 250560"/>
-              <a:gd name="textAreaBottom" fmla="*/ 251280 h 250560"/>
+              <a:gd name="textAreaLeft" fmla="*/ 0 w 227520"/>
+              <a:gd name="textAreaRight" fmla="*/ 228960 w 227520"/>
+              <a:gd name="textAreaTop" fmla="*/ 0 h 249840"/>
+              <a:gd name="textAreaBottom" fmla="*/ 251280 h 249840"/>
             </a:gdLst>
             <a:ahLst/>
             <a:rect l="textAreaLeft" t="textAreaTop" r="textAreaRight" b="textAreaBottom"/>
@@ -22582,15 +24119,15 @@
         <p:spPr>
           <a:xfrm>
             <a:off x="3556800" y="4800600"/>
-            <a:ext cx="228240" cy="250560"/>
+            <a:ext cx="227520" cy="249840"/>
           </a:xfrm>
           <a:custGeom>
             <a:avLst/>
             <a:gdLst>
-              <a:gd name="textAreaLeft" fmla="*/ 0 w 228240"/>
-              <a:gd name="textAreaRight" fmla="*/ 228960 w 228240"/>
-              <a:gd name="textAreaTop" fmla="*/ 0 h 250560"/>
-              <a:gd name="textAreaBottom" fmla="*/ 251280 h 250560"/>
+              <a:gd name="textAreaLeft" fmla="*/ 0 w 227520"/>
+              <a:gd name="textAreaRight" fmla="*/ 228960 w 227520"/>
+              <a:gd name="textAreaTop" fmla="*/ 0 h 249840"/>
+              <a:gd name="textAreaBottom" fmla="*/ 251280 h 249840"/>
             </a:gdLst>
             <a:ahLst/>
             <a:rect l="textAreaLeft" t="textAreaTop" r="textAreaRight" b="textAreaBottom"/>
@@ -22663,15 +24200,15 @@
         <p:spPr>
           <a:xfrm>
             <a:off x="3772800" y="4800600"/>
-            <a:ext cx="228240" cy="250560"/>
+            <a:ext cx="227520" cy="249840"/>
           </a:xfrm>
           <a:custGeom>
             <a:avLst/>
             <a:gdLst>
-              <a:gd name="textAreaLeft" fmla="*/ 0 w 228240"/>
-              <a:gd name="textAreaRight" fmla="*/ 228960 w 228240"/>
-              <a:gd name="textAreaTop" fmla="*/ 0 h 250560"/>
-              <a:gd name="textAreaBottom" fmla="*/ 251280 h 250560"/>
+              <a:gd name="textAreaLeft" fmla="*/ 0 w 227520"/>
+              <a:gd name="textAreaRight" fmla="*/ 228960 w 227520"/>
+              <a:gd name="textAreaTop" fmla="*/ 0 h 249840"/>
+              <a:gd name="textAreaBottom" fmla="*/ 251280 h 249840"/>
             </a:gdLst>
             <a:ahLst/>
             <a:rect l="textAreaLeft" t="textAreaTop" r="textAreaRight" b="textAreaBottom"/>
@@ -22744,15 +24281,15 @@
         <p:spPr>
           <a:xfrm>
             <a:off x="3988800" y="4800600"/>
-            <a:ext cx="228240" cy="250560"/>
+            <a:ext cx="227520" cy="249840"/>
           </a:xfrm>
           <a:custGeom>
             <a:avLst/>
             <a:gdLst>
-              <a:gd name="textAreaLeft" fmla="*/ 0 w 228240"/>
-              <a:gd name="textAreaRight" fmla="*/ 228960 w 228240"/>
-              <a:gd name="textAreaTop" fmla="*/ 0 h 250560"/>
-              <a:gd name="textAreaBottom" fmla="*/ 251280 h 250560"/>
+              <a:gd name="textAreaLeft" fmla="*/ 0 w 227520"/>
+              <a:gd name="textAreaRight" fmla="*/ 228960 w 227520"/>
+              <a:gd name="textAreaTop" fmla="*/ 0 h 249840"/>
+              <a:gd name="textAreaBottom" fmla="*/ 251280 h 249840"/>
             </a:gdLst>
             <a:ahLst/>
             <a:rect l="textAreaLeft" t="textAreaTop" r="textAreaRight" b="textAreaBottom"/>
@@ -22825,15 +24362,15 @@
         <p:spPr>
           <a:xfrm>
             <a:off x="4204800" y="4800600"/>
-            <a:ext cx="228240" cy="250560"/>
+            <a:ext cx="227520" cy="249840"/>
           </a:xfrm>
           <a:custGeom>
             <a:avLst/>
             <a:gdLst>
-              <a:gd name="textAreaLeft" fmla="*/ 0 w 228240"/>
-              <a:gd name="textAreaRight" fmla="*/ 228960 w 228240"/>
-              <a:gd name="textAreaTop" fmla="*/ 0 h 250560"/>
-              <a:gd name="textAreaBottom" fmla="*/ 251280 h 250560"/>
+              <a:gd name="textAreaLeft" fmla="*/ 0 w 227520"/>
+              <a:gd name="textAreaRight" fmla="*/ 228960 w 227520"/>
+              <a:gd name="textAreaTop" fmla="*/ 0 h 249840"/>
+              <a:gd name="textAreaBottom" fmla="*/ 251280 h 249840"/>
             </a:gdLst>
             <a:ahLst/>
             <a:rect l="textAreaLeft" t="textAreaTop" r="textAreaRight" b="textAreaBottom"/>
@@ -22906,15 +24443,15 @@
         <p:spPr>
           <a:xfrm>
             <a:off x="4420800" y="4800600"/>
-            <a:ext cx="228240" cy="250560"/>
+            <a:ext cx="227520" cy="249840"/>
           </a:xfrm>
           <a:custGeom>
             <a:avLst/>
             <a:gdLst>
-              <a:gd name="textAreaLeft" fmla="*/ 0 w 228240"/>
-              <a:gd name="textAreaRight" fmla="*/ 228960 w 228240"/>
-              <a:gd name="textAreaTop" fmla="*/ 0 h 250560"/>
-              <a:gd name="textAreaBottom" fmla="*/ 251280 h 250560"/>
+              <a:gd name="textAreaLeft" fmla="*/ 0 w 227520"/>
+              <a:gd name="textAreaRight" fmla="*/ 228960 w 227520"/>
+              <a:gd name="textAreaTop" fmla="*/ 0 h 249840"/>
+              <a:gd name="textAreaBottom" fmla="*/ 251280 h 249840"/>
             </a:gdLst>
             <a:ahLst/>
             <a:rect l="textAreaLeft" t="textAreaTop" r="textAreaRight" b="textAreaBottom"/>
@@ -22987,15 +24524,15 @@
         <p:spPr>
           <a:xfrm>
             <a:off x="4636800" y="4800600"/>
-            <a:ext cx="228240" cy="250560"/>
+            <a:ext cx="227520" cy="249840"/>
           </a:xfrm>
           <a:custGeom>
             <a:avLst/>
             <a:gdLst>
-              <a:gd name="textAreaLeft" fmla="*/ 0 w 228240"/>
-              <a:gd name="textAreaRight" fmla="*/ 228960 w 228240"/>
-              <a:gd name="textAreaTop" fmla="*/ 0 h 250560"/>
-              <a:gd name="textAreaBottom" fmla="*/ 251280 h 250560"/>
+              <a:gd name="textAreaLeft" fmla="*/ 0 w 227520"/>
+              <a:gd name="textAreaRight" fmla="*/ 228960 w 227520"/>
+              <a:gd name="textAreaTop" fmla="*/ 0 h 249840"/>
+              <a:gd name="textAreaBottom" fmla="*/ 251280 h 249840"/>
             </a:gdLst>
             <a:ahLst/>
             <a:rect l="textAreaLeft" t="textAreaTop" r="textAreaRight" b="textAreaBottom"/>
@@ -23102,7 +24639,7 @@
         <p:spPr>
           <a:xfrm>
             <a:off x="1143360" y="582840"/>
-            <a:ext cx="7289640" cy="540000"/>
+            <a:ext cx="7288920" cy="539280"/>
           </a:xfrm>
           <a:prstGeom prst="rect">
             <a:avLst/>
@@ -23148,7 +24685,7 @@
             </a:r>
             <a:endParaRPr b="0" lang="en-US" sz="2800" spc="-1" strike="noStrike">
               <a:solidFill>
-                <a:srgbClr val="81d41a"/>
+                <a:srgbClr val="ffffff"/>
               </a:solidFill>
               <a:latin typeface="Arial"/>
             </a:endParaRPr>
@@ -23168,7 +24705,7 @@
         <p:spPr>
           <a:xfrm>
             <a:off x="1464120" y="1063080"/>
-            <a:ext cx="6968520" cy="3415320"/>
+            <a:ext cx="6967800" cy="3414600"/>
           </a:xfrm>
           <a:prstGeom prst="rect">
             <a:avLst/>
@@ -23826,7 +25363,7 @@
         <p:spPr>
           <a:xfrm>
             <a:off x="710280" y="4694760"/>
-            <a:ext cx="4863960" cy="356400"/>
+            <a:ext cx="4863240" cy="355680"/>
           </a:xfrm>
           <a:prstGeom prst="rect">
             <a:avLst/>
@@ -23882,7 +25419,7 @@
         <p:spPr>
           <a:xfrm>
             <a:off x="-6120" y="91440"/>
-            <a:ext cx="4570920" cy="356400"/>
+            <a:ext cx="4570200" cy="355680"/>
           </a:xfrm>
           <a:prstGeom prst="rect">
             <a:avLst/>
@@ -23938,7 +25475,7 @@
         <p:spPr>
           <a:xfrm>
             <a:off x="4572000" y="91440"/>
-            <a:ext cx="4570920" cy="356400"/>
+            <a:ext cx="4570200" cy="355680"/>
           </a:xfrm>
           <a:prstGeom prst="rect">
             <a:avLst/>
@@ -23990,15 +25527,15 @@
         <p:spPr>
           <a:xfrm>
             <a:off x="1828800" y="4800600"/>
-            <a:ext cx="228240" cy="250560"/>
+            <a:ext cx="227520" cy="249840"/>
           </a:xfrm>
           <a:custGeom>
             <a:avLst/>
             <a:gdLst>
-              <a:gd name="textAreaLeft" fmla="*/ 0 w 228240"/>
-              <a:gd name="textAreaRight" fmla="*/ 228960 w 228240"/>
-              <a:gd name="textAreaTop" fmla="*/ 0 h 250560"/>
-              <a:gd name="textAreaBottom" fmla="*/ 251280 h 250560"/>
+              <a:gd name="textAreaLeft" fmla="*/ 0 w 227520"/>
+              <a:gd name="textAreaRight" fmla="*/ 228960 w 227520"/>
+              <a:gd name="textAreaTop" fmla="*/ 0 h 249840"/>
+              <a:gd name="textAreaBottom" fmla="*/ 251280 h 249840"/>
             </a:gdLst>
             <a:ahLst/>
             <a:rect l="textAreaLeft" t="textAreaTop" r="textAreaRight" b="textAreaBottom"/>
@@ -24071,15 +25608,15 @@
         <p:spPr>
           <a:xfrm>
             <a:off x="2044800" y="4800600"/>
-            <a:ext cx="228240" cy="250560"/>
+            <a:ext cx="227520" cy="249840"/>
           </a:xfrm>
           <a:custGeom>
             <a:avLst/>
             <a:gdLst>
-              <a:gd name="textAreaLeft" fmla="*/ 0 w 228240"/>
-              <a:gd name="textAreaRight" fmla="*/ 228960 w 228240"/>
-              <a:gd name="textAreaTop" fmla="*/ 0 h 250560"/>
-              <a:gd name="textAreaBottom" fmla="*/ 251280 h 250560"/>
+              <a:gd name="textAreaLeft" fmla="*/ 0 w 227520"/>
+              <a:gd name="textAreaRight" fmla="*/ 228960 w 227520"/>
+              <a:gd name="textAreaTop" fmla="*/ 0 h 249840"/>
+              <a:gd name="textAreaBottom" fmla="*/ 251280 h 249840"/>
             </a:gdLst>
             <a:ahLst/>
             <a:rect l="textAreaLeft" t="textAreaTop" r="textAreaRight" b="textAreaBottom"/>
@@ -24152,15 +25689,15 @@
         <p:spPr>
           <a:xfrm>
             <a:off x="2260800" y="4800600"/>
-            <a:ext cx="228240" cy="250560"/>
+            <a:ext cx="227520" cy="249840"/>
           </a:xfrm>
           <a:custGeom>
             <a:avLst/>
             <a:gdLst>
-              <a:gd name="textAreaLeft" fmla="*/ 0 w 228240"/>
-              <a:gd name="textAreaRight" fmla="*/ 228960 w 228240"/>
-              <a:gd name="textAreaTop" fmla="*/ 0 h 250560"/>
-              <a:gd name="textAreaBottom" fmla="*/ 251280 h 250560"/>
+              <a:gd name="textAreaLeft" fmla="*/ 0 w 227520"/>
+              <a:gd name="textAreaRight" fmla="*/ 228960 w 227520"/>
+              <a:gd name="textAreaTop" fmla="*/ 0 h 249840"/>
+              <a:gd name="textAreaBottom" fmla="*/ 251280 h 249840"/>
             </a:gdLst>
             <a:ahLst/>
             <a:rect l="textAreaLeft" t="textAreaTop" r="textAreaRight" b="textAreaBottom"/>
@@ -24233,15 +25770,15 @@
         <p:spPr>
           <a:xfrm>
             <a:off x="2476800" y="4800600"/>
-            <a:ext cx="228240" cy="250560"/>
+            <a:ext cx="227520" cy="249840"/>
           </a:xfrm>
           <a:custGeom>
             <a:avLst/>
             <a:gdLst>
-              <a:gd name="textAreaLeft" fmla="*/ 0 w 228240"/>
-              <a:gd name="textAreaRight" fmla="*/ 228960 w 228240"/>
-              <a:gd name="textAreaTop" fmla="*/ 0 h 250560"/>
-              <a:gd name="textAreaBottom" fmla="*/ 251280 h 250560"/>
+              <a:gd name="textAreaLeft" fmla="*/ 0 w 227520"/>
+              <a:gd name="textAreaRight" fmla="*/ 228960 w 227520"/>
+              <a:gd name="textAreaTop" fmla="*/ 0 h 249840"/>
+              <a:gd name="textAreaBottom" fmla="*/ 251280 h 249840"/>
             </a:gdLst>
             <a:ahLst/>
             <a:rect l="textAreaLeft" t="textAreaTop" r="textAreaRight" b="textAreaBottom"/>
@@ -24314,15 +25851,15 @@
         <p:spPr>
           <a:xfrm>
             <a:off x="2692800" y="4800600"/>
-            <a:ext cx="228240" cy="250560"/>
+            <a:ext cx="227520" cy="249840"/>
           </a:xfrm>
           <a:custGeom>
             <a:avLst/>
             <a:gdLst>
-              <a:gd name="textAreaLeft" fmla="*/ 0 w 228240"/>
-              <a:gd name="textAreaRight" fmla="*/ 228960 w 228240"/>
-              <a:gd name="textAreaTop" fmla="*/ 0 h 250560"/>
-              <a:gd name="textAreaBottom" fmla="*/ 251280 h 250560"/>
+              <a:gd name="textAreaLeft" fmla="*/ 0 w 227520"/>
+              <a:gd name="textAreaRight" fmla="*/ 228960 w 227520"/>
+              <a:gd name="textAreaTop" fmla="*/ 0 h 249840"/>
+              <a:gd name="textAreaBottom" fmla="*/ 251280 h 249840"/>
             </a:gdLst>
             <a:ahLst/>
             <a:rect l="textAreaLeft" t="textAreaTop" r="textAreaRight" b="textAreaBottom"/>
@@ -24395,15 +25932,15 @@
         <p:spPr>
           <a:xfrm>
             <a:off x="2908800" y="4800600"/>
-            <a:ext cx="228240" cy="250560"/>
+            <a:ext cx="227520" cy="249840"/>
           </a:xfrm>
           <a:custGeom>
             <a:avLst/>
             <a:gdLst>
-              <a:gd name="textAreaLeft" fmla="*/ 0 w 228240"/>
-              <a:gd name="textAreaRight" fmla="*/ 228960 w 228240"/>
-              <a:gd name="textAreaTop" fmla="*/ 0 h 250560"/>
-              <a:gd name="textAreaBottom" fmla="*/ 251280 h 250560"/>
+              <a:gd name="textAreaLeft" fmla="*/ 0 w 227520"/>
+              <a:gd name="textAreaRight" fmla="*/ 228960 w 227520"/>
+              <a:gd name="textAreaTop" fmla="*/ 0 h 249840"/>
+              <a:gd name="textAreaBottom" fmla="*/ 251280 h 249840"/>
             </a:gdLst>
             <a:ahLst/>
             <a:rect l="textAreaLeft" t="textAreaTop" r="textAreaRight" b="textAreaBottom"/>
@@ -24476,15 +26013,15 @@
         <p:spPr>
           <a:xfrm>
             <a:off x="3124800" y="4800600"/>
-            <a:ext cx="228240" cy="250560"/>
+            <a:ext cx="227520" cy="249840"/>
           </a:xfrm>
           <a:custGeom>
             <a:avLst/>
             <a:gdLst>
-              <a:gd name="textAreaLeft" fmla="*/ 0 w 228240"/>
-              <a:gd name="textAreaRight" fmla="*/ 228960 w 228240"/>
-              <a:gd name="textAreaTop" fmla="*/ 0 h 250560"/>
-              <a:gd name="textAreaBottom" fmla="*/ 251280 h 250560"/>
+              <a:gd name="textAreaLeft" fmla="*/ 0 w 227520"/>
+              <a:gd name="textAreaRight" fmla="*/ 228960 w 227520"/>
+              <a:gd name="textAreaTop" fmla="*/ 0 h 249840"/>
+              <a:gd name="textAreaBottom" fmla="*/ 251280 h 249840"/>
             </a:gdLst>
             <a:ahLst/>
             <a:rect l="textAreaLeft" t="textAreaTop" r="textAreaRight" b="textAreaBottom"/>
@@ -24557,15 +26094,15 @@
         <p:spPr>
           <a:xfrm>
             <a:off x="3340800" y="4800600"/>
-            <a:ext cx="228240" cy="250560"/>
+            <a:ext cx="227520" cy="249840"/>
           </a:xfrm>
           <a:custGeom>
             <a:avLst/>
             <a:gdLst>
-              <a:gd name="textAreaLeft" fmla="*/ 0 w 228240"/>
-              <a:gd name="textAreaRight" fmla="*/ 228960 w 228240"/>
-              <a:gd name="textAreaTop" fmla="*/ 0 h 250560"/>
-              <a:gd name="textAreaBottom" fmla="*/ 251280 h 250560"/>
+              <a:gd name="textAreaLeft" fmla="*/ 0 w 227520"/>
+              <a:gd name="textAreaRight" fmla="*/ 228960 w 227520"/>
+              <a:gd name="textAreaTop" fmla="*/ 0 h 249840"/>
+              <a:gd name="textAreaBottom" fmla="*/ 251280 h 249840"/>
             </a:gdLst>
             <a:ahLst/>
             <a:rect l="textAreaLeft" t="textAreaTop" r="textAreaRight" b="textAreaBottom"/>
@@ -24638,15 +26175,15 @@
         <p:spPr>
           <a:xfrm>
             <a:off x="3556800" y="4800600"/>
-            <a:ext cx="228240" cy="250560"/>
+            <a:ext cx="227520" cy="249840"/>
           </a:xfrm>
           <a:custGeom>
             <a:avLst/>
             <a:gdLst>
-              <a:gd name="textAreaLeft" fmla="*/ 0 w 228240"/>
-              <a:gd name="textAreaRight" fmla="*/ 228960 w 228240"/>
-              <a:gd name="textAreaTop" fmla="*/ 0 h 250560"/>
-              <a:gd name="textAreaBottom" fmla="*/ 251280 h 250560"/>
+              <a:gd name="textAreaLeft" fmla="*/ 0 w 227520"/>
+              <a:gd name="textAreaRight" fmla="*/ 228960 w 227520"/>
+              <a:gd name="textAreaTop" fmla="*/ 0 h 249840"/>
+              <a:gd name="textAreaBottom" fmla="*/ 251280 h 249840"/>
             </a:gdLst>
             <a:ahLst/>
             <a:rect l="textAreaLeft" t="textAreaTop" r="textAreaRight" b="textAreaBottom"/>
@@ -24719,15 +26256,15 @@
         <p:spPr>
           <a:xfrm>
             <a:off x="3772800" y="4800600"/>
-            <a:ext cx="228240" cy="250560"/>
+            <a:ext cx="227520" cy="249840"/>
           </a:xfrm>
           <a:custGeom>
             <a:avLst/>
             <a:gdLst>
-              <a:gd name="textAreaLeft" fmla="*/ 0 w 228240"/>
-              <a:gd name="textAreaRight" fmla="*/ 228960 w 228240"/>
-              <a:gd name="textAreaTop" fmla="*/ 0 h 250560"/>
-              <a:gd name="textAreaBottom" fmla="*/ 251280 h 250560"/>
+              <a:gd name="textAreaLeft" fmla="*/ 0 w 227520"/>
+              <a:gd name="textAreaRight" fmla="*/ 228960 w 227520"/>
+              <a:gd name="textAreaTop" fmla="*/ 0 h 249840"/>
+              <a:gd name="textAreaBottom" fmla="*/ 251280 h 249840"/>
             </a:gdLst>
             <a:ahLst/>
             <a:rect l="textAreaLeft" t="textAreaTop" r="textAreaRight" b="textAreaBottom"/>
@@ -24800,15 +26337,15 @@
         <p:spPr>
           <a:xfrm>
             <a:off x="3988800" y="4800600"/>
-            <a:ext cx="228240" cy="250560"/>
+            <a:ext cx="227520" cy="249840"/>
           </a:xfrm>
           <a:custGeom>
             <a:avLst/>
             <a:gdLst>
-              <a:gd name="textAreaLeft" fmla="*/ 0 w 228240"/>
-              <a:gd name="textAreaRight" fmla="*/ 228960 w 228240"/>
-              <a:gd name="textAreaTop" fmla="*/ 0 h 250560"/>
-              <a:gd name="textAreaBottom" fmla="*/ 251280 h 250560"/>
+              <a:gd name="textAreaLeft" fmla="*/ 0 w 227520"/>
+              <a:gd name="textAreaRight" fmla="*/ 228960 w 227520"/>
+              <a:gd name="textAreaTop" fmla="*/ 0 h 249840"/>
+              <a:gd name="textAreaBottom" fmla="*/ 251280 h 249840"/>
             </a:gdLst>
             <a:ahLst/>
             <a:rect l="textAreaLeft" t="textAreaTop" r="textAreaRight" b="textAreaBottom"/>
@@ -24881,15 +26418,15 @@
         <p:spPr>
           <a:xfrm>
             <a:off x="4204800" y="4800600"/>
-            <a:ext cx="228240" cy="250560"/>
+            <a:ext cx="227520" cy="249840"/>
           </a:xfrm>
           <a:custGeom>
             <a:avLst/>
             <a:gdLst>
-              <a:gd name="textAreaLeft" fmla="*/ 0 w 228240"/>
-              <a:gd name="textAreaRight" fmla="*/ 228960 w 228240"/>
-              <a:gd name="textAreaTop" fmla="*/ 0 h 250560"/>
-              <a:gd name="textAreaBottom" fmla="*/ 251280 h 250560"/>
+              <a:gd name="textAreaLeft" fmla="*/ 0 w 227520"/>
+              <a:gd name="textAreaRight" fmla="*/ 228960 w 227520"/>
+              <a:gd name="textAreaTop" fmla="*/ 0 h 249840"/>
+              <a:gd name="textAreaBottom" fmla="*/ 251280 h 249840"/>
             </a:gdLst>
             <a:ahLst/>
             <a:rect l="textAreaLeft" t="textAreaTop" r="textAreaRight" b="textAreaBottom"/>
@@ -24962,15 +26499,15 @@
         <p:spPr>
           <a:xfrm>
             <a:off x="4420800" y="4800600"/>
-            <a:ext cx="228240" cy="250560"/>
+            <a:ext cx="227520" cy="249840"/>
           </a:xfrm>
           <a:custGeom>
             <a:avLst/>
             <a:gdLst>
-              <a:gd name="textAreaLeft" fmla="*/ 0 w 228240"/>
-              <a:gd name="textAreaRight" fmla="*/ 228960 w 228240"/>
-              <a:gd name="textAreaTop" fmla="*/ 0 h 250560"/>
-              <a:gd name="textAreaBottom" fmla="*/ 251280 h 250560"/>
+              <a:gd name="textAreaLeft" fmla="*/ 0 w 227520"/>
+              <a:gd name="textAreaRight" fmla="*/ 228960 w 227520"/>
+              <a:gd name="textAreaTop" fmla="*/ 0 h 249840"/>
+              <a:gd name="textAreaBottom" fmla="*/ 251280 h 249840"/>
             </a:gdLst>
             <a:ahLst/>
             <a:rect l="textAreaLeft" t="textAreaTop" r="textAreaRight" b="textAreaBottom"/>
@@ -25043,15 +26580,15 @@
         <p:spPr>
           <a:xfrm>
             <a:off x="4636800" y="4800600"/>
-            <a:ext cx="228240" cy="250560"/>
+            <a:ext cx="227520" cy="249840"/>
           </a:xfrm>
           <a:custGeom>
             <a:avLst/>
             <a:gdLst>
-              <a:gd name="textAreaLeft" fmla="*/ 0 w 228240"/>
-              <a:gd name="textAreaRight" fmla="*/ 228960 w 228240"/>
-              <a:gd name="textAreaTop" fmla="*/ 0 h 250560"/>
-              <a:gd name="textAreaBottom" fmla="*/ 251280 h 250560"/>
+              <a:gd name="textAreaLeft" fmla="*/ 0 w 227520"/>
+              <a:gd name="textAreaRight" fmla="*/ 228960 w 227520"/>
+              <a:gd name="textAreaTop" fmla="*/ 0 h 249840"/>
+              <a:gd name="textAreaBottom" fmla="*/ 251280 h 249840"/>
             </a:gdLst>
             <a:ahLst/>
             <a:rect l="textAreaLeft" t="textAreaTop" r="textAreaRight" b="textAreaBottom"/>
@@ -25158,7 +26695,7 @@
         <p:spPr>
           <a:xfrm>
             <a:off x="1143360" y="582840"/>
-            <a:ext cx="7289640" cy="540000"/>
+            <a:ext cx="7288920" cy="539280"/>
           </a:xfrm>
           <a:prstGeom prst="rect">
             <a:avLst/>
@@ -25204,7 +26741,7 @@
             </a:r>
             <a:endParaRPr b="0" lang="en-US" sz="2800" spc="-1" strike="noStrike">
               <a:solidFill>
-                <a:srgbClr val="81d41a"/>
+                <a:srgbClr val="ffffff"/>
               </a:solidFill>
               <a:latin typeface="Arial"/>
             </a:endParaRPr>
@@ -25224,7 +26761,7 @@
         <p:spPr>
           <a:xfrm>
             <a:off x="1464120" y="1063080"/>
-            <a:ext cx="6968520" cy="3415320"/>
+            <a:ext cx="6967800" cy="3414600"/>
           </a:xfrm>
           <a:prstGeom prst="rect">
             <a:avLst/>
@@ -25364,7 +26901,7 @@
         <p:spPr>
           <a:xfrm>
             <a:off x="710280" y="4694760"/>
-            <a:ext cx="4863960" cy="356400"/>
+            <a:ext cx="4863240" cy="355680"/>
           </a:xfrm>
           <a:prstGeom prst="rect">
             <a:avLst/>
@@ -25420,7 +26957,7 @@
         <p:spPr>
           <a:xfrm>
             <a:off x="-6120" y="91440"/>
-            <a:ext cx="4570920" cy="356400"/>
+            <a:ext cx="4570200" cy="355680"/>
           </a:xfrm>
           <a:prstGeom prst="rect">
             <a:avLst/>
@@ -25476,7 +27013,7 @@
         <p:spPr>
           <a:xfrm>
             <a:off x="4572000" y="91440"/>
-            <a:ext cx="4570920" cy="356400"/>
+            <a:ext cx="4570200" cy="355680"/>
           </a:xfrm>
           <a:prstGeom prst="rect">
             <a:avLst/>
@@ -25528,15 +27065,15 @@
         <p:spPr>
           <a:xfrm>
             <a:off x="1828800" y="4800600"/>
-            <a:ext cx="228240" cy="250560"/>
+            <a:ext cx="227520" cy="249840"/>
           </a:xfrm>
           <a:custGeom>
             <a:avLst/>
             <a:gdLst>
-              <a:gd name="textAreaLeft" fmla="*/ 0 w 228240"/>
-              <a:gd name="textAreaRight" fmla="*/ 228960 w 228240"/>
-              <a:gd name="textAreaTop" fmla="*/ 0 h 250560"/>
-              <a:gd name="textAreaBottom" fmla="*/ 251280 h 250560"/>
+              <a:gd name="textAreaLeft" fmla="*/ 0 w 227520"/>
+              <a:gd name="textAreaRight" fmla="*/ 228960 w 227520"/>
+              <a:gd name="textAreaTop" fmla="*/ 0 h 249840"/>
+              <a:gd name="textAreaBottom" fmla="*/ 251280 h 249840"/>
             </a:gdLst>
             <a:ahLst/>
             <a:rect l="textAreaLeft" t="textAreaTop" r="textAreaRight" b="textAreaBottom"/>
@@ -25609,15 +27146,15 @@
         <p:spPr>
           <a:xfrm>
             <a:off x="2044800" y="4800600"/>
-            <a:ext cx="228240" cy="250560"/>
+            <a:ext cx="227520" cy="249840"/>
           </a:xfrm>
           <a:custGeom>
             <a:avLst/>
             <a:gdLst>
-              <a:gd name="textAreaLeft" fmla="*/ 0 w 228240"/>
-              <a:gd name="textAreaRight" fmla="*/ 228960 w 228240"/>
-              <a:gd name="textAreaTop" fmla="*/ 0 h 250560"/>
-              <a:gd name="textAreaBottom" fmla="*/ 251280 h 250560"/>
+              <a:gd name="textAreaLeft" fmla="*/ 0 w 227520"/>
+              <a:gd name="textAreaRight" fmla="*/ 228960 w 227520"/>
+              <a:gd name="textAreaTop" fmla="*/ 0 h 249840"/>
+              <a:gd name="textAreaBottom" fmla="*/ 251280 h 249840"/>
             </a:gdLst>
             <a:ahLst/>
             <a:rect l="textAreaLeft" t="textAreaTop" r="textAreaRight" b="textAreaBottom"/>
@@ -25690,15 +27227,15 @@
         <p:spPr>
           <a:xfrm>
             <a:off x="2260800" y="4800600"/>
-            <a:ext cx="228240" cy="250560"/>
+            <a:ext cx="227520" cy="249840"/>
           </a:xfrm>
           <a:custGeom>
             <a:avLst/>
             <a:gdLst>
-              <a:gd name="textAreaLeft" fmla="*/ 0 w 228240"/>
-              <a:gd name="textAreaRight" fmla="*/ 228960 w 228240"/>
-              <a:gd name="textAreaTop" fmla="*/ 0 h 250560"/>
-              <a:gd name="textAreaBottom" fmla="*/ 251280 h 250560"/>
+              <a:gd name="textAreaLeft" fmla="*/ 0 w 227520"/>
+              <a:gd name="textAreaRight" fmla="*/ 228960 w 227520"/>
+              <a:gd name="textAreaTop" fmla="*/ 0 h 249840"/>
+              <a:gd name="textAreaBottom" fmla="*/ 251280 h 249840"/>
             </a:gdLst>
             <a:ahLst/>
             <a:rect l="textAreaLeft" t="textAreaTop" r="textAreaRight" b="textAreaBottom"/>
@@ -25771,15 +27308,15 @@
         <p:spPr>
           <a:xfrm>
             <a:off x="2476800" y="4800600"/>
-            <a:ext cx="228240" cy="250560"/>
+            <a:ext cx="227520" cy="249840"/>
           </a:xfrm>
           <a:custGeom>
             <a:avLst/>
             <a:gdLst>
-              <a:gd name="textAreaLeft" fmla="*/ 0 w 228240"/>
-              <a:gd name="textAreaRight" fmla="*/ 228960 w 228240"/>
-              <a:gd name="textAreaTop" fmla="*/ 0 h 250560"/>
-              <a:gd name="textAreaBottom" fmla="*/ 251280 h 250560"/>
+              <a:gd name="textAreaLeft" fmla="*/ 0 w 227520"/>
+              <a:gd name="textAreaRight" fmla="*/ 228960 w 227520"/>
+              <a:gd name="textAreaTop" fmla="*/ 0 h 249840"/>
+              <a:gd name="textAreaBottom" fmla="*/ 251280 h 249840"/>
             </a:gdLst>
             <a:ahLst/>
             <a:rect l="textAreaLeft" t="textAreaTop" r="textAreaRight" b="textAreaBottom"/>
@@ -25852,15 +27389,15 @@
         <p:spPr>
           <a:xfrm>
             <a:off x="2692800" y="4800600"/>
-            <a:ext cx="228240" cy="250560"/>
+            <a:ext cx="227520" cy="249840"/>
           </a:xfrm>
           <a:custGeom>
             <a:avLst/>
             <a:gdLst>
-              <a:gd name="textAreaLeft" fmla="*/ 0 w 228240"/>
-              <a:gd name="textAreaRight" fmla="*/ 228960 w 228240"/>
-              <a:gd name="textAreaTop" fmla="*/ 0 h 250560"/>
-              <a:gd name="textAreaBottom" fmla="*/ 251280 h 250560"/>
+              <a:gd name="textAreaLeft" fmla="*/ 0 w 227520"/>
+              <a:gd name="textAreaRight" fmla="*/ 228960 w 227520"/>
+              <a:gd name="textAreaTop" fmla="*/ 0 h 249840"/>
+              <a:gd name="textAreaBottom" fmla="*/ 251280 h 249840"/>
             </a:gdLst>
             <a:ahLst/>
             <a:rect l="textAreaLeft" t="textAreaTop" r="textAreaRight" b="textAreaBottom"/>
@@ -25933,15 +27470,15 @@
         <p:spPr>
           <a:xfrm>
             <a:off x="2908800" y="4800600"/>
-            <a:ext cx="228240" cy="250560"/>
+            <a:ext cx="227520" cy="249840"/>
           </a:xfrm>
           <a:custGeom>
             <a:avLst/>
             <a:gdLst>
-              <a:gd name="textAreaLeft" fmla="*/ 0 w 228240"/>
-              <a:gd name="textAreaRight" fmla="*/ 228960 w 228240"/>
-              <a:gd name="textAreaTop" fmla="*/ 0 h 250560"/>
-              <a:gd name="textAreaBottom" fmla="*/ 251280 h 250560"/>
+              <a:gd name="textAreaLeft" fmla="*/ 0 w 227520"/>
+              <a:gd name="textAreaRight" fmla="*/ 228960 w 227520"/>
+              <a:gd name="textAreaTop" fmla="*/ 0 h 249840"/>
+              <a:gd name="textAreaBottom" fmla="*/ 251280 h 249840"/>
             </a:gdLst>
             <a:ahLst/>
             <a:rect l="textAreaLeft" t="textAreaTop" r="textAreaRight" b="textAreaBottom"/>
@@ -26014,15 +27551,15 @@
         <p:spPr>
           <a:xfrm>
             <a:off x="3124800" y="4800600"/>
-            <a:ext cx="228240" cy="250560"/>
+            <a:ext cx="227520" cy="249840"/>
           </a:xfrm>
           <a:custGeom>
             <a:avLst/>
             <a:gdLst>
-              <a:gd name="textAreaLeft" fmla="*/ 0 w 228240"/>
-              <a:gd name="textAreaRight" fmla="*/ 228960 w 228240"/>
-              <a:gd name="textAreaTop" fmla="*/ 0 h 250560"/>
-              <a:gd name="textAreaBottom" fmla="*/ 251280 h 250560"/>
+              <a:gd name="textAreaLeft" fmla="*/ 0 w 227520"/>
+              <a:gd name="textAreaRight" fmla="*/ 228960 w 227520"/>
+              <a:gd name="textAreaTop" fmla="*/ 0 h 249840"/>
+              <a:gd name="textAreaBottom" fmla="*/ 251280 h 249840"/>
             </a:gdLst>
             <a:ahLst/>
             <a:rect l="textAreaLeft" t="textAreaTop" r="textAreaRight" b="textAreaBottom"/>
@@ -26095,15 +27632,15 @@
         <p:spPr>
           <a:xfrm>
             <a:off x="3340800" y="4800600"/>
-            <a:ext cx="228240" cy="250560"/>
+            <a:ext cx="227520" cy="249840"/>
           </a:xfrm>
           <a:custGeom>
             <a:avLst/>
             <a:gdLst>
-              <a:gd name="textAreaLeft" fmla="*/ 0 w 228240"/>
-              <a:gd name="textAreaRight" fmla="*/ 228960 w 228240"/>
-              <a:gd name="textAreaTop" fmla="*/ 0 h 250560"/>
-              <a:gd name="textAreaBottom" fmla="*/ 251280 h 250560"/>
+              <a:gd name="textAreaLeft" fmla="*/ 0 w 227520"/>
+              <a:gd name="textAreaRight" fmla="*/ 228960 w 227520"/>
+              <a:gd name="textAreaTop" fmla="*/ 0 h 249840"/>
+              <a:gd name="textAreaBottom" fmla="*/ 251280 h 249840"/>
             </a:gdLst>
             <a:ahLst/>
             <a:rect l="textAreaLeft" t="textAreaTop" r="textAreaRight" b="textAreaBottom"/>
@@ -26176,15 +27713,15 @@
         <p:spPr>
           <a:xfrm>
             <a:off x="3556800" y="4800600"/>
-            <a:ext cx="228240" cy="250560"/>
+            <a:ext cx="227520" cy="249840"/>
           </a:xfrm>
           <a:custGeom>
             <a:avLst/>
             <a:gdLst>
-              <a:gd name="textAreaLeft" fmla="*/ 0 w 228240"/>
-              <a:gd name="textAreaRight" fmla="*/ 228960 w 228240"/>
-              <a:gd name="textAreaTop" fmla="*/ 0 h 250560"/>
-              <a:gd name="textAreaBottom" fmla="*/ 251280 h 250560"/>
+              <a:gd name="textAreaLeft" fmla="*/ 0 w 227520"/>
+              <a:gd name="textAreaRight" fmla="*/ 228960 w 227520"/>
+              <a:gd name="textAreaTop" fmla="*/ 0 h 249840"/>
+              <a:gd name="textAreaBottom" fmla="*/ 251280 h 249840"/>
             </a:gdLst>
             <a:ahLst/>
             <a:rect l="textAreaLeft" t="textAreaTop" r="textAreaRight" b="textAreaBottom"/>
@@ -26257,15 +27794,15 @@
         <p:spPr>
           <a:xfrm>
             <a:off x="3772800" y="4800600"/>
-            <a:ext cx="228240" cy="250560"/>
+            <a:ext cx="227520" cy="249840"/>
           </a:xfrm>
           <a:custGeom>
             <a:avLst/>
             <a:gdLst>
-              <a:gd name="textAreaLeft" fmla="*/ 0 w 228240"/>
-              <a:gd name="textAreaRight" fmla="*/ 228960 w 228240"/>
-              <a:gd name="textAreaTop" fmla="*/ 0 h 250560"/>
-              <a:gd name="textAreaBottom" fmla="*/ 251280 h 250560"/>
+              <a:gd name="textAreaLeft" fmla="*/ 0 w 227520"/>
+              <a:gd name="textAreaRight" fmla="*/ 228960 w 227520"/>
+              <a:gd name="textAreaTop" fmla="*/ 0 h 249840"/>
+              <a:gd name="textAreaBottom" fmla="*/ 251280 h 249840"/>
             </a:gdLst>
             <a:ahLst/>
             <a:rect l="textAreaLeft" t="textAreaTop" r="textAreaRight" b="textAreaBottom"/>
@@ -26338,15 +27875,15 @@
         <p:spPr>
           <a:xfrm>
             <a:off x="3988800" y="4800600"/>
-            <a:ext cx="228240" cy="250560"/>
+            <a:ext cx="227520" cy="249840"/>
           </a:xfrm>
           <a:custGeom>
             <a:avLst/>
             <a:gdLst>
-              <a:gd name="textAreaLeft" fmla="*/ 0 w 228240"/>
-              <a:gd name="textAreaRight" fmla="*/ 228960 w 228240"/>
-              <a:gd name="textAreaTop" fmla="*/ 0 h 250560"/>
-              <a:gd name="textAreaBottom" fmla="*/ 251280 h 250560"/>
+              <a:gd name="textAreaLeft" fmla="*/ 0 w 227520"/>
+              <a:gd name="textAreaRight" fmla="*/ 228960 w 227520"/>
+              <a:gd name="textAreaTop" fmla="*/ 0 h 249840"/>
+              <a:gd name="textAreaBottom" fmla="*/ 251280 h 249840"/>
             </a:gdLst>
             <a:ahLst/>
             <a:rect l="textAreaLeft" t="textAreaTop" r="textAreaRight" b="textAreaBottom"/>
@@ -26419,15 +27956,15 @@
         <p:spPr>
           <a:xfrm>
             <a:off x="4204800" y="4800600"/>
-            <a:ext cx="228240" cy="250560"/>
+            <a:ext cx="227520" cy="249840"/>
           </a:xfrm>
           <a:custGeom>
             <a:avLst/>
             <a:gdLst>
-              <a:gd name="textAreaLeft" fmla="*/ 0 w 228240"/>
-              <a:gd name="textAreaRight" fmla="*/ 228960 w 228240"/>
-              <a:gd name="textAreaTop" fmla="*/ 0 h 250560"/>
-              <a:gd name="textAreaBottom" fmla="*/ 251280 h 250560"/>
+              <a:gd name="textAreaLeft" fmla="*/ 0 w 227520"/>
+              <a:gd name="textAreaRight" fmla="*/ 228960 w 227520"/>
+              <a:gd name="textAreaTop" fmla="*/ 0 h 249840"/>
+              <a:gd name="textAreaBottom" fmla="*/ 251280 h 249840"/>
             </a:gdLst>
             <a:ahLst/>
             <a:rect l="textAreaLeft" t="textAreaTop" r="textAreaRight" b="textAreaBottom"/>
@@ -26500,15 +28037,15 @@
         <p:spPr>
           <a:xfrm>
             <a:off x="4420800" y="4800600"/>
-            <a:ext cx="228240" cy="250560"/>
+            <a:ext cx="227520" cy="249840"/>
           </a:xfrm>
           <a:custGeom>
             <a:avLst/>
             <a:gdLst>
-              <a:gd name="textAreaLeft" fmla="*/ 0 w 228240"/>
-              <a:gd name="textAreaRight" fmla="*/ 228960 w 228240"/>
-              <a:gd name="textAreaTop" fmla="*/ 0 h 250560"/>
-              <a:gd name="textAreaBottom" fmla="*/ 251280 h 250560"/>
+              <a:gd name="textAreaLeft" fmla="*/ 0 w 227520"/>
+              <a:gd name="textAreaRight" fmla="*/ 228960 w 227520"/>
+              <a:gd name="textAreaTop" fmla="*/ 0 h 249840"/>
+              <a:gd name="textAreaBottom" fmla="*/ 251280 h 249840"/>
             </a:gdLst>
             <a:ahLst/>
             <a:rect l="textAreaLeft" t="textAreaTop" r="textAreaRight" b="textAreaBottom"/>
@@ -26581,15 +28118,15 @@
         <p:spPr>
           <a:xfrm>
             <a:off x="4636800" y="4800600"/>
-            <a:ext cx="228240" cy="250560"/>
+            <a:ext cx="227520" cy="249840"/>
           </a:xfrm>
           <a:custGeom>
             <a:avLst/>
             <a:gdLst>
-              <a:gd name="textAreaLeft" fmla="*/ 0 w 228240"/>
-              <a:gd name="textAreaRight" fmla="*/ 228960 w 228240"/>
-              <a:gd name="textAreaTop" fmla="*/ 0 h 250560"/>
-              <a:gd name="textAreaBottom" fmla="*/ 251280 h 250560"/>
+              <a:gd name="textAreaLeft" fmla="*/ 0 w 227520"/>
+              <a:gd name="textAreaRight" fmla="*/ 228960 w 227520"/>
+              <a:gd name="textAreaTop" fmla="*/ 0 h 249840"/>
+              <a:gd name="textAreaBottom" fmla="*/ 251280 h 249840"/>
             </a:gdLst>
             <a:ahLst/>
             <a:rect l="textAreaLeft" t="textAreaTop" r="textAreaRight" b="textAreaBottom"/>
@@ -26696,7 +28233,7 @@
         <p:spPr>
           <a:xfrm>
             <a:off x="1143360" y="582840"/>
-            <a:ext cx="7289640" cy="540000"/>
+            <a:ext cx="7288920" cy="539280"/>
           </a:xfrm>
           <a:prstGeom prst="rect">
             <a:avLst/>
@@ -26732,7 +28269,7 @@
             </a:r>
             <a:endParaRPr b="0" lang="en-US" sz="2800" spc="-1" strike="noStrike">
               <a:solidFill>
-                <a:srgbClr val="81d41a"/>
+                <a:srgbClr val="ffffff"/>
               </a:solidFill>
               <a:latin typeface="Arial"/>
             </a:endParaRPr>
@@ -26752,7 +28289,7 @@
         <p:spPr>
           <a:xfrm>
             <a:off x="1464120" y="1063080"/>
-            <a:ext cx="6968520" cy="3415320"/>
+            <a:ext cx="6967800" cy="3414600"/>
           </a:xfrm>
           <a:prstGeom prst="rect">
             <a:avLst/>
@@ -26929,7 +28466,7 @@
         <p:spPr>
           <a:xfrm>
             <a:off x="710280" y="4694760"/>
-            <a:ext cx="4863960" cy="356400"/>
+            <a:ext cx="4863240" cy="355680"/>
           </a:xfrm>
           <a:prstGeom prst="rect">
             <a:avLst/>
@@ -26985,7 +28522,7 @@
         <p:spPr>
           <a:xfrm>
             <a:off x="-6120" y="91440"/>
-            <a:ext cx="4570920" cy="356400"/>
+            <a:ext cx="4570200" cy="355680"/>
           </a:xfrm>
           <a:prstGeom prst="rect">
             <a:avLst/>
@@ -27041,7 +28578,7 @@
         <p:spPr>
           <a:xfrm>
             <a:off x="4572000" y="91440"/>
-            <a:ext cx="4570920" cy="356400"/>
+            <a:ext cx="4570200" cy="355680"/>
           </a:xfrm>
           <a:prstGeom prst="rect">
             <a:avLst/>
@@ -27093,15 +28630,15 @@
         <p:spPr>
           <a:xfrm>
             <a:off x="1828800" y="4800600"/>
-            <a:ext cx="228240" cy="250560"/>
+            <a:ext cx="227520" cy="249840"/>
           </a:xfrm>
           <a:custGeom>
             <a:avLst/>
             <a:gdLst>
-              <a:gd name="textAreaLeft" fmla="*/ 0 w 228240"/>
-              <a:gd name="textAreaRight" fmla="*/ 228960 w 228240"/>
-              <a:gd name="textAreaTop" fmla="*/ 0 h 250560"/>
-              <a:gd name="textAreaBottom" fmla="*/ 251280 h 250560"/>
+              <a:gd name="textAreaLeft" fmla="*/ 0 w 227520"/>
+              <a:gd name="textAreaRight" fmla="*/ 228960 w 227520"/>
+              <a:gd name="textAreaTop" fmla="*/ 0 h 249840"/>
+              <a:gd name="textAreaBottom" fmla="*/ 251280 h 249840"/>
             </a:gdLst>
             <a:ahLst/>
             <a:rect l="textAreaLeft" t="textAreaTop" r="textAreaRight" b="textAreaBottom"/>
@@ -27174,15 +28711,15 @@
         <p:spPr>
           <a:xfrm>
             <a:off x="2044800" y="4800600"/>
-            <a:ext cx="228240" cy="250560"/>
+            <a:ext cx="227520" cy="249840"/>
           </a:xfrm>
           <a:custGeom>
             <a:avLst/>
             <a:gdLst>
-              <a:gd name="textAreaLeft" fmla="*/ 0 w 228240"/>
-              <a:gd name="textAreaRight" fmla="*/ 228960 w 228240"/>
-              <a:gd name="textAreaTop" fmla="*/ 0 h 250560"/>
-              <a:gd name="textAreaBottom" fmla="*/ 251280 h 250560"/>
+              <a:gd name="textAreaLeft" fmla="*/ 0 w 227520"/>
+              <a:gd name="textAreaRight" fmla="*/ 228960 w 227520"/>
+              <a:gd name="textAreaTop" fmla="*/ 0 h 249840"/>
+              <a:gd name="textAreaBottom" fmla="*/ 251280 h 249840"/>
             </a:gdLst>
             <a:ahLst/>
             <a:rect l="textAreaLeft" t="textAreaTop" r="textAreaRight" b="textAreaBottom"/>
@@ -27255,15 +28792,15 @@
         <p:spPr>
           <a:xfrm>
             <a:off x="2260800" y="4800600"/>
-            <a:ext cx="228240" cy="250560"/>
+            <a:ext cx="227520" cy="249840"/>
           </a:xfrm>
           <a:custGeom>
             <a:avLst/>
             <a:gdLst>
-              <a:gd name="textAreaLeft" fmla="*/ 0 w 228240"/>
-              <a:gd name="textAreaRight" fmla="*/ 228960 w 228240"/>
-              <a:gd name="textAreaTop" fmla="*/ 0 h 250560"/>
-              <a:gd name="textAreaBottom" fmla="*/ 251280 h 250560"/>
+              <a:gd name="textAreaLeft" fmla="*/ 0 w 227520"/>
+              <a:gd name="textAreaRight" fmla="*/ 228960 w 227520"/>
+              <a:gd name="textAreaTop" fmla="*/ 0 h 249840"/>
+              <a:gd name="textAreaBottom" fmla="*/ 251280 h 249840"/>
             </a:gdLst>
             <a:ahLst/>
             <a:rect l="textAreaLeft" t="textAreaTop" r="textAreaRight" b="textAreaBottom"/>
@@ -27336,15 +28873,15 @@
         <p:spPr>
           <a:xfrm>
             <a:off x="2476800" y="4800600"/>
-            <a:ext cx="228240" cy="250560"/>
+            <a:ext cx="227520" cy="249840"/>
           </a:xfrm>
           <a:custGeom>
             <a:avLst/>
             <a:gdLst>
-              <a:gd name="textAreaLeft" fmla="*/ 0 w 228240"/>
-              <a:gd name="textAreaRight" fmla="*/ 228960 w 228240"/>
-              <a:gd name="textAreaTop" fmla="*/ 0 h 250560"/>
-              <a:gd name="textAreaBottom" fmla="*/ 251280 h 250560"/>
+              <a:gd name="textAreaLeft" fmla="*/ 0 w 227520"/>
+              <a:gd name="textAreaRight" fmla="*/ 228960 w 227520"/>
+              <a:gd name="textAreaTop" fmla="*/ 0 h 249840"/>
+              <a:gd name="textAreaBottom" fmla="*/ 251280 h 249840"/>
             </a:gdLst>
             <a:ahLst/>
             <a:rect l="textAreaLeft" t="textAreaTop" r="textAreaRight" b="textAreaBottom"/>
@@ -27417,15 +28954,15 @@
         <p:spPr>
           <a:xfrm>
             <a:off x="2692800" y="4800600"/>
-            <a:ext cx="228240" cy="250560"/>
+            <a:ext cx="227520" cy="249840"/>
           </a:xfrm>
           <a:custGeom>
             <a:avLst/>
             <a:gdLst>
-              <a:gd name="textAreaLeft" fmla="*/ 0 w 228240"/>
-              <a:gd name="textAreaRight" fmla="*/ 228960 w 228240"/>
-              <a:gd name="textAreaTop" fmla="*/ 0 h 250560"/>
-              <a:gd name="textAreaBottom" fmla="*/ 251280 h 250560"/>
+              <a:gd name="textAreaLeft" fmla="*/ 0 w 227520"/>
+              <a:gd name="textAreaRight" fmla="*/ 228960 w 227520"/>
+              <a:gd name="textAreaTop" fmla="*/ 0 h 249840"/>
+              <a:gd name="textAreaBottom" fmla="*/ 251280 h 249840"/>
             </a:gdLst>
             <a:ahLst/>
             <a:rect l="textAreaLeft" t="textAreaTop" r="textAreaRight" b="textAreaBottom"/>
@@ -27498,15 +29035,15 @@
         <p:spPr>
           <a:xfrm>
             <a:off x="2908800" y="4800600"/>
-            <a:ext cx="228240" cy="250560"/>
+            <a:ext cx="227520" cy="249840"/>
           </a:xfrm>
           <a:custGeom>
             <a:avLst/>
             <a:gdLst>
-              <a:gd name="textAreaLeft" fmla="*/ 0 w 228240"/>
-              <a:gd name="textAreaRight" fmla="*/ 228960 w 228240"/>
-              <a:gd name="textAreaTop" fmla="*/ 0 h 250560"/>
-              <a:gd name="textAreaBottom" fmla="*/ 251280 h 250560"/>
+              <a:gd name="textAreaLeft" fmla="*/ 0 w 227520"/>
+              <a:gd name="textAreaRight" fmla="*/ 228960 w 227520"/>
+              <a:gd name="textAreaTop" fmla="*/ 0 h 249840"/>
+              <a:gd name="textAreaBottom" fmla="*/ 251280 h 249840"/>
             </a:gdLst>
             <a:ahLst/>
             <a:rect l="textAreaLeft" t="textAreaTop" r="textAreaRight" b="textAreaBottom"/>
@@ -27579,15 +29116,15 @@
         <p:spPr>
           <a:xfrm>
             <a:off x="3124800" y="4800600"/>
-            <a:ext cx="228240" cy="250560"/>
+            <a:ext cx="227520" cy="249840"/>
           </a:xfrm>
           <a:custGeom>
             <a:avLst/>
             <a:gdLst>
-              <a:gd name="textAreaLeft" fmla="*/ 0 w 228240"/>
-              <a:gd name="textAreaRight" fmla="*/ 228960 w 228240"/>
-              <a:gd name="textAreaTop" fmla="*/ 0 h 250560"/>
-              <a:gd name="textAreaBottom" fmla="*/ 251280 h 250560"/>
+              <a:gd name="textAreaLeft" fmla="*/ 0 w 227520"/>
+              <a:gd name="textAreaRight" fmla="*/ 228960 w 227520"/>
+              <a:gd name="textAreaTop" fmla="*/ 0 h 249840"/>
+              <a:gd name="textAreaBottom" fmla="*/ 251280 h 249840"/>
             </a:gdLst>
             <a:ahLst/>
             <a:rect l="textAreaLeft" t="textAreaTop" r="textAreaRight" b="textAreaBottom"/>
@@ -27660,15 +29197,15 @@
         <p:spPr>
           <a:xfrm>
             <a:off x="3340800" y="4800600"/>
-            <a:ext cx="228240" cy="250560"/>
+            <a:ext cx="227520" cy="249840"/>
           </a:xfrm>
           <a:custGeom>
             <a:avLst/>
             <a:gdLst>
-              <a:gd name="textAreaLeft" fmla="*/ 0 w 228240"/>
-              <a:gd name="textAreaRight" fmla="*/ 228960 w 228240"/>
-              <a:gd name="textAreaTop" fmla="*/ 0 h 250560"/>
-              <a:gd name="textAreaBottom" fmla="*/ 251280 h 250560"/>
+              <a:gd name="textAreaLeft" fmla="*/ 0 w 227520"/>
+              <a:gd name="textAreaRight" fmla="*/ 228960 w 227520"/>
+              <a:gd name="textAreaTop" fmla="*/ 0 h 249840"/>
+              <a:gd name="textAreaBottom" fmla="*/ 251280 h 249840"/>
             </a:gdLst>
             <a:ahLst/>
             <a:rect l="textAreaLeft" t="textAreaTop" r="textAreaRight" b="textAreaBottom"/>
@@ -27741,15 +29278,15 @@
         <p:spPr>
           <a:xfrm>
             <a:off x="3556800" y="4800600"/>
-            <a:ext cx="228240" cy="250560"/>
+            <a:ext cx="227520" cy="249840"/>
           </a:xfrm>
           <a:custGeom>
             <a:avLst/>
             <a:gdLst>
-              <a:gd name="textAreaLeft" fmla="*/ 0 w 228240"/>
-              <a:gd name="textAreaRight" fmla="*/ 228960 w 228240"/>
-              <a:gd name="textAreaTop" fmla="*/ 0 h 250560"/>
-              <a:gd name="textAreaBottom" fmla="*/ 251280 h 250560"/>
+              <a:gd name="textAreaLeft" fmla="*/ 0 w 227520"/>
+              <a:gd name="textAreaRight" fmla="*/ 228960 w 227520"/>
+              <a:gd name="textAreaTop" fmla="*/ 0 h 249840"/>
+              <a:gd name="textAreaBottom" fmla="*/ 251280 h 249840"/>
             </a:gdLst>
             <a:ahLst/>
             <a:rect l="textAreaLeft" t="textAreaTop" r="textAreaRight" b="textAreaBottom"/>
@@ -27822,15 +29359,15 @@
         <p:spPr>
           <a:xfrm>
             <a:off x="3772800" y="4800600"/>
-            <a:ext cx="228240" cy="250560"/>
+            <a:ext cx="227520" cy="249840"/>
           </a:xfrm>
           <a:custGeom>
             <a:avLst/>
             <a:gdLst>
-              <a:gd name="textAreaLeft" fmla="*/ 0 w 228240"/>
-              <a:gd name="textAreaRight" fmla="*/ 228960 w 228240"/>
-              <a:gd name="textAreaTop" fmla="*/ 0 h 250560"/>
-              <a:gd name="textAreaBottom" fmla="*/ 251280 h 250560"/>
+              <a:gd name="textAreaLeft" fmla="*/ 0 w 227520"/>
+              <a:gd name="textAreaRight" fmla="*/ 228960 w 227520"/>
+              <a:gd name="textAreaTop" fmla="*/ 0 h 249840"/>
+              <a:gd name="textAreaBottom" fmla="*/ 251280 h 249840"/>
             </a:gdLst>
             <a:ahLst/>
             <a:rect l="textAreaLeft" t="textAreaTop" r="textAreaRight" b="textAreaBottom"/>
@@ -27903,15 +29440,15 @@
         <p:spPr>
           <a:xfrm>
             <a:off x="3988800" y="4800600"/>
-            <a:ext cx="228240" cy="250560"/>
+            <a:ext cx="227520" cy="249840"/>
           </a:xfrm>
           <a:custGeom>
             <a:avLst/>
             <a:gdLst>
-              <a:gd name="textAreaLeft" fmla="*/ 0 w 228240"/>
-              <a:gd name="textAreaRight" fmla="*/ 228960 w 228240"/>
-              <a:gd name="textAreaTop" fmla="*/ 0 h 250560"/>
-              <a:gd name="textAreaBottom" fmla="*/ 251280 h 250560"/>
+              <a:gd name="textAreaLeft" fmla="*/ 0 w 227520"/>
+              <a:gd name="textAreaRight" fmla="*/ 228960 w 227520"/>
+              <a:gd name="textAreaTop" fmla="*/ 0 h 249840"/>
+              <a:gd name="textAreaBottom" fmla="*/ 251280 h 249840"/>
             </a:gdLst>
             <a:ahLst/>
             <a:rect l="textAreaLeft" t="textAreaTop" r="textAreaRight" b="textAreaBottom"/>
@@ -27984,15 +29521,15 @@
         <p:spPr>
           <a:xfrm>
             <a:off x="4204800" y="4800600"/>
-            <a:ext cx="228240" cy="250560"/>
+            <a:ext cx="227520" cy="249840"/>
           </a:xfrm>
           <a:custGeom>
             <a:avLst/>
             <a:gdLst>
-              <a:gd name="textAreaLeft" fmla="*/ 0 w 228240"/>
-              <a:gd name="textAreaRight" fmla="*/ 228960 w 228240"/>
-              <a:gd name="textAreaTop" fmla="*/ 0 h 250560"/>
-              <a:gd name="textAreaBottom" fmla="*/ 251280 h 250560"/>
+              <a:gd name="textAreaLeft" fmla="*/ 0 w 227520"/>
+              <a:gd name="textAreaRight" fmla="*/ 228960 w 227520"/>
+              <a:gd name="textAreaTop" fmla="*/ 0 h 249840"/>
+              <a:gd name="textAreaBottom" fmla="*/ 251280 h 249840"/>
             </a:gdLst>
             <a:ahLst/>
             <a:rect l="textAreaLeft" t="textAreaTop" r="textAreaRight" b="textAreaBottom"/>
@@ -28065,15 +29602,15 @@
         <p:spPr>
           <a:xfrm>
             <a:off x="4420800" y="4800600"/>
-            <a:ext cx="228240" cy="250560"/>
+            <a:ext cx="227520" cy="249840"/>
           </a:xfrm>
           <a:custGeom>
             <a:avLst/>
             <a:gdLst>
-              <a:gd name="textAreaLeft" fmla="*/ 0 w 228240"/>
-              <a:gd name="textAreaRight" fmla="*/ 228960 w 228240"/>
-              <a:gd name="textAreaTop" fmla="*/ 0 h 250560"/>
-              <a:gd name="textAreaBottom" fmla="*/ 251280 h 250560"/>
+              <a:gd name="textAreaLeft" fmla="*/ 0 w 227520"/>
+              <a:gd name="textAreaRight" fmla="*/ 228960 w 227520"/>
+              <a:gd name="textAreaTop" fmla="*/ 0 h 249840"/>
+              <a:gd name="textAreaBottom" fmla="*/ 251280 h 249840"/>
             </a:gdLst>
             <a:ahLst/>
             <a:rect l="textAreaLeft" t="textAreaTop" r="textAreaRight" b="textAreaBottom"/>
@@ -28146,15 +29683,15 @@
         <p:spPr>
           <a:xfrm>
             <a:off x="4636800" y="4800600"/>
-            <a:ext cx="228240" cy="250560"/>
+            <a:ext cx="227520" cy="249840"/>
           </a:xfrm>
           <a:custGeom>
             <a:avLst/>
             <a:gdLst>
-              <a:gd name="textAreaLeft" fmla="*/ 0 w 228240"/>
-              <a:gd name="textAreaRight" fmla="*/ 228960 w 228240"/>
-              <a:gd name="textAreaTop" fmla="*/ 0 h 250560"/>
-              <a:gd name="textAreaBottom" fmla="*/ 251280 h 250560"/>
+              <a:gd name="textAreaLeft" fmla="*/ 0 w 227520"/>
+              <a:gd name="textAreaRight" fmla="*/ 228960 w 227520"/>
+              <a:gd name="textAreaTop" fmla="*/ 0 h 249840"/>
+              <a:gd name="textAreaBottom" fmla="*/ 251280 h 249840"/>
             </a:gdLst>
             <a:ahLst/>
             <a:rect l="textAreaLeft" t="textAreaTop" r="textAreaRight" b="textAreaBottom"/>
@@ -28261,7 +29798,7 @@
         <p:spPr>
           <a:xfrm>
             <a:off x="1143360" y="582840"/>
-            <a:ext cx="7289640" cy="540000"/>
+            <a:ext cx="7288920" cy="539280"/>
           </a:xfrm>
           <a:prstGeom prst="rect">
             <a:avLst/>
@@ -28307,7 +29844,7 @@
             </a:r>
             <a:endParaRPr b="0" lang="en-US" sz="2800" spc="-1" strike="noStrike">
               <a:solidFill>
-                <a:srgbClr val="81d41a"/>
+                <a:srgbClr val="ffffff"/>
               </a:solidFill>
               <a:latin typeface="Arial"/>
             </a:endParaRPr>
@@ -28327,7 +29864,7 @@
         <p:spPr>
           <a:xfrm>
             <a:off x="1464120" y="1063080"/>
-            <a:ext cx="6968520" cy="3415320"/>
+            <a:ext cx="6967800" cy="3414600"/>
           </a:xfrm>
           <a:prstGeom prst="rect">
             <a:avLst/>
@@ -28467,7 +30004,7 @@
         <p:spPr>
           <a:xfrm>
             <a:off x="710280" y="4694760"/>
-            <a:ext cx="4863960" cy="356400"/>
+            <a:ext cx="4863240" cy="355680"/>
           </a:xfrm>
           <a:prstGeom prst="rect">
             <a:avLst/>
@@ -28523,7 +30060,7 @@
         <p:spPr>
           <a:xfrm>
             <a:off x="-6120" y="91440"/>
-            <a:ext cx="4570920" cy="356400"/>
+            <a:ext cx="4570200" cy="355680"/>
           </a:xfrm>
           <a:prstGeom prst="rect">
             <a:avLst/>
@@ -28579,7 +30116,7 @@
         <p:spPr>
           <a:xfrm>
             <a:off x="4572000" y="91440"/>
-            <a:ext cx="4570920" cy="356400"/>
+            <a:ext cx="4570200" cy="355680"/>
           </a:xfrm>
           <a:prstGeom prst="rect">
             <a:avLst/>
@@ -28631,15 +30168,15 @@
         <p:spPr>
           <a:xfrm>
             <a:off x="1828800" y="4800600"/>
-            <a:ext cx="228240" cy="250560"/>
+            <a:ext cx="227520" cy="249840"/>
           </a:xfrm>
           <a:custGeom>
             <a:avLst/>
             <a:gdLst>
-              <a:gd name="textAreaLeft" fmla="*/ 0 w 228240"/>
-              <a:gd name="textAreaRight" fmla="*/ 228960 w 228240"/>
-              <a:gd name="textAreaTop" fmla="*/ 0 h 250560"/>
-              <a:gd name="textAreaBottom" fmla="*/ 251280 h 250560"/>
+              <a:gd name="textAreaLeft" fmla="*/ 0 w 227520"/>
+              <a:gd name="textAreaRight" fmla="*/ 228960 w 227520"/>
+              <a:gd name="textAreaTop" fmla="*/ 0 h 249840"/>
+              <a:gd name="textAreaBottom" fmla="*/ 251280 h 249840"/>
             </a:gdLst>
             <a:ahLst/>
             <a:rect l="textAreaLeft" t="textAreaTop" r="textAreaRight" b="textAreaBottom"/>
@@ -28712,15 +30249,15 @@
         <p:spPr>
           <a:xfrm>
             <a:off x="2044800" y="4800600"/>
-            <a:ext cx="228240" cy="250560"/>
+            <a:ext cx="227520" cy="249840"/>
           </a:xfrm>
           <a:custGeom>
             <a:avLst/>
             <a:gdLst>
-              <a:gd name="textAreaLeft" fmla="*/ 0 w 228240"/>
-              <a:gd name="textAreaRight" fmla="*/ 228960 w 228240"/>
-              <a:gd name="textAreaTop" fmla="*/ 0 h 250560"/>
-              <a:gd name="textAreaBottom" fmla="*/ 251280 h 250560"/>
+              <a:gd name="textAreaLeft" fmla="*/ 0 w 227520"/>
+              <a:gd name="textAreaRight" fmla="*/ 228960 w 227520"/>
+              <a:gd name="textAreaTop" fmla="*/ 0 h 249840"/>
+              <a:gd name="textAreaBottom" fmla="*/ 251280 h 249840"/>
             </a:gdLst>
             <a:ahLst/>
             <a:rect l="textAreaLeft" t="textAreaTop" r="textAreaRight" b="textAreaBottom"/>
@@ -28793,15 +30330,15 @@
         <p:spPr>
           <a:xfrm>
             <a:off x="2260800" y="4800600"/>
-            <a:ext cx="228240" cy="250560"/>
+            <a:ext cx="227520" cy="249840"/>
           </a:xfrm>
           <a:custGeom>
             <a:avLst/>
             <a:gdLst>
-              <a:gd name="textAreaLeft" fmla="*/ 0 w 228240"/>
-              <a:gd name="textAreaRight" fmla="*/ 228960 w 228240"/>
-              <a:gd name="textAreaTop" fmla="*/ 0 h 250560"/>
-              <a:gd name="textAreaBottom" fmla="*/ 251280 h 250560"/>
+              <a:gd name="textAreaLeft" fmla="*/ 0 w 227520"/>
+              <a:gd name="textAreaRight" fmla="*/ 228960 w 227520"/>
+              <a:gd name="textAreaTop" fmla="*/ 0 h 249840"/>
+              <a:gd name="textAreaBottom" fmla="*/ 251280 h 249840"/>
             </a:gdLst>
             <a:ahLst/>
             <a:rect l="textAreaLeft" t="textAreaTop" r="textAreaRight" b="textAreaBottom"/>
@@ -28874,15 +30411,15 @@
         <p:spPr>
           <a:xfrm>
             <a:off x="2476800" y="4800600"/>
-            <a:ext cx="228240" cy="250560"/>
+            <a:ext cx="227520" cy="249840"/>
           </a:xfrm>
           <a:custGeom>
             <a:avLst/>
             <a:gdLst>
-              <a:gd name="textAreaLeft" fmla="*/ 0 w 228240"/>
-              <a:gd name="textAreaRight" fmla="*/ 228960 w 228240"/>
-              <a:gd name="textAreaTop" fmla="*/ 0 h 250560"/>
-              <a:gd name="textAreaBottom" fmla="*/ 251280 h 250560"/>
+              <a:gd name="textAreaLeft" fmla="*/ 0 w 227520"/>
+              <a:gd name="textAreaRight" fmla="*/ 228960 w 227520"/>
+              <a:gd name="textAreaTop" fmla="*/ 0 h 249840"/>
+              <a:gd name="textAreaBottom" fmla="*/ 251280 h 249840"/>
             </a:gdLst>
             <a:ahLst/>
             <a:rect l="textAreaLeft" t="textAreaTop" r="textAreaRight" b="textAreaBottom"/>
@@ -28955,15 +30492,15 @@
         <p:spPr>
           <a:xfrm>
             <a:off x="2692800" y="4800600"/>
-            <a:ext cx="228240" cy="250560"/>
+            <a:ext cx="227520" cy="249840"/>
           </a:xfrm>
           <a:custGeom>
             <a:avLst/>
             <a:gdLst>
-              <a:gd name="textAreaLeft" fmla="*/ 0 w 228240"/>
-              <a:gd name="textAreaRight" fmla="*/ 228960 w 228240"/>
-              <a:gd name="textAreaTop" fmla="*/ 0 h 250560"/>
-              <a:gd name="textAreaBottom" fmla="*/ 251280 h 250560"/>
+              <a:gd name="textAreaLeft" fmla="*/ 0 w 227520"/>
+              <a:gd name="textAreaRight" fmla="*/ 228960 w 227520"/>
+              <a:gd name="textAreaTop" fmla="*/ 0 h 249840"/>
+              <a:gd name="textAreaBottom" fmla="*/ 251280 h 249840"/>
             </a:gdLst>
             <a:ahLst/>
             <a:rect l="textAreaLeft" t="textAreaTop" r="textAreaRight" b="textAreaBottom"/>
@@ -29036,15 +30573,15 @@
         <p:spPr>
           <a:xfrm>
             <a:off x="2908800" y="4800600"/>
-            <a:ext cx="228240" cy="250560"/>
+            <a:ext cx="227520" cy="249840"/>
           </a:xfrm>
           <a:custGeom>
             <a:avLst/>
             <a:gdLst>
-              <a:gd name="textAreaLeft" fmla="*/ 0 w 228240"/>
-              <a:gd name="textAreaRight" fmla="*/ 228960 w 228240"/>
-              <a:gd name="textAreaTop" fmla="*/ 0 h 250560"/>
-              <a:gd name="textAreaBottom" fmla="*/ 251280 h 250560"/>
+              <a:gd name="textAreaLeft" fmla="*/ 0 w 227520"/>
+              <a:gd name="textAreaRight" fmla="*/ 228960 w 227520"/>
+              <a:gd name="textAreaTop" fmla="*/ 0 h 249840"/>
+              <a:gd name="textAreaBottom" fmla="*/ 251280 h 249840"/>
             </a:gdLst>
             <a:ahLst/>
             <a:rect l="textAreaLeft" t="textAreaTop" r="textAreaRight" b="textAreaBottom"/>
@@ -29117,15 +30654,15 @@
         <p:spPr>
           <a:xfrm>
             <a:off x="3124800" y="4800600"/>
-            <a:ext cx="228240" cy="250560"/>
+            <a:ext cx="227520" cy="249840"/>
           </a:xfrm>
           <a:custGeom>
             <a:avLst/>
             <a:gdLst>
-              <a:gd name="textAreaLeft" fmla="*/ 0 w 228240"/>
-              <a:gd name="textAreaRight" fmla="*/ 228960 w 228240"/>
-              <a:gd name="textAreaTop" fmla="*/ 0 h 250560"/>
-              <a:gd name="textAreaBottom" fmla="*/ 251280 h 250560"/>
+              <a:gd name="textAreaLeft" fmla="*/ 0 w 227520"/>
+              <a:gd name="textAreaRight" fmla="*/ 228960 w 227520"/>
+              <a:gd name="textAreaTop" fmla="*/ 0 h 249840"/>
+              <a:gd name="textAreaBottom" fmla="*/ 251280 h 249840"/>
             </a:gdLst>
             <a:ahLst/>
             <a:rect l="textAreaLeft" t="textAreaTop" r="textAreaRight" b="textAreaBottom"/>
@@ -29198,15 +30735,15 @@
         <p:spPr>
           <a:xfrm>
             <a:off x="3340800" y="4800600"/>
-            <a:ext cx="228240" cy="250560"/>
+            <a:ext cx="227520" cy="249840"/>
           </a:xfrm>
           <a:custGeom>
             <a:avLst/>
             <a:gdLst>
-              <a:gd name="textAreaLeft" fmla="*/ 0 w 228240"/>
-              <a:gd name="textAreaRight" fmla="*/ 228960 w 228240"/>
-              <a:gd name="textAreaTop" fmla="*/ 0 h 250560"/>
-              <a:gd name="textAreaBottom" fmla="*/ 251280 h 250560"/>
+              <a:gd name="textAreaLeft" fmla="*/ 0 w 227520"/>
+              <a:gd name="textAreaRight" fmla="*/ 228960 w 227520"/>
+              <a:gd name="textAreaTop" fmla="*/ 0 h 249840"/>
+              <a:gd name="textAreaBottom" fmla="*/ 251280 h 249840"/>
             </a:gdLst>
             <a:ahLst/>
             <a:rect l="textAreaLeft" t="textAreaTop" r="textAreaRight" b="textAreaBottom"/>
@@ -29279,15 +30816,15 @@
         <p:spPr>
           <a:xfrm>
             <a:off x="3556800" y="4800600"/>
-            <a:ext cx="228240" cy="250560"/>
+            <a:ext cx="227520" cy="249840"/>
           </a:xfrm>
           <a:custGeom>
             <a:avLst/>
             <a:gdLst>
-              <a:gd name="textAreaLeft" fmla="*/ 0 w 228240"/>
-              <a:gd name="textAreaRight" fmla="*/ 228960 w 228240"/>
-              <a:gd name="textAreaTop" fmla="*/ 0 h 250560"/>
-              <a:gd name="textAreaBottom" fmla="*/ 251280 h 250560"/>
+              <a:gd name="textAreaLeft" fmla="*/ 0 w 227520"/>
+              <a:gd name="textAreaRight" fmla="*/ 228960 w 227520"/>
+              <a:gd name="textAreaTop" fmla="*/ 0 h 249840"/>
+              <a:gd name="textAreaBottom" fmla="*/ 251280 h 249840"/>
             </a:gdLst>
             <a:ahLst/>
             <a:rect l="textAreaLeft" t="textAreaTop" r="textAreaRight" b="textAreaBottom"/>
@@ -29360,15 +30897,15 @@
         <p:spPr>
           <a:xfrm>
             <a:off x="3772800" y="4800600"/>
-            <a:ext cx="228240" cy="250560"/>
+            <a:ext cx="227520" cy="249840"/>
           </a:xfrm>
           <a:custGeom>
             <a:avLst/>
             <a:gdLst>
-              <a:gd name="textAreaLeft" fmla="*/ 0 w 228240"/>
-              <a:gd name="textAreaRight" fmla="*/ 228960 w 228240"/>
-              <a:gd name="textAreaTop" fmla="*/ 0 h 250560"/>
-              <a:gd name="textAreaBottom" fmla="*/ 251280 h 250560"/>
+              <a:gd name="textAreaLeft" fmla="*/ 0 w 227520"/>
+              <a:gd name="textAreaRight" fmla="*/ 228960 w 227520"/>
+              <a:gd name="textAreaTop" fmla="*/ 0 h 249840"/>
+              <a:gd name="textAreaBottom" fmla="*/ 251280 h 249840"/>
             </a:gdLst>
             <a:ahLst/>
             <a:rect l="textAreaLeft" t="textAreaTop" r="textAreaRight" b="textAreaBottom"/>
@@ -29441,15 +30978,15 @@
         <p:spPr>
           <a:xfrm>
             <a:off x="3988800" y="4800600"/>
-            <a:ext cx="228240" cy="250560"/>
+            <a:ext cx="227520" cy="249840"/>
           </a:xfrm>
           <a:custGeom>
             <a:avLst/>
             <a:gdLst>
-              <a:gd name="textAreaLeft" fmla="*/ 0 w 228240"/>
-              <a:gd name="textAreaRight" fmla="*/ 228960 w 228240"/>
-              <a:gd name="textAreaTop" fmla="*/ 0 h 250560"/>
-              <a:gd name="textAreaBottom" fmla="*/ 251280 h 250560"/>
+              <a:gd name="textAreaLeft" fmla="*/ 0 w 227520"/>
+              <a:gd name="textAreaRight" fmla="*/ 228960 w 227520"/>
+              <a:gd name="textAreaTop" fmla="*/ 0 h 249840"/>
+              <a:gd name="textAreaBottom" fmla="*/ 251280 h 249840"/>
             </a:gdLst>
             <a:ahLst/>
             <a:rect l="textAreaLeft" t="textAreaTop" r="textAreaRight" b="textAreaBottom"/>
@@ -29522,15 +31059,15 @@
         <p:spPr>
           <a:xfrm>
             <a:off x="4204800" y="4800600"/>
-            <a:ext cx="228240" cy="250560"/>
+            <a:ext cx="227520" cy="249840"/>
           </a:xfrm>
           <a:custGeom>
             <a:avLst/>
             <a:gdLst>
-              <a:gd name="textAreaLeft" fmla="*/ 0 w 228240"/>
-              <a:gd name="textAreaRight" fmla="*/ 228960 w 228240"/>
-              <a:gd name="textAreaTop" fmla="*/ 0 h 250560"/>
-              <a:gd name="textAreaBottom" fmla="*/ 251280 h 250560"/>
+              <a:gd name="textAreaLeft" fmla="*/ 0 w 227520"/>
+              <a:gd name="textAreaRight" fmla="*/ 228960 w 227520"/>
+              <a:gd name="textAreaTop" fmla="*/ 0 h 249840"/>
+              <a:gd name="textAreaBottom" fmla="*/ 251280 h 249840"/>
             </a:gdLst>
             <a:ahLst/>
             <a:rect l="textAreaLeft" t="textAreaTop" r="textAreaRight" b="textAreaBottom"/>
@@ -29603,15 +31140,15 @@
         <p:spPr>
           <a:xfrm>
             <a:off x="4420800" y="4800600"/>
-            <a:ext cx="228240" cy="250560"/>
+            <a:ext cx="227520" cy="249840"/>
           </a:xfrm>
           <a:custGeom>
             <a:avLst/>
             <a:gdLst>
-              <a:gd name="textAreaLeft" fmla="*/ 0 w 228240"/>
-              <a:gd name="textAreaRight" fmla="*/ 228960 w 228240"/>
-              <a:gd name="textAreaTop" fmla="*/ 0 h 250560"/>
-              <a:gd name="textAreaBottom" fmla="*/ 251280 h 250560"/>
+              <a:gd name="textAreaLeft" fmla="*/ 0 w 227520"/>
+              <a:gd name="textAreaRight" fmla="*/ 228960 w 227520"/>
+              <a:gd name="textAreaTop" fmla="*/ 0 h 249840"/>
+              <a:gd name="textAreaBottom" fmla="*/ 251280 h 249840"/>
             </a:gdLst>
             <a:ahLst/>
             <a:rect l="textAreaLeft" t="textAreaTop" r="textAreaRight" b="textAreaBottom"/>
@@ -29684,15 +31221,15 @@
         <p:spPr>
           <a:xfrm>
             <a:off x="4636800" y="4800600"/>
-            <a:ext cx="228240" cy="250560"/>
+            <a:ext cx="227520" cy="249840"/>
           </a:xfrm>
           <a:custGeom>
             <a:avLst/>
             <a:gdLst>
-              <a:gd name="textAreaLeft" fmla="*/ 0 w 228240"/>
-              <a:gd name="textAreaRight" fmla="*/ 228960 w 228240"/>
-              <a:gd name="textAreaTop" fmla="*/ 0 h 250560"/>
-              <a:gd name="textAreaBottom" fmla="*/ 251280 h 250560"/>
+              <a:gd name="textAreaLeft" fmla="*/ 0 w 227520"/>
+              <a:gd name="textAreaRight" fmla="*/ 228960 w 227520"/>
+              <a:gd name="textAreaTop" fmla="*/ 0 h 249840"/>
+              <a:gd name="textAreaBottom" fmla="*/ 251280 h 249840"/>
             </a:gdLst>
             <a:ahLst/>
             <a:rect l="textAreaLeft" t="textAreaTop" r="textAreaRight" b="textAreaBottom"/>
